--- a/courses/apcsp/lectures/lec11.pptx
+++ b/courses/apcsp/lectures/lec11.pptx
@@ -10,31 +10,28 @@
     <p:sldId id="274" r:id="rId4"/>
     <p:sldId id="275" r:id="rId5"/>
     <p:sldId id="291" r:id="rId6"/>
-    <p:sldId id="312" r:id="rId7"/>
-    <p:sldId id="276" r:id="rId8"/>
-    <p:sldId id="302" r:id="rId9"/>
-    <p:sldId id="278" r:id="rId10"/>
-    <p:sldId id="279" r:id="rId11"/>
-    <p:sldId id="301" r:id="rId12"/>
-    <p:sldId id="311" r:id="rId13"/>
-    <p:sldId id="295" r:id="rId14"/>
-    <p:sldId id="292" r:id="rId15"/>
-    <p:sldId id="310" r:id="rId16"/>
-    <p:sldId id="294" r:id="rId17"/>
-    <p:sldId id="296" r:id="rId18"/>
-    <p:sldId id="297" r:id="rId19"/>
-    <p:sldId id="298" r:id="rId20"/>
-    <p:sldId id="299" r:id="rId21"/>
-    <p:sldId id="300" r:id="rId22"/>
-    <p:sldId id="303" r:id="rId23"/>
-    <p:sldId id="304" r:id="rId24"/>
-    <p:sldId id="305" r:id="rId25"/>
-    <p:sldId id="306" r:id="rId26"/>
-    <p:sldId id="307" r:id="rId27"/>
-    <p:sldId id="308" r:id="rId28"/>
-    <p:sldId id="309" r:id="rId29"/>
-    <p:sldId id="313" r:id="rId30"/>
-    <p:sldId id="284" r:id="rId31"/>
+    <p:sldId id="276" r:id="rId7"/>
+    <p:sldId id="302" r:id="rId8"/>
+    <p:sldId id="279" r:id="rId9"/>
+    <p:sldId id="301" r:id="rId10"/>
+    <p:sldId id="311" r:id="rId11"/>
+    <p:sldId id="292" r:id="rId12"/>
+    <p:sldId id="310" r:id="rId13"/>
+    <p:sldId id="294" r:id="rId14"/>
+    <p:sldId id="296" r:id="rId15"/>
+    <p:sldId id="297" r:id="rId16"/>
+    <p:sldId id="298" r:id="rId17"/>
+    <p:sldId id="299" r:id="rId18"/>
+    <p:sldId id="300" r:id="rId19"/>
+    <p:sldId id="303" r:id="rId20"/>
+    <p:sldId id="304" r:id="rId21"/>
+    <p:sldId id="305" r:id="rId22"/>
+    <p:sldId id="306" r:id="rId23"/>
+    <p:sldId id="307" r:id="rId24"/>
+    <p:sldId id="308" r:id="rId25"/>
+    <p:sldId id="309" r:id="rId26"/>
+    <p:sldId id="313" r:id="rId27"/>
+    <p:sldId id="284" r:id="rId28"/>
   </p:sldIdLst>
   <p:sldSz cx="9144000" cy="5715000" type="screen16x10"/>
   <p:notesSz cx="6858000" cy="9144000"/>
@@ -144,13 +141,111 @@
 <file path=ppt/revisionInfo.xml><?xml version="1.0" encoding="utf-8"?>
 <p1510:revInfo xmlns:a="http://schemas.openxmlformats.org/drawingml/2006/main" xmlns:r="http://schemas.openxmlformats.org/officeDocument/2006/relationships" xmlns:p1510="http://schemas.microsoft.com/office/powerpoint/2015/10/main">
   <p1510:revLst>
-    <p1510:client id="{668B5952-4FAF-5144-B2D4-2A40AC3B34FF}" v="716" dt="2020-12-15T17:39:57.743"/>
+    <p1510:client id="{FA1C73A9-B3EB-C748-BF65-3EC096E6A149}" v="541" dt="2021-06-05T04:23:26.101"/>
   </p1510:revLst>
 </p1510:revInfo>
 </file>
 
 <file path=ppt/changesInfos/changesInfo1.xml><?xml version="1.0" encoding="utf-8"?>
 <pc:chgInfo xmlns:a="http://schemas.openxmlformats.org/drawingml/2006/main" xmlns:r="http://schemas.openxmlformats.org/officeDocument/2006/relationships" xmlns:ac="http://schemas.microsoft.com/office/drawing/2013/main/command" xmlns:pc="http://schemas.microsoft.com/office/powerpoint/2013/main/command">
+  <pc:docChgLst>
+    <pc:chgData name="Long B Nguyen" userId="f59fb8f3-a021-417a-8bc1-65c8d471c621" providerId="ADAL" clId="{FA1C73A9-B3EB-C748-BF65-3EC096E6A149}"/>
+    <pc:docChg chg="delSld modSld">
+      <pc:chgData name="Long B Nguyen" userId="f59fb8f3-a021-417a-8bc1-65c8d471c621" providerId="ADAL" clId="{FA1C73A9-B3EB-C748-BF65-3EC096E6A149}" dt="2021-06-05T04:24:49.341" v="548" actId="2696"/>
+      <pc:docMkLst>
+        <pc:docMk/>
+      </pc:docMkLst>
+      <pc:sldChg chg="modSp modAnim">
+        <pc:chgData name="Long B Nguyen" userId="f59fb8f3-a021-417a-8bc1-65c8d471c621" providerId="ADAL" clId="{FA1C73A9-B3EB-C748-BF65-3EC096E6A149}" dt="2021-06-05T04:15:44.450" v="62" actId="20577"/>
+        <pc:sldMkLst>
+          <pc:docMk/>
+          <pc:sldMk cId="4018759955" sldId="274"/>
+        </pc:sldMkLst>
+        <pc:spChg chg="mod">
+          <ac:chgData name="Long B Nguyen" userId="f59fb8f3-a021-417a-8bc1-65c8d471c621" providerId="ADAL" clId="{FA1C73A9-B3EB-C748-BF65-3EC096E6A149}" dt="2021-06-05T04:15:44.450" v="62" actId="20577"/>
+          <ac:spMkLst>
+            <pc:docMk/>
+            <pc:sldMk cId="4018759955" sldId="274"/>
+            <ac:spMk id="9" creationId="{E3B2E017-30B2-884B-A113-B419A2ED51AD}"/>
+          </ac:spMkLst>
+        </pc:spChg>
+      </pc:sldChg>
+      <pc:sldChg chg="modSp mod modAnim">
+        <pc:chgData name="Long B Nguyen" userId="f59fb8f3-a021-417a-8bc1-65c8d471c621" providerId="ADAL" clId="{FA1C73A9-B3EB-C748-BF65-3EC096E6A149}" dt="2021-06-05T04:17:26.642" v="129" actId="20577"/>
+        <pc:sldMkLst>
+          <pc:docMk/>
+          <pc:sldMk cId="3908189275" sldId="275"/>
+        </pc:sldMkLst>
+        <pc:spChg chg="mod">
+          <ac:chgData name="Long B Nguyen" userId="f59fb8f3-a021-417a-8bc1-65c8d471c621" providerId="ADAL" clId="{FA1C73A9-B3EB-C748-BF65-3EC096E6A149}" dt="2021-06-05T04:13:05.665" v="56" actId="1076"/>
+          <ac:spMkLst>
+            <pc:docMk/>
+            <pc:sldMk cId="3908189275" sldId="275"/>
+            <ac:spMk id="2" creationId="{AA3A228F-61D0-D949-A5E7-F83756230BF8}"/>
+          </ac:spMkLst>
+        </pc:spChg>
+        <pc:spChg chg="mod">
+          <ac:chgData name="Long B Nguyen" userId="f59fb8f3-a021-417a-8bc1-65c8d471c621" providerId="ADAL" clId="{FA1C73A9-B3EB-C748-BF65-3EC096E6A149}" dt="2021-06-05T04:17:26.642" v="129" actId="20577"/>
+          <ac:spMkLst>
+            <pc:docMk/>
+            <pc:sldMk cId="3908189275" sldId="275"/>
+            <ac:spMk id="9" creationId="{E3B2E017-30B2-884B-A113-B419A2ED51AD}"/>
+          </ac:spMkLst>
+        </pc:spChg>
+      </pc:sldChg>
+      <pc:sldChg chg="del">
+        <pc:chgData name="Long B Nguyen" userId="f59fb8f3-a021-417a-8bc1-65c8d471c621" providerId="ADAL" clId="{FA1C73A9-B3EB-C748-BF65-3EC096E6A149}" dt="2021-06-05T04:23:32.929" v="547" actId="2696"/>
+        <pc:sldMkLst>
+          <pc:docMk/>
+          <pc:sldMk cId="3369363658" sldId="278"/>
+        </pc:sldMkLst>
+      </pc:sldChg>
+      <pc:sldChg chg="modSp mod modAnim">
+        <pc:chgData name="Long B Nguyen" userId="f59fb8f3-a021-417a-8bc1-65c8d471c621" providerId="ADAL" clId="{FA1C73A9-B3EB-C748-BF65-3EC096E6A149}" dt="2021-06-05T04:20:19.169" v="366" actId="20577"/>
+        <pc:sldMkLst>
+          <pc:docMk/>
+          <pc:sldMk cId="99755680" sldId="291"/>
+        </pc:sldMkLst>
+        <pc:spChg chg="mod">
+          <ac:chgData name="Long B Nguyen" userId="f59fb8f3-a021-417a-8bc1-65c8d471c621" providerId="ADAL" clId="{FA1C73A9-B3EB-C748-BF65-3EC096E6A149}" dt="2021-06-05T04:20:19.169" v="366" actId="20577"/>
+          <ac:spMkLst>
+            <pc:docMk/>
+            <pc:sldMk cId="99755680" sldId="291"/>
+            <ac:spMk id="9" creationId="{E3B2E017-30B2-884B-A113-B419A2ED51AD}"/>
+          </ac:spMkLst>
+        </pc:spChg>
+      </pc:sldChg>
+      <pc:sldChg chg="del">
+        <pc:chgData name="Long B Nguyen" userId="f59fb8f3-a021-417a-8bc1-65c8d471c621" providerId="ADAL" clId="{FA1C73A9-B3EB-C748-BF65-3EC096E6A149}" dt="2021-06-05T04:24:49.341" v="548" actId="2696"/>
+        <pc:sldMkLst>
+          <pc:docMk/>
+          <pc:sldMk cId="2474375338" sldId="295"/>
+        </pc:sldMkLst>
+      </pc:sldChg>
+      <pc:sldChg chg="modSp mod modAnim">
+        <pc:chgData name="Long B Nguyen" userId="f59fb8f3-a021-417a-8bc1-65c8d471c621" providerId="ADAL" clId="{FA1C73A9-B3EB-C748-BF65-3EC096E6A149}" dt="2021-06-05T04:23:26.101" v="546" actId="20577"/>
+        <pc:sldMkLst>
+          <pc:docMk/>
+          <pc:sldMk cId="2221515130" sldId="302"/>
+        </pc:sldMkLst>
+        <pc:spChg chg="mod">
+          <ac:chgData name="Long B Nguyen" userId="f59fb8f3-a021-417a-8bc1-65c8d471c621" providerId="ADAL" clId="{FA1C73A9-B3EB-C748-BF65-3EC096E6A149}" dt="2021-06-05T04:23:26.101" v="546" actId="20577"/>
+          <ac:spMkLst>
+            <pc:docMk/>
+            <pc:sldMk cId="2221515130" sldId="302"/>
+            <ac:spMk id="9" creationId="{E3B2E017-30B2-884B-A113-B419A2ED51AD}"/>
+          </ac:spMkLst>
+        </pc:spChg>
+      </pc:sldChg>
+      <pc:sldChg chg="del">
+        <pc:chgData name="Long B Nguyen" userId="f59fb8f3-a021-417a-8bc1-65c8d471c621" providerId="ADAL" clId="{FA1C73A9-B3EB-C748-BF65-3EC096E6A149}" dt="2021-06-05T04:20:22.340" v="367" actId="2696"/>
+        <pc:sldMkLst>
+          <pc:docMk/>
+          <pc:sldMk cId="2217973748" sldId="312"/>
+        </pc:sldMkLst>
+      </pc:sldChg>
+    </pc:docChg>
+  </pc:docChgLst>
   <pc:docChgLst>
     <pc:chgData name="Long B Nguyen" userId="f59fb8f3-a021-417a-8bc1-65c8d471c621" providerId="ADAL" clId="{2C9BD3C4-A72C-C34E-A2E2-4164CEFFD187}"/>
     <pc:docChg chg="undo custSel addSld delSld modSld">
@@ -1338,7 +1433,7 @@
           <a:p>
             <a:fld id="{4AAD347D-5ACD-4C99-B74B-A9C85AD731AF}" type="datetimeFigureOut">
               <a:rPr lang="en-US" smtClean="0"/>
-              <a:t>12/15/20</a:t>
+              <a:t>6/5/21</a:t>
             </a:fld>
             <a:endParaRPr lang="en-US" dirty="0"/>
           </a:p>
@@ -1508,7 +1603,7 @@
           <a:p>
             <a:fld id="{4509A250-FF31-4206-8172-F9D3106AACB1}" type="datetimeFigureOut">
               <a:rPr lang="en-US" smtClean="0"/>
-              <a:t>12/15/20</a:t>
+              <a:t>6/5/21</a:t>
             </a:fld>
             <a:endParaRPr lang="en-US" dirty="0"/>
           </a:p>
@@ -1688,7 +1783,7 @@
           <a:p>
             <a:fld id="{4509A250-FF31-4206-8172-F9D3106AACB1}" type="datetimeFigureOut">
               <a:rPr lang="en-US" smtClean="0"/>
-              <a:t>12/15/20</a:t>
+              <a:t>6/5/21</a:t>
             </a:fld>
             <a:endParaRPr lang="en-US" dirty="0"/>
           </a:p>
@@ -1858,7 +1953,7 @@
           <a:p>
             <a:fld id="{4509A250-FF31-4206-8172-F9D3106AACB1}" type="datetimeFigureOut">
               <a:rPr lang="en-US" smtClean="0"/>
-              <a:t>12/15/20</a:t>
+              <a:t>6/5/21</a:t>
             </a:fld>
             <a:endParaRPr lang="en-US" dirty="0"/>
           </a:p>
@@ -2104,7 +2199,7 @@
           <a:p>
             <a:fld id="{9796027F-7875-4030-9381-8BD8C4F21935}" type="datetimeFigureOut">
               <a:rPr lang="en-US" smtClean="0"/>
-              <a:t>12/15/20</a:t>
+              <a:t>6/5/21</a:t>
             </a:fld>
             <a:endParaRPr lang="en-US" dirty="0"/>
           </a:p>
@@ -2336,7 +2431,7 @@
           <a:p>
             <a:fld id="{9796027F-7875-4030-9381-8BD8C4F21935}" type="datetimeFigureOut">
               <a:rPr lang="en-US" smtClean="0"/>
-              <a:t>12/15/20</a:t>
+              <a:t>6/5/21</a:t>
             </a:fld>
             <a:endParaRPr lang="en-US" dirty="0"/>
           </a:p>
@@ -2703,7 +2798,7 @@
           <a:p>
             <a:fld id="{9796027F-7875-4030-9381-8BD8C4F21935}" type="datetimeFigureOut">
               <a:rPr lang="en-US" smtClean="0"/>
-              <a:t>12/15/20</a:t>
+              <a:t>6/5/21</a:t>
             </a:fld>
             <a:endParaRPr lang="en-US" dirty="0"/>
           </a:p>
@@ -2821,7 +2916,7 @@
           <a:p>
             <a:fld id="{4509A250-FF31-4206-8172-F9D3106AACB1}" type="datetimeFigureOut">
               <a:rPr lang="en-US" smtClean="0"/>
-              <a:t>12/15/20</a:t>
+              <a:t>6/5/21</a:t>
             </a:fld>
             <a:endParaRPr lang="en-US" dirty="0"/>
           </a:p>
@@ -2916,7 +3011,7 @@
           <a:p>
             <a:fld id="{4509A250-FF31-4206-8172-F9D3106AACB1}" type="datetimeFigureOut">
               <a:rPr lang="en-US" smtClean="0"/>
-              <a:t>12/15/20</a:t>
+              <a:t>6/5/21</a:t>
             </a:fld>
             <a:endParaRPr lang="en-US" dirty="0"/>
           </a:p>
@@ -3193,7 +3288,7 @@
           <a:p>
             <a:fld id="{4509A250-FF31-4206-8172-F9D3106AACB1}" type="datetimeFigureOut">
               <a:rPr lang="en-US" smtClean="0"/>
-              <a:t>12/15/20</a:t>
+              <a:t>6/5/21</a:t>
             </a:fld>
             <a:endParaRPr lang="en-US" dirty="0"/>
           </a:p>
@@ -3450,7 +3545,7 @@
           <a:p>
             <a:fld id="{4509A250-FF31-4206-8172-F9D3106AACB1}" type="datetimeFigureOut">
               <a:rPr lang="en-US" smtClean="0"/>
-              <a:t>12/15/20</a:t>
+              <a:t>6/5/21</a:t>
             </a:fld>
             <a:endParaRPr lang="en-US" dirty="0"/>
           </a:p>
@@ -3663,7 +3758,7 @@
           <a:p>
             <a:fld id="{4AAD347D-5ACD-4C99-B74B-A9C85AD731AF}" type="datetimeFigureOut">
               <a:rPr lang="en-US" smtClean="0"/>
-              <a:t>12/15/20</a:t>
+              <a:t>6/5/21</a:t>
             </a:fld>
             <a:endParaRPr lang="en-US" dirty="0"/>
           </a:p>
@@ -4384,1530 +4479,6 @@
         </p:nvSpPr>
         <p:spPr>
           <a:xfrm>
-            <a:off x="483848" y="467027"/>
-            <a:ext cx="7053542" cy="683886"/>
-          </a:xfrm>
-        </p:spPr>
-        <p:txBody>
-          <a:bodyPr/>
-          <a:lstStyle/>
-          <a:p>
-            <a:r>
-              <a:rPr lang="en-US" dirty="0"/>
-              <a:t>Slicing</a:t>
-            </a:r>
-          </a:p>
-        </p:txBody>
-      </p:sp>
-      <p:sp>
-        <p:nvSpPr>
-          <p:cNvPr id="9" name="Content Placeholder 8">
-            <a:extLst>
-              <a:ext uri="{FF2B5EF4-FFF2-40B4-BE49-F238E27FC236}">
-                <a16:creationId xmlns:a16="http://schemas.microsoft.com/office/drawing/2014/main" id="{E3B2E017-30B2-884B-A113-B419A2ED51AD}"/>
-              </a:ext>
-            </a:extLst>
-          </p:cNvPr>
-          <p:cNvSpPr>
-            <a:spLocks noGrp="1"/>
-          </p:cNvSpPr>
-          <p:nvPr>
-            <p:ph idx="1"/>
-          </p:nvPr>
-        </p:nvSpPr>
-        <p:spPr>
-          <a:xfrm>
-            <a:off x="483848" y="1150913"/>
-            <a:ext cx="8051725" cy="4440590"/>
-          </a:xfrm>
-        </p:spPr>
-        <p:txBody>
-          <a:bodyPr>
-            <a:noAutofit/>
-          </a:bodyPr>
-          <a:lstStyle/>
-          <a:p>
-            <a:pPr marL="0" indent="0">
-              <a:buNone/>
-            </a:pPr>
-            <a:r>
-              <a:rPr lang="en-US" sz="1900" b="1" dirty="0">
-                <a:solidFill>
-                  <a:srgbClr val="000087"/>
-                </a:solidFill>
-                <a:latin typeface="Inconsolata" panose="020B0609030003000000" pitchFamily="49" charset="77"/>
-              </a:rPr>
-              <a:t>In </a:t>
-            </a:r>
-            <a:r>
-              <a:rPr lang="en-US" sz="1900" b="1" dirty="0">
-                <a:latin typeface="Inconsolata" panose="020B0609030003000000" pitchFamily="49" charset="77"/>
-              </a:rPr>
-              <a:t>[</a:t>
-            </a:r>
-            <a:r>
-              <a:rPr lang="en-US" sz="1900" b="1" dirty="0">
-                <a:solidFill>
-                  <a:srgbClr val="FF6600"/>
-                </a:solidFill>
-                <a:latin typeface="Inconsolata" panose="020B0609030003000000" pitchFamily="49" charset="77"/>
-              </a:rPr>
-              <a:t>8</a:t>
-            </a:r>
-            <a:r>
-              <a:rPr lang="en-US" sz="1900" b="1" dirty="0">
-                <a:latin typeface="Inconsolata" panose="020B0609030003000000" pitchFamily="49" charset="77"/>
-              </a:rPr>
-              <a:t>]: </a:t>
-            </a:r>
-            <a:r>
-              <a:rPr lang="en-US" sz="1900" b="1" dirty="0">
-                <a:solidFill>
-                  <a:srgbClr val="000087"/>
-                </a:solidFill>
-                <a:latin typeface="Inconsolata" panose="020B0609030003000000" pitchFamily="49" charset="77"/>
-              </a:rPr>
-              <a:t>language = </a:t>
-            </a:r>
-            <a:r>
-              <a:rPr lang="en-US" sz="2000" dirty="0">
-                <a:solidFill>
-                  <a:srgbClr val="CC3300"/>
-                </a:solidFill>
-                <a:latin typeface="UbuntuMono"/>
-              </a:rPr>
-              <a:t>”python" </a:t>
-            </a:r>
-            <a:endParaRPr lang="en-US" sz="1900" b="1" dirty="0">
-              <a:solidFill>
-                <a:srgbClr val="000087"/>
-              </a:solidFill>
-              <a:latin typeface="Inconsolata" panose="020B0609030003000000" pitchFamily="49" charset="77"/>
-            </a:endParaRPr>
-          </a:p>
-          <a:p>
-            <a:pPr marL="0" indent="0">
-              <a:buNone/>
-            </a:pPr>
-            <a:r>
-              <a:rPr lang="en-US" sz="1900" b="1" dirty="0">
-                <a:solidFill>
-                  <a:srgbClr val="000087"/>
-                </a:solidFill>
-                <a:latin typeface="Inconsolata" panose="020B0609030003000000" pitchFamily="49" charset="77"/>
-              </a:rPr>
-              <a:t>In </a:t>
-            </a:r>
-            <a:r>
-              <a:rPr lang="en-US" sz="1900" b="1" dirty="0">
-                <a:latin typeface="Inconsolata" panose="020B0609030003000000" pitchFamily="49" charset="77"/>
-              </a:rPr>
-              <a:t>[</a:t>
-            </a:r>
-            <a:r>
-              <a:rPr lang="en-US" sz="1900" b="1" dirty="0">
-                <a:solidFill>
-                  <a:srgbClr val="FF6600"/>
-                </a:solidFill>
-                <a:latin typeface="Inconsolata" panose="020B0609030003000000" pitchFamily="49" charset="77"/>
-              </a:rPr>
-              <a:t>9</a:t>
-            </a:r>
-            <a:r>
-              <a:rPr lang="en-US" sz="1900" b="1" dirty="0">
-                <a:latin typeface="Inconsolata" panose="020B0609030003000000" pitchFamily="49" charset="77"/>
-              </a:rPr>
-              <a:t>]: </a:t>
-            </a:r>
-            <a:r>
-              <a:rPr lang="en-US" sz="1900" b="1" i="1" dirty="0">
-                <a:solidFill>
-                  <a:srgbClr val="33566B"/>
-                </a:solidFill>
-                <a:latin typeface="Inconsolata" panose="020B0609030003000000" pitchFamily="49" charset="77"/>
-              </a:rPr>
-              <a:t># negative indices wraps around the end</a:t>
-            </a:r>
-          </a:p>
-          <a:p>
-            <a:pPr marL="0" indent="0">
-              <a:buNone/>
-            </a:pPr>
-            <a:r>
-              <a:rPr lang="en-US" sz="1900" b="1" i="1" dirty="0">
-                <a:solidFill>
-                  <a:srgbClr val="33566B"/>
-                </a:solidFill>
-                <a:latin typeface="Inconsolata" panose="020B0609030003000000" pitchFamily="49" charset="77"/>
-              </a:rPr>
-              <a:t>	    </a:t>
-            </a:r>
-            <a:r>
-              <a:rPr lang="en-US" sz="1900" b="1" i="1" dirty="0">
-                <a:solidFill>
-                  <a:srgbClr val="000087"/>
-                </a:solidFill>
-                <a:latin typeface="Inconsolata" panose="020B0609030003000000" pitchFamily="49" charset="77"/>
-              </a:rPr>
-              <a:t>language</a:t>
-            </a:r>
-            <a:r>
-              <a:rPr lang="en-US" sz="1900" b="1" dirty="0">
-                <a:latin typeface="Inconsolata" panose="020B0609030003000000" pitchFamily="49" charset="77"/>
-              </a:rPr>
-              <a:t>[</a:t>
-            </a:r>
-            <a:r>
-              <a:rPr lang="en-US" sz="1900" b="1" dirty="0">
-                <a:solidFill>
-                  <a:srgbClr val="FF6600"/>
-                </a:solidFill>
-                <a:latin typeface="Inconsolata" panose="020B0609030003000000" pitchFamily="49" charset="77"/>
-              </a:rPr>
-              <a:t>-1</a:t>
-            </a:r>
-            <a:r>
-              <a:rPr lang="en-US" sz="1900" b="1" dirty="0">
-                <a:latin typeface="Inconsolata" panose="020B0609030003000000" pitchFamily="49" charset="77"/>
-              </a:rPr>
-              <a:t>]   </a:t>
-            </a:r>
-            <a:r>
-              <a:rPr lang="en-US" sz="1900" b="1" i="1" dirty="0">
-                <a:solidFill>
-                  <a:srgbClr val="33566B"/>
-                </a:solidFill>
-                <a:latin typeface="Inconsolata" panose="020B0609030003000000" pitchFamily="49" charset="77"/>
-              </a:rPr>
-              <a:t># last character </a:t>
-            </a:r>
-            <a:endParaRPr lang="en-US" sz="1900" b="1" dirty="0">
-              <a:latin typeface="Inconsolata" panose="020B0609030003000000" pitchFamily="49" charset="77"/>
-            </a:endParaRPr>
-          </a:p>
-          <a:p>
-            <a:pPr marL="0" indent="0">
-              <a:buNone/>
-            </a:pPr>
-            <a:r>
-              <a:rPr lang="en-US" sz="1900" b="1" dirty="0">
-                <a:latin typeface="Inconsolata" panose="020B0609030003000000" pitchFamily="49" charset="77"/>
-              </a:rPr>
-              <a:t>Out [9]: ‘n' </a:t>
-            </a:r>
-          </a:p>
-          <a:p>
-            <a:pPr marL="0" indent="0">
-              <a:buNone/>
-            </a:pPr>
-            <a:endParaRPr lang="en-US" sz="1900" b="1" dirty="0">
-              <a:latin typeface="Inconsolata" panose="020B0609030003000000" pitchFamily="49" charset="77"/>
-            </a:endParaRPr>
-          </a:p>
-          <a:p>
-            <a:pPr marL="0" indent="0">
-              <a:buNone/>
-            </a:pPr>
-            <a:r>
-              <a:rPr lang="en-US" sz="1900" b="1" dirty="0">
-                <a:solidFill>
-                  <a:srgbClr val="000087"/>
-                </a:solidFill>
-                <a:latin typeface="Inconsolata" panose="020B0609030003000000" pitchFamily="49" charset="77"/>
-              </a:rPr>
-              <a:t>In </a:t>
-            </a:r>
-            <a:r>
-              <a:rPr lang="en-US" sz="1900" b="1" dirty="0">
-                <a:latin typeface="Inconsolata" panose="020B0609030003000000" pitchFamily="49" charset="77"/>
-              </a:rPr>
-              <a:t>[</a:t>
-            </a:r>
-            <a:r>
-              <a:rPr lang="en-US" sz="1900" b="1" dirty="0">
-                <a:solidFill>
-                  <a:srgbClr val="FF6600"/>
-                </a:solidFill>
-                <a:latin typeface="Inconsolata" panose="020B0609030003000000" pitchFamily="49" charset="77"/>
-              </a:rPr>
-              <a:t>10</a:t>
-            </a:r>
-            <a:r>
-              <a:rPr lang="en-US" sz="1900" b="1" dirty="0">
-                <a:latin typeface="Inconsolata" panose="020B0609030003000000" pitchFamily="49" charset="77"/>
-              </a:rPr>
-              <a:t>]: </a:t>
-            </a:r>
-            <a:r>
-              <a:rPr lang="en-US" sz="1900" b="1" i="1" dirty="0">
-                <a:solidFill>
-                  <a:srgbClr val="33566B"/>
-                </a:solidFill>
-                <a:latin typeface="Inconsolata" panose="020B0609030003000000" pitchFamily="49" charset="77"/>
-              </a:rPr>
-              <a:t># all except the last character</a:t>
-            </a:r>
-          </a:p>
-          <a:p>
-            <a:pPr marL="0" indent="0">
-              <a:buNone/>
-            </a:pPr>
-            <a:r>
-              <a:rPr lang="en-US" sz="1900" b="1" i="1" dirty="0">
-                <a:solidFill>
-                  <a:srgbClr val="33566B"/>
-                </a:solidFill>
-                <a:latin typeface="Inconsolata" panose="020B0609030003000000" pitchFamily="49" charset="77"/>
-              </a:rPr>
-              <a:t>	    </a:t>
-            </a:r>
-            <a:r>
-              <a:rPr lang="en-US" sz="1900" b="1" i="1" dirty="0">
-                <a:solidFill>
-                  <a:srgbClr val="000087"/>
-                </a:solidFill>
-                <a:latin typeface="Inconsolata" panose="020B0609030003000000" pitchFamily="49" charset="77"/>
-              </a:rPr>
-              <a:t>language</a:t>
-            </a:r>
-            <a:r>
-              <a:rPr lang="en-US" sz="1900" b="1" dirty="0">
-                <a:latin typeface="Inconsolata" panose="020B0609030003000000" pitchFamily="49" charset="77"/>
-              </a:rPr>
-              <a:t>[</a:t>
-            </a:r>
-            <a:r>
-              <a:rPr lang="en-US" sz="1900" b="1" dirty="0">
-                <a:solidFill>
-                  <a:srgbClr val="FF6600"/>
-                </a:solidFill>
-                <a:latin typeface="Inconsolata" panose="020B0609030003000000" pitchFamily="49" charset="77"/>
-              </a:rPr>
-              <a:t>:-1</a:t>
-            </a:r>
-            <a:r>
-              <a:rPr lang="en-US" sz="1900" b="1" dirty="0">
-                <a:latin typeface="Inconsolata" panose="020B0609030003000000" pitchFamily="49" charset="77"/>
-              </a:rPr>
-              <a:t>] </a:t>
-            </a:r>
-            <a:endParaRPr lang="en-US" sz="1900" b="1" i="1" dirty="0">
-              <a:solidFill>
-                <a:srgbClr val="33566B"/>
-              </a:solidFill>
-              <a:latin typeface="Inconsolata" panose="020B0609030003000000" pitchFamily="49" charset="77"/>
-            </a:endParaRPr>
-          </a:p>
-          <a:p>
-            <a:pPr marL="0" indent="0">
-              <a:buNone/>
-            </a:pPr>
-            <a:r>
-              <a:rPr lang="en-US" sz="1900" b="1" dirty="0">
-                <a:latin typeface="Inconsolata" panose="020B0609030003000000" pitchFamily="49" charset="77"/>
-              </a:rPr>
-              <a:t>Out [10]: ‘</a:t>
-            </a:r>
-            <a:r>
-              <a:rPr lang="en-US" sz="1900" b="1" dirty="0" err="1">
-                <a:latin typeface="Inconsolata" panose="020B0609030003000000" pitchFamily="49" charset="77"/>
-              </a:rPr>
-              <a:t>pytho</a:t>
-            </a:r>
-            <a:r>
-              <a:rPr lang="en-US" sz="1900" b="1" dirty="0">
-                <a:latin typeface="Inconsolata" panose="020B0609030003000000" pitchFamily="49" charset="77"/>
-              </a:rPr>
-              <a:t>’ </a:t>
-            </a:r>
-          </a:p>
-          <a:p>
-            <a:pPr marL="0" indent="0">
-              <a:buNone/>
-            </a:pPr>
-            <a:endParaRPr lang="en-US" sz="1900" b="1" dirty="0">
-              <a:latin typeface="Inconsolata" panose="020B0609030003000000" pitchFamily="49" charset="77"/>
-            </a:endParaRPr>
-          </a:p>
-          <a:p>
-            <a:pPr marL="0" indent="0">
-              <a:buNone/>
-            </a:pPr>
-            <a:r>
-              <a:rPr lang="en-US" sz="1900" b="1" dirty="0">
-                <a:solidFill>
-                  <a:srgbClr val="000087"/>
-                </a:solidFill>
-                <a:latin typeface="Inconsolata" panose="020B0609030003000000" pitchFamily="49" charset="77"/>
-              </a:rPr>
-              <a:t>In </a:t>
-            </a:r>
-            <a:r>
-              <a:rPr lang="en-US" sz="1900" b="1" dirty="0">
-                <a:latin typeface="Inconsolata" panose="020B0609030003000000" pitchFamily="49" charset="77"/>
-              </a:rPr>
-              <a:t>[</a:t>
-            </a:r>
-            <a:r>
-              <a:rPr lang="en-US" sz="1900" b="1" dirty="0">
-                <a:solidFill>
-                  <a:srgbClr val="FF6600"/>
-                </a:solidFill>
-                <a:latin typeface="Inconsolata" panose="020B0609030003000000" pitchFamily="49" charset="77"/>
-              </a:rPr>
-              <a:t>11</a:t>
-            </a:r>
-            <a:r>
-              <a:rPr lang="en-US" sz="1900" b="1" dirty="0">
-                <a:latin typeface="Inconsolata" panose="020B0609030003000000" pitchFamily="49" charset="77"/>
-              </a:rPr>
-              <a:t>]: </a:t>
-            </a:r>
-            <a:r>
-              <a:rPr lang="en-US" sz="1900" b="1" i="1" dirty="0">
-                <a:solidFill>
-                  <a:srgbClr val="33566B"/>
-                </a:solidFill>
-                <a:latin typeface="Inconsolata" panose="020B0609030003000000" pitchFamily="49" charset="77"/>
-              </a:rPr>
-              <a:t># negative step size traverses backwards</a:t>
-            </a:r>
-          </a:p>
-          <a:p>
-            <a:pPr marL="0" indent="0">
-              <a:buNone/>
-            </a:pPr>
-            <a:r>
-              <a:rPr lang="en-US" sz="1900" b="1" i="1" dirty="0">
-                <a:solidFill>
-                  <a:srgbClr val="33566B"/>
-                </a:solidFill>
-                <a:latin typeface="Inconsolata" panose="020B0609030003000000" pitchFamily="49" charset="77"/>
-              </a:rPr>
-              <a:t>	    </a:t>
-            </a:r>
-            <a:r>
-              <a:rPr lang="en-US" sz="1900" b="1" i="1" dirty="0">
-                <a:solidFill>
-                  <a:srgbClr val="000087"/>
-                </a:solidFill>
-                <a:latin typeface="Inconsolata" panose="020B0609030003000000" pitchFamily="49" charset="77"/>
-              </a:rPr>
-              <a:t>language</a:t>
-            </a:r>
-            <a:r>
-              <a:rPr lang="en-US" sz="1900" b="1" dirty="0">
-                <a:latin typeface="Inconsolata" panose="020B0609030003000000" pitchFamily="49" charset="77"/>
-              </a:rPr>
-              <a:t>[</a:t>
-            </a:r>
-            <a:r>
-              <a:rPr lang="en-US" sz="1900" b="1" dirty="0">
-                <a:solidFill>
-                  <a:srgbClr val="FF6600"/>
-                </a:solidFill>
-                <a:latin typeface="Inconsolata" panose="020B0609030003000000" pitchFamily="49" charset="77"/>
-              </a:rPr>
-              <a:t>::-1</a:t>
-            </a:r>
-            <a:r>
-              <a:rPr lang="en-US" sz="1900" b="1" dirty="0">
-                <a:latin typeface="Inconsolata" panose="020B0609030003000000" pitchFamily="49" charset="77"/>
-              </a:rPr>
-              <a:t>] </a:t>
-            </a:r>
-            <a:endParaRPr lang="en-US" sz="1900" b="1" i="1" dirty="0">
-              <a:solidFill>
-                <a:srgbClr val="33566B"/>
-              </a:solidFill>
-              <a:latin typeface="Inconsolata" panose="020B0609030003000000" pitchFamily="49" charset="77"/>
-            </a:endParaRPr>
-          </a:p>
-          <a:p>
-            <a:pPr marL="0" indent="0">
-              <a:buNone/>
-            </a:pPr>
-            <a:r>
-              <a:rPr lang="en-US" sz="1900" b="1" dirty="0">
-                <a:latin typeface="Inconsolata" panose="020B0609030003000000" pitchFamily="49" charset="77"/>
-              </a:rPr>
-              <a:t>Out [11]: ‘</a:t>
-            </a:r>
-            <a:r>
-              <a:rPr lang="en-US" sz="1900" b="1" dirty="0" err="1">
-                <a:latin typeface="Inconsolata" panose="020B0609030003000000" pitchFamily="49" charset="77"/>
-              </a:rPr>
-              <a:t>nohtyp</a:t>
-            </a:r>
-            <a:r>
-              <a:rPr lang="en-US" sz="1900" b="1" dirty="0">
-                <a:latin typeface="Inconsolata" panose="020B0609030003000000" pitchFamily="49" charset="77"/>
-              </a:rPr>
-              <a:t>’ </a:t>
-            </a:r>
-          </a:p>
-          <a:p>
-            <a:pPr marL="0" indent="0">
-              <a:buNone/>
-            </a:pPr>
-            <a:endParaRPr lang="en-US" sz="1900" b="1" dirty="0">
-              <a:latin typeface="Inconsolata" panose="020B0609030003000000" pitchFamily="49" charset="77"/>
-            </a:endParaRPr>
-          </a:p>
-          <a:p>
-            <a:pPr marL="0" indent="0">
-              <a:buNone/>
-            </a:pPr>
-            <a:endParaRPr lang="en-US" sz="1900" b="1" dirty="0">
-              <a:latin typeface="Inconsolata" panose="020B0609030003000000" pitchFamily="49" charset="77"/>
-            </a:endParaRPr>
-          </a:p>
-          <a:p>
-            <a:pPr marL="0" indent="0">
-              <a:buNone/>
-            </a:pPr>
-            <a:endParaRPr lang="en-US" sz="1900" b="1" dirty="0">
-              <a:latin typeface="Inconsolata" panose="020B0609030003000000" pitchFamily="49" charset="77"/>
-            </a:endParaRPr>
-          </a:p>
-          <a:p>
-            <a:pPr marL="0" indent="0">
-              <a:buNone/>
-            </a:pPr>
-            <a:endParaRPr lang="en-US" sz="1900" b="1" dirty="0">
-              <a:latin typeface="Inconsolata" panose="020B0609030003000000" pitchFamily="49" charset="77"/>
-            </a:endParaRPr>
-          </a:p>
-          <a:p>
-            <a:pPr marL="0" indent="0">
-              <a:buNone/>
-            </a:pPr>
-            <a:r>
-              <a:rPr lang="en-US" sz="1900" b="1" dirty="0">
-                <a:latin typeface="Inconsolata" panose="020B0609030003000000" pitchFamily="49" charset="77"/>
-              </a:rPr>
-              <a:t> </a:t>
-            </a:r>
-          </a:p>
-          <a:p>
-            <a:pPr marL="0" indent="0">
-              <a:buNone/>
-            </a:pPr>
-            <a:endParaRPr lang="en-US" sz="1900" b="1" dirty="0">
-              <a:latin typeface="Inconsolata" panose="020B0609030003000000" pitchFamily="49" charset="77"/>
-            </a:endParaRPr>
-          </a:p>
-          <a:p>
-            <a:pPr marL="0" indent="0">
-              <a:buNone/>
-            </a:pPr>
-            <a:endParaRPr lang="en-US" sz="1900" b="1" dirty="0">
-              <a:latin typeface="Inconsolata" panose="020B0609030003000000" pitchFamily="49" charset="77"/>
-            </a:endParaRPr>
-          </a:p>
-          <a:p>
-            <a:pPr marL="0" indent="0">
-              <a:buNone/>
-            </a:pPr>
-            <a:endParaRPr lang="en-US" sz="1900" b="1" dirty="0">
-              <a:latin typeface="Inconsolata" panose="020B0609030003000000" pitchFamily="49" charset="77"/>
-            </a:endParaRPr>
-          </a:p>
-          <a:p>
-            <a:pPr marL="0" indent="0">
-              <a:buNone/>
-            </a:pPr>
-            <a:endParaRPr lang="en-US" sz="1900" b="1" dirty="0">
-              <a:latin typeface="Inconsolata" panose="020B0609030003000000" pitchFamily="49" charset="77"/>
-            </a:endParaRPr>
-          </a:p>
-          <a:p>
-            <a:pPr marL="0" indent="0">
-              <a:buNone/>
-            </a:pPr>
-            <a:endParaRPr lang="en-US" sz="1900" b="1" dirty="0">
-              <a:latin typeface="Inconsolata" panose="020B0609030003000000" pitchFamily="49" charset="77"/>
-            </a:endParaRPr>
-          </a:p>
-          <a:p>
-            <a:pPr marL="0" indent="0">
-              <a:buNone/>
-            </a:pPr>
-            <a:r>
-              <a:rPr lang="en-US" sz="1900" b="1" dirty="0">
-                <a:latin typeface="Inconsolata" panose="020B0609030003000000" pitchFamily="49" charset="77"/>
-              </a:rPr>
-              <a:t> </a:t>
-            </a:r>
-          </a:p>
-          <a:p>
-            <a:pPr marL="0" indent="0">
-              <a:buNone/>
-            </a:pPr>
-            <a:endParaRPr lang="en-US" sz="1900" b="1" dirty="0">
-              <a:latin typeface="Inconsolata" panose="020B0609030003000000" pitchFamily="49" charset="77"/>
-            </a:endParaRPr>
-          </a:p>
-          <a:p>
-            <a:pPr marL="0" indent="0">
-              <a:buNone/>
-            </a:pPr>
-            <a:endParaRPr lang="en-US" sz="1900" b="1" dirty="0">
-              <a:latin typeface="Inconsolata" panose="020B0609030003000000" pitchFamily="49" charset="77"/>
-            </a:endParaRPr>
-          </a:p>
-        </p:txBody>
-      </p:sp>
-    </p:spTree>
-    <p:extLst>
-      <p:ext uri="{BB962C8B-B14F-4D97-AF65-F5344CB8AC3E}">
-        <p14:creationId xmlns:p14="http://schemas.microsoft.com/office/powerpoint/2010/main" val="2479426709"/>
-      </p:ext>
-    </p:extLst>
-  </p:cSld>
-  <p:clrMapOvr>
-    <a:masterClrMapping/>
-  </p:clrMapOvr>
-  <p:timing>
-    <p:tnLst>
-      <p:par>
-        <p:cTn id="1" dur="indefinite" restart="never" nodeType="tmRoot">
-          <p:childTnLst>
-            <p:seq concurrent="1" nextAc="seek">
-              <p:cTn id="2" dur="indefinite" nodeType="mainSeq">
-                <p:childTnLst>
-                  <p:par>
-                    <p:cTn id="3" fill="hold">
-                      <p:stCondLst>
-                        <p:cond delay="indefinite"/>
-                      </p:stCondLst>
-                      <p:childTnLst>
-                        <p:par>
-                          <p:cTn id="4" fill="hold">
-                            <p:stCondLst>
-                              <p:cond delay="0"/>
-                            </p:stCondLst>
-                            <p:childTnLst>
-                              <p:par>
-                                <p:cTn id="5" presetID="1" presetClass="entr" presetSubtype="0" fill="hold" nodeType="clickEffect">
-                                  <p:stCondLst>
-                                    <p:cond delay="0"/>
-                                  </p:stCondLst>
-                                  <p:childTnLst>
-                                    <p:set>
-                                      <p:cBhvr>
-                                        <p:cTn id="6" dur="1" fill="hold">
-                                          <p:stCondLst>
-                                            <p:cond delay="0"/>
-                                          </p:stCondLst>
-                                        </p:cTn>
-                                        <p:tgtEl>
-                                          <p:spTgt spid="9">
-                                            <p:txEl>
-                                              <p:pRg st="5" end="5"/>
-                                            </p:txEl>
-                                          </p:spTgt>
-                                        </p:tgtEl>
-                                        <p:attrNameLst>
-                                          <p:attrName>style.visibility</p:attrName>
-                                        </p:attrNameLst>
-                                      </p:cBhvr>
-                                      <p:to>
-                                        <p:strVal val="visible"/>
-                                      </p:to>
-                                    </p:set>
-                                  </p:childTnLst>
-                                </p:cTn>
-                              </p:par>
-                              <p:par>
-                                <p:cTn id="7" presetID="1" presetClass="entr" presetSubtype="0" fill="hold" nodeType="withEffect">
-                                  <p:stCondLst>
-                                    <p:cond delay="0"/>
-                                  </p:stCondLst>
-                                  <p:childTnLst>
-                                    <p:set>
-                                      <p:cBhvr>
-                                        <p:cTn id="8" dur="1" fill="hold">
-                                          <p:stCondLst>
-                                            <p:cond delay="0"/>
-                                          </p:stCondLst>
-                                        </p:cTn>
-                                        <p:tgtEl>
-                                          <p:spTgt spid="9">
-                                            <p:txEl>
-                                              <p:pRg st="6" end="6"/>
-                                            </p:txEl>
-                                          </p:spTgt>
-                                        </p:tgtEl>
-                                        <p:attrNameLst>
-                                          <p:attrName>style.visibility</p:attrName>
-                                        </p:attrNameLst>
-                                      </p:cBhvr>
-                                      <p:to>
-                                        <p:strVal val="visible"/>
-                                      </p:to>
-                                    </p:set>
-                                  </p:childTnLst>
-                                </p:cTn>
-                              </p:par>
-                              <p:par>
-                                <p:cTn id="9" presetID="1" presetClass="entr" presetSubtype="0" fill="hold" nodeType="withEffect">
-                                  <p:stCondLst>
-                                    <p:cond delay="0"/>
-                                  </p:stCondLst>
-                                  <p:childTnLst>
-                                    <p:set>
-                                      <p:cBhvr>
-                                        <p:cTn id="10" dur="1" fill="hold">
-                                          <p:stCondLst>
-                                            <p:cond delay="0"/>
-                                          </p:stCondLst>
-                                        </p:cTn>
-                                        <p:tgtEl>
-                                          <p:spTgt spid="9">
-                                            <p:txEl>
-                                              <p:pRg st="7" end="7"/>
-                                            </p:txEl>
-                                          </p:spTgt>
-                                        </p:tgtEl>
-                                        <p:attrNameLst>
-                                          <p:attrName>style.visibility</p:attrName>
-                                        </p:attrNameLst>
-                                      </p:cBhvr>
-                                      <p:to>
-                                        <p:strVal val="visible"/>
-                                      </p:to>
-                                    </p:set>
-                                  </p:childTnLst>
-                                </p:cTn>
-                              </p:par>
-                            </p:childTnLst>
-                          </p:cTn>
-                        </p:par>
-                      </p:childTnLst>
-                    </p:cTn>
-                  </p:par>
-                  <p:par>
-                    <p:cTn id="11" fill="hold">
-                      <p:stCondLst>
-                        <p:cond delay="indefinite"/>
-                      </p:stCondLst>
-                      <p:childTnLst>
-                        <p:par>
-                          <p:cTn id="12" fill="hold">
-                            <p:stCondLst>
-                              <p:cond delay="0"/>
-                            </p:stCondLst>
-                            <p:childTnLst>
-                              <p:par>
-                                <p:cTn id="13" presetID="1" presetClass="entr" presetSubtype="0" fill="hold" nodeType="clickEffect">
-                                  <p:stCondLst>
-                                    <p:cond delay="0"/>
-                                  </p:stCondLst>
-                                  <p:childTnLst>
-                                    <p:set>
-                                      <p:cBhvr>
-                                        <p:cTn id="14" dur="1" fill="hold">
-                                          <p:stCondLst>
-                                            <p:cond delay="0"/>
-                                          </p:stCondLst>
-                                        </p:cTn>
-                                        <p:tgtEl>
-                                          <p:spTgt spid="9">
-                                            <p:txEl>
-                                              <p:pRg st="9" end="9"/>
-                                            </p:txEl>
-                                          </p:spTgt>
-                                        </p:tgtEl>
-                                        <p:attrNameLst>
-                                          <p:attrName>style.visibility</p:attrName>
-                                        </p:attrNameLst>
-                                      </p:cBhvr>
-                                      <p:to>
-                                        <p:strVal val="visible"/>
-                                      </p:to>
-                                    </p:set>
-                                  </p:childTnLst>
-                                </p:cTn>
-                              </p:par>
-                              <p:par>
-                                <p:cTn id="15" presetID="1" presetClass="entr" presetSubtype="0" fill="hold" nodeType="withEffect">
-                                  <p:stCondLst>
-                                    <p:cond delay="0"/>
-                                  </p:stCondLst>
-                                  <p:childTnLst>
-                                    <p:set>
-                                      <p:cBhvr>
-                                        <p:cTn id="16" dur="1" fill="hold">
-                                          <p:stCondLst>
-                                            <p:cond delay="0"/>
-                                          </p:stCondLst>
-                                        </p:cTn>
-                                        <p:tgtEl>
-                                          <p:spTgt spid="9">
-                                            <p:txEl>
-                                              <p:pRg st="10" end="10"/>
-                                            </p:txEl>
-                                          </p:spTgt>
-                                        </p:tgtEl>
-                                        <p:attrNameLst>
-                                          <p:attrName>style.visibility</p:attrName>
-                                        </p:attrNameLst>
-                                      </p:cBhvr>
-                                      <p:to>
-                                        <p:strVal val="visible"/>
-                                      </p:to>
-                                    </p:set>
-                                  </p:childTnLst>
-                                </p:cTn>
-                              </p:par>
-                              <p:par>
-                                <p:cTn id="17" presetID="1" presetClass="entr" presetSubtype="0" fill="hold" nodeType="withEffect">
-                                  <p:stCondLst>
-                                    <p:cond delay="0"/>
-                                  </p:stCondLst>
-                                  <p:childTnLst>
-                                    <p:set>
-                                      <p:cBhvr>
-                                        <p:cTn id="18" dur="1" fill="hold">
-                                          <p:stCondLst>
-                                            <p:cond delay="0"/>
-                                          </p:stCondLst>
-                                        </p:cTn>
-                                        <p:tgtEl>
-                                          <p:spTgt spid="9">
-                                            <p:txEl>
-                                              <p:pRg st="11" end="11"/>
-                                            </p:txEl>
-                                          </p:spTgt>
-                                        </p:tgtEl>
-                                        <p:attrNameLst>
-                                          <p:attrName>style.visibility</p:attrName>
-                                        </p:attrNameLst>
-                                      </p:cBhvr>
-                                      <p:to>
-                                        <p:strVal val="visible"/>
-                                      </p:to>
-                                    </p:set>
-                                  </p:childTnLst>
-                                </p:cTn>
-                              </p:par>
-                            </p:childTnLst>
-                          </p:cTn>
-                        </p:par>
-                      </p:childTnLst>
-                    </p:cTn>
-                  </p:par>
-                </p:childTnLst>
-              </p:cTn>
-              <p:prevCondLst>
-                <p:cond evt="onPrev" delay="0">
-                  <p:tgtEl>
-                    <p:sldTgt/>
-                  </p:tgtEl>
-                </p:cond>
-              </p:prevCondLst>
-              <p:nextCondLst>
-                <p:cond evt="onNext" delay="0">
-                  <p:tgtEl>
-                    <p:sldTgt/>
-                  </p:tgtEl>
-                </p:cond>
-              </p:nextCondLst>
-            </p:seq>
-          </p:childTnLst>
-        </p:cTn>
-      </p:par>
-    </p:tnLst>
-  </p:timing>
-</p:sld>
-</file>
-
-<file path=ppt/slides/slide11.xml><?xml version="1.0" encoding="utf-8"?>
-<p:sld xmlns:a="http://schemas.openxmlformats.org/drawingml/2006/main" xmlns:r="http://schemas.openxmlformats.org/officeDocument/2006/relationships" xmlns:p="http://schemas.openxmlformats.org/presentationml/2006/main">
-  <p:cSld>
-    <p:spTree>
-      <p:nvGrpSpPr>
-        <p:cNvPr id="1" name=""/>
-        <p:cNvGrpSpPr/>
-        <p:nvPr/>
-      </p:nvGrpSpPr>
-      <p:grpSpPr>
-        <a:xfrm>
-          <a:off x="0" y="0"/>
-          <a:ext cx="0" cy="0"/>
-          <a:chOff x="0" y="0"/>
-          <a:chExt cx="0" cy="0"/>
-        </a:xfrm>
-      </p:grpSpPr>
-      <p:sp>
-        <p:nvSpPr>
-          <p:cNvPr id="2" name="Title 1">
-            <a:extLst>
-              <a:ext uri="{FF2B5EF4-FFF2-40B4-BE49-F238E27FC236}">
-                <a16:creationId xmlns:a16="http://schemas.microsoft.com/office/drawing/2014/main" id="{AA3A228F-61D0-D949-A5E7-F83756230BF8}"/>
-              </a:ext>
-            </a:extLst>
-          </p:cNvPr>
-          <p:cNvSpPr>
-            <a:spLocks noGrp="1"/>
-          </p:cNvSpPr>
-          <p:nvPr>
-            <p:ph type="title"/>
-          </p:nvPr>
-        </p:nvSpPr>
-        <p:spPr>
-          <a:xfrm>
-            <a:off x="483848" y="467027"/>
-            <a:ext cx="7053542" cy="683886"/>
-          </a:xfrm>
-        </p:spPr>
-        <p:txBody>
-          <a:bodyPr/>
-          <a:lstStyle/>
-          <a:p>
-            <a:r>
-              <a:rPr lang="en-US" dirty="0"/>
-              <a:t>Slicing</a:t>
-            </a:r>
-          </a:p>
-        </p:txBody>
-      </p:sp>
-      <p:sp>
-        <p:nvSpPr>
-          <p:cNvPr id="9" name="Content Placeholder 8">
-            <a:extLst>
-              <a:ext uri="{FF2B5EF4-FFF2-40B4-BE49-F238E27FC236}">
-                <a16:creationId xmlns:a16="http://schemas.microsoft.com/office/drawing/2014/main" id="{E3B2E017-30B2-884B-A113-B419A2ED51AD}"/>
-              </a:ext>
-            </a:extLst>
-          </p:cNvPr>
-          <p:cNvSpPr>
-            <a:spLocks noGrp="1"/>
-          </p:cNvSpPr>
-          <p:nvPr>
-            <p:ph idx="1"/>
-          </p:nvPr>
-        </p:nvSpPr>
-        <p:spPr>
-          <a:xfrm>
-            <a:off x="483848" y="1150913"/>
-            <a:ext cx="8051725" cy="4440590"/>
-          </a:xfrm>
-        </p:spPr>
-        <p:txBody>
-          <a:bodyPr>
-            <a:noAutofit/>
-          </a:bodyPr>
-          <a:lstStyle/>
-          <a:p>
-            <a:pPr marL="0" indent="0">
-              <a:buNone/>
-            </a:pPr>
-            <a:endParaRPr lang="en-US" sz="1900" b="1" dirty="0">
-              <a:solidFill>
-                <a:srgbClr val="000087"/>
-              </a:solidFill>
-              <a:latin typeface="Inconsolata" panose="020B0609030003000000" pitchFamily="49" charset="77"/>
-            </a:endParaRPr>
-          </a:p>
-          <a:p>
-            <a:pPr marL="0" indent="0">
-              <a:buNone/>
-            </a:pPr>
-            <a:r>
-              <a:rPr lang="en-US" sz="1900" b="1" dirty="0">
-                <a:solidFill>
-                  <a:srgbClr val="000087"/>
-                </a:solidFill>
-                <a:latin typeface="Inconsolata" panose="020B0609030003000000" pitchFamily="49" charset="77"/>
-              </a:rPr>
-              <a:t>In </a:t>
-            </a:r>
-            <a:r>
-              <a:rPr lang="en-US" sz="1900" b="1" dirty="0">
-                <a:latin typeface="Inconsolata" panose="020B0609030003000000" pitchFamily="49" charset="77"/>
-              </a:rPr>
-              <a:t>[</a:t>
-            </a:r>
-            <a:r>
-              <a:rPr lang="en-US" sz="1900" b="1" dirty="0">
-                <a:solidFill>
-                  <a:srgbClr val="FF6600"/>
-                </a:solidFill>
-                <a:latin typeface="Inconsolata" panose="020B0609030003000000" pitchFamily="49" charset="77"/>
-              </a:rPr>
-              <a:t>12</a:t>
-            </a:r>
-            <a:r>
-              <a:rPr lang="en-US" sz="1900" b="1" dirty="0">
-                <a:latin typeface="Inconsolata" panose="020B0609030003000000" pitchFamily="49" charset="77"/>
-              </a:rPr>
-              <a:t>]: </a:t>
-            </a:r>
-            <a:r>
-              <a:rPr lang="en-US" sz="1900" b="1" dirty="0">
-                <a:solidFill>
-                  <a:srgbClr val="000087"/>
-                </a:solidFill>
-                <a:latin typeface="Inconsolata" panose="020B0609030003000000" pitchFamily="49" charset="77"/>
-              </a:rPr>
-              <a:t>language = </a:t>
-            </a:r>
-            <a:r>
-              <a:rPr lang="en-US" sz="2000" dirty="0">
-                <a:solidFill>
-                  <a:srgbClr val="CC3300"/>
-                </a:solidFill>
-                <a:latin typeface="UbuntuMono"/>
-              </a:rPr>
-              <a:t>”python" </a:t>
-            </a:r>
-            <a:endParaRPr lang="en-US" sz="1900" b="1" dirty="0">
-              <a:latin typeface="Inconsolata" panose="020B0609030003000000" pitchFamily="49" charset="77"/>
-            </a:endParaRPr>
-          </a:p>
-          <a:p>
-            <a:pPr marL="0" indent="0">
-              <a:buNone/>
-            </a:pPr>
-            <a:endParaRPr lang="en-US" sz="1900" b="1" dirty="0">
-              <a:solidFill>
-                <a:srgbClr val="000087"/>
-              </a:solidFill>
-              <a:latin typeface="Inconsolata" panose="020B0609030003000000" pitchFamily="49" charset="77"/>
-            </a:endParaRPr>
-          </a:p>
-          <a:p>
-            <a:pPr marL="0" indent="0">
-              <a:buNone/>
-            </a:pPr>
-            <a:r>
-              <a:rPr lang="en-US" sz="1900" b="1" dirty="0">
-                <a:solidFill>
-                  <a:srgbClr val="000087"/>
-                </a:solidFill>
-                <a:latin typeface="Inconsolata" panose="020B0609030003000000" pitchFamily="49" charset="77"/>
-              </a:rPr>
-              <a:t>In [13</a:t>
-            </a:r>
-            <a:r>
-              <a:rPr lang="en-US" sz="1900" b="1" dirty="0">
-                <a:latin typeface="Inconsolata" panose="020B0609030003000000" pitchFamily="49" charset="77"/>
-              </a:rPr>
-              <a:t>]: </a:t>
-            </a:r>
-            <a:r>
-              <a:rPr lang="en-US" sz="1900" b="1" i="1" dirty="0">
-                <a:solidFill>
-                  <a:srgbClr val="000087"/>
-                </a:solidFill>
-                <a:latin typeface="Inconsolata" panose="020B0609030003000000" pitchFamily="49" charset="77"/>
-              </a:rPr>
-              <a:t>language</a:t>
-            </a:r>
-            <a:r>
-              <a:rPr lang="en-US" sz="1900" b="1" dirty="0">
-                <a:latin typeface="Inconsolata" panose="020B0609030003000000" pitchFamily="49" charset="77"/>
-              </a:rPr>
-              <a:t>[</a:t>
-            </a:r>
-            <a:r>
-              <a:rPr lang="en-US" sz="1900" b="1" dirty="0">
-                <a:solidFill>
-                  <a:srgbClr val="FF6600"/>
-                </a:solidFill>
-                <a:latin typeface="Inconsolata" panose="020B0609030003000000" pitchFamily="49" charset="77"/>
-              </a:rPr>
-              <a:t>2:5:-1</a:t>
-            </a:r>
-            <a:r>
-              <a:rPr lang="en-US" sz="1900" b="1" dirty="0">
-                <a:latin typeface="Inconsolata" panose="020B0609030003000000" pitchFamily="49" charset="77"/>
-              </a:rPr>
-              <a:t>] </a:t>
-            </a:r>
-            <a:endParaRPr lang="en-US" sz="1900" b="1" i="1" dirty="0">
-              <a:solidFill>
-                <a:srgbClr val="33566B"/>
-              </a:solidFill>
-              <a:latin typeface="Inconsolata" panose="020B0609030003000000" pitchFamily="49" charset="77"/>
-            </a:endParaRPr>
-          </a:p>
-          <a:p>
-            <a:pPr marL="0" indent="0">
-              <a:buNone/>
-            </a:pPr>
-            <a:r>
-              <a:rPr lang="en-US" sz="1900" b="1" dirty="0">
-                <a:latin typeface="Inconsolata" panose="020B0609030003000000" pitchFamily="49" charset="77"/>
-              </a:rPr>
-              <a:t>Out [13]: ‘’ </a:t>
-            </a:r>
-          </a:p>
-          <a:p>
-            <a:pPr marL="0" indent="0">
-              <a:buNone/>
-            </a:pPr>
-            <a:endParaRPr lang="en-US" sz="1900" b="1" dirty="0">
-              <a:solidFill>
-                <a:srgbClr val="000087"/>
-              </a:solidFill>
-              <a:latin typeface="Inconsolata" panose="020B0609030003000000" pitchFamily="49" charset="77"/>
-            </a:endParaRPr>
-          </a:p>
-          <a:p>
-            <a:pPr marL="0" indent="0">
-              <a:buNone/>
-            </a:pPr>
-            <a:r>
-              <a:rPr lang="en-US" sz="1900" b="1" dirty="0">
-                <a:solidFill>
-                  <a:srgbClr val="000087"/>
-                </a:solidFill>
-                <a:latin typeface="Inconsolata" panose="020B0609030003000000" pitchFamily="49" charset="77"/>
-              </a:rPr>
-              <a:t>In </a:t>
-            </a:r>
-            <a:r>
-              <a:rPr lang="en-US" sz="1900" b="1" dirty="0">
-                <a:latin typeface="Inconsolata" panose="020B0609030003000000" pitchFamily="49" charset="77"/>
-              </a:rPr>
-              <a:t>[</a:t>
-            </a:r>
-            <a:r>
-              <a:rPr lang="en-US" sz="1900" b="1" dirty="0">
-                <a:solidFill>
-                  <a:srgbClr val="FF6600"/>
-                </a:solidFill>
-                <a:latin typeface="Inconsolata" panose="020B0609030003000000" pitchFamily="49" charset="77"/>
-              </a:rPr>
-              <a:t>14</a:t>
-            </a:r>
-            <a:r>
-              <a:rPr lang="en-US" sz="1900" b="1" dirty="0">
-                <a:latin typeface="Inconsolata" panose="020B0609030003000000" pitchFamily="49" charset="77"/>
-              </a:rPr>
-              <a:t>]: </a:t>
-            </a:r>
-            <a:r>
-              <a:rPr lang="en-US" sz="1900" b="1" i="1" dirty="0">
-                <a:solidFill>
-                  <a:srgbClr val="000087"/>
-                </a:solidFill>
-                <a:latin typeface="Inconsolata" panose="020B0609030003000000" pitchFamily="49" charset="77"/>
-              </a:rPr>
-              <a:t>language</a:t>
-            </a:r>
-            <a:r>
-              <a:rPr lang="en-US" sz="1900" b="1" dirty="0">
-                <a:latin typeface="Inconsolata" panose="020B0609030003000000" pitchFamily="49" charset="77"/>
-              </a:rPr>
-              <a:t>[</a:t>
-            </a:r>
-            <a:r>
-              <a:rPr lang="en-US" sz="1900" b="1" dirty="0">
-                <a:solidFill>
-                  <a:srgbClr val="FF6600"/>
-                </a:solidFill>
-                <a:latin typeface="Inconsolata" panose="020B0609030003000000" pitchFamily="49" charset="77"/>
-              </a:rPr>
-              <a:t>5:2:-1</a:t>
-            </a:r>
-            <a:r>
-              <a:rPr lang="en-US" sz="1900" b="1" dirty="0">
-                <a:latin typeface="Inconsolata" panose="020B0609030003000000" pitchFamily="49" charset="77"/>
-              </a:rPr>
-              <a:t>] </a:t>
-            </a:r>
-            <a:endParaRPr lang="en-US" sz="1900" b="1" i="1" dirty="0">
-              <a:solidFill>
-                <a:srgbClr val="33566B"/>
-              </a:solidFill>
-              <a:latin typeface="Inconsolata" panose="020B0609030003000000" pitchFamily="49" charset="77"/>
-            </a:endParaRPr>
-          </a:p>
-          <a:p>
-            <a:pPr marL="0" indent="0">
-              <a:buNone/>
-            </a:pPr>
-            <a:r>
-              <a:rPr lang="en-US" sz="1900" b="1" dirty="0">
-                <a:latin typeface="Inconsolata" panose="020B0609030003000000" pitchFamily="49" charset="77"/>
-              </a:rPr>
-              <a:t>Out [14]: ‘</a:t>
-            </a:r>
-            <a:r>
-              <a:rPr lang="en-US" sz="1900" b="1" dirty="0" err="1">
-                <a:latin typeface="Inconsolata" panose="020B0609030003000000" pitchFamily="49" charset="77"/>
-              </a:rPr>
-              <a:t>noh</a:t>
-            </a:r>
-            <a:r>
-              <a:rPr lang="en-US" sz="1900" b="1" dirty="0">
-                <a:latin typeface="Inconsolata" panose="020B0609030003000000" pitchFamily="49" charset="77"/>
-              </a:rPr>
-              <a:t>’ </a:t>
-            </a:r>
-          </a:p>
-          <a:p>
-            <a:pPr marL="0" indent="0">
-              <a:buNone/>
-            </a:pPr>
-            <a:endParaRPr lang="en-US" sz="1900" b="1" dirty="0">
-              <a:latin typeface="Inconsolata" panose="020B0609030003000000" pitchFamily="49" charset="77"/>
-            </a:endParaRPr>
-          </a:p>
-          <a:p>
-            <a:pPr marL="0" indent="0">
-              <a:buNone/>
-            </a:pPr>
-            <a:endParaRPr lang="en-US" sz="1900" b="1" dirty="0">
-              <a:latin typeface="Inconsolata" panose="020B0609030003000000" pitchFamily="49" charset="77"/>
-            </a:endParaRPr>
-          </a:p>
-          <a:p>
-            <a:pPr marL="0" indent="0">
-              <a:buNone/>
-            </a:pPr>
-            <a:endParaRPr lang="en-US" sz="1900" b="1" dirty="0">
-              <a:latin typeface="Inconsolata" panose="020B0609030003000000" pitchFamily="49" charset="77"/>
-            </a:endParaRPr>
-          </a:p>
-          <a:p>
-            <a:pPr marL="0" indent="0">
-              <a:buNone/>
-            </a:pPr>
-            <a:endParaRPr lang="en-US" sz="1900" b="1" dirty="0">
-              <a:latin typeface="Inconsolata" panose="020B0609030003000000" pitchFamily="49" charset="77"/>
-            </a:endParaRPr>
-          </a:p>
-          <a:p>
-            <a:pPr marL="0" indent="0">
-              <a:buNone/>
-            </a:pPr>
-            <a:endParaRPr lang="en-US" sz="1900" b="1" dirty="0">
-              <a:latin typeface="Inconsolata" panose="020B0609030003000000" pitchFamily="49" charset="77"/>
-            </a:endParaRPr>
-          </a:p>
-          <a:p>
-            <a:pPr marL="0" indent="0">
-              <a:buNone/>
-            </a:pPr>
-            <a:r>
-              <a:rPr lang="en-US" sz="1900" b="1" dirty="0">
-                <a:latin typeface="Inconsolata" panose="020B0609030003000000" pitchFamily="49" charset="77"/>
-              </a:rPr>
-              <a:t> </a:t>
-            </a:r>
-          </a:p>
-          <a:p>
-            <a:pPr marL="0" indent="0">
-              <a:buNone/>
-            </a:pPr>
-            <a:endParaRPr lang="en-US" sz="1900" b="1" dirty="0">
-              <a:latin typeface="Inconsolata" panose="020B0609030003000000" pitchFamily="49" charset="77"/>
-            </a:endParaRPr>
-          </a:p>
-          <a:p>
-            <a:pPr marL="0" indent="0">
-              <a:buNone/>
-            </a:pPr>
-            <a:endParaRPr lang="en-US" sz="1900" b="1" dirty="0">
-              <a:latin typeface="Inconsolata" panose="020B0609030003000000" pitchFamily="49" charset="77"/>
-            </a:endParaRPr>
-          </a:p>
-          <a:p>
-            <a:pPr marL="0" indent="0">
-              <a:buNone/>
-            </a:pPr>
-            <a:endParaRPr lang="en-US" sz="1900" b="1" dirty="0">
-              <a:latin typeface="Inconsolata" panose="020B0609030003000000" pitchFamily="49" charset="77"/>
-            </a:endParaRPr>
-          </a:p>
-          <a:p>
-            <a:pPr marL="0" indent="0">
-              <a:buNone/>
-            </a:pPr>
-            <a:endParaRPr lang="en-US" sz="1900" b="1" dirty="0">
-              <a:latin typeface="Inconsolata" panose="020B0609030003000000" pitchFamily="49" charset="77"/>
-            </a:endParaRPr>
-          </a:p>
-          <a:p>
-            <a:pPr marL="0" indent="0">
-              <a:buNone/>
-            </a:pPr>
-            <a:endParaRPr lang="en-US" sz="1900" b="1" dirty="0">
-              <a:latin typeface="Inconsolata" panose="020B0609030003000000" pitchFamily="49" charset="77"/>
-            </a:endParaRPr>
-          </a:p>
-          <a:p>
-            <a:pPr marL="0" indent="0">
-              <a:buNone/>
-            </a:pPr>
-            <a:r>
-              <a:rPr lang="en-US" sz="1900" b="1" dirty="0">
-                <a:latin typeface="Inconsolata" panose="020B0609030003000000" pitchFamily="49" charset="77"/>
-              </a:rPr>
-              <a:t> </a:t>
-            </a:r>
-          </a:p>
-          <a:p>
-            <a:pPr marL="0" indent="0">
-              <a:buNone/>
-            </a:pPr>
-            <a:endParaRPr lang="en-US" sz="1900" b="1" dirty="0">
-              <a:latin typeface="Inconsolata" panose="020B0609030003000000" pitchFamily="49" charset="77"/>
-            </a:endParaRPr>
-          </a:p>
-          <a:p>
-            <a:pPr marL="0" indent="0">
-              <a:buNone/>
-            </a:pPr>
-            <a:endParaRPr lang="en-US" sz="1900" b="1" dirty="0">
-              <a:latin typeface="Inconsolata" panose="020B0609030003000000" pitchFamily="49" charset="77"/>
-            </a:endParaRPr>
-          </a:p>
-        </p:txBody>
-      </p:sp>
-    </p:spTree>
-    <p:extLst>
-      <p:ext uri="{BB962C8B-B14F-4D97-AF65-F5344CB8AC3E}">
-        <p14:creationId xmlns:p14="http://schemas.microsoft.com/office/powerpoint/2010/main" val="3018705465"/>
-      </p:ext>
-    </p:extLst>
-  </p:cSld>
-  <p:clrMapOvr>
-    <a:masterClrMapping/>
-  </p:clrMapOvr>
-  <p:timing>
-    <p:tnLst>
-      <p:par>
-        <p:cTn id="1" dur="indefinite" restart="never" nodeType="tmRoot">
-          <p:childTnLst>
-            <p:seq concurrent="1" nextAc="seek">
-              <p:cTn id="2" dur="indefinite" nodeType="mainSeq">
-                <p:childTnLst>
-                  <p:par>
-                    <p:cTn id="3" fill="hold">
-                      <p:stCondLst>
-                        <p:cond delay="indefinite"/>
-                      </p:stCondLst>
-                      <p:childTnLst>
-                        <p:par>
-                          <p:cTn id="4" fill="hold">
-                            <p:stCondLst>
-                              <p:cond delay="0"/>
-                            </p:stCondLst>
-                            <p:childTnLst>
-                              <p:par>
-                                <p:cTn id="5" presetID="1" presetClass="entr" presetSubtype="0" fill="hold" nodeType="clickEffect">
-                                  <p:stCondLst>
-                                    <p:cond delay="0"/>
-                                  </p:stCondLst>
-                                  <p:childTnLst>
-                                    <p:set>
-                                      <p:cBhvr>
-                                        <p:cTn id="6" dur="1" fill="hold">
-                                          <p:stCondLst>
-                                            <p:cond delay="0"/>
-                                          </p:stCondLst>
-                                        </p:cTn>
-                                        <p:tgtEl>
-                                          <p:spTgt spid="9">
-                                            <p:txEl>
-                                              <p:pRg st="3" end="3"/>
-                                            </p:txEl>
-                                          </p:spTgt>
-                                        </p:tgtEl>
-                                        <p:attrNameLst>
-                                          <p:attrName>style.visibility</p:attrName>
-                                        </p:attrNameLst>
-                                      </p:cBhvr>
-                                      <p:to>
-                                        <p:strVal val="visible"/>
-                                      </p:to>
-                                    </p:set>
-                                  </p:childTnLst>
-                                </p:cTn>
-                              </p:par>
-                              <p:par>
-                                <p:cTn id="7" presetID="1" presetClass="entr" presetSubtype="0" fill="hold" nodeType="withEffect">
-                                  <p:stCondLst>
-                                    <p:cond delay="0"/>
-                                  </p:stCondLst>
-                                  <p:childTnLst>
-                                    <p:set>
-                                      <p:cBhvr>
-                                        <p:cTn id="8" dur="1" fill="hold">
-                                          <p:stCondLst>
-                                            <p:cond delay="0"/>
-                                          </p:stCondLst>
-                                        </p:cTn>
-                                        <p:tgtEl>
-                                          <p:spTgt spid="9">
-                                            <p:txEl>
-                                              <p:pRg st="4" end="4"/>
-                                            </p:txEl>
-                                          </p:spTgt>
-                                        </p:tgtEl>
-                                        <p:attrNameLst>
-                                          <p:attrName>style.visibility</p:attrName>
-                                        </p:attrNameLst>
-                                      </p:cBhvr>
-                                      <p:to>
-                                        <p:strVal val="visible"/>
-                                      </p:to>
-                                    </p:set>
-                                  </p:childTnLst>
-                                </p:cTn>
-                              </p:par>
-                            </p:childTnLst>
-                          </p:cTn>
-                        </p:par>
-                      </p:childTnLst>
-                    </p:cTn>
-                  </p:par>
-                  <p:par>
-                    <p:cTn id="9" fill="hold">
-                      <p:stCondLst>
-                        <p:cond delay="indefinite"/>
-                      </p:stCondLst>
-                      <p:childTnLst>
-                        <p:par>
-                          <p:cTn id="10" fill="hold">
-                            <p:stCondLst>
-                              <p:cond delay="0"/>
-                            </p:stCondLst>
-                            <p:childTnLst>
-                              <p:par>
-                                <p:cTn id="11" presetID="1" presetClass="entr" presetSubtype="0" fill="hold" nodeType="clickEffect">
-                                  <p:stCondLst>
-                                    <p:cond delay="0"/>
-                                  </p:stCondLst>
-                                  <p:childTnLst>
-                                    <p:set>
-                                      <p:cBhvr>
-                                        <p:cTn id="12" dur="1" fill="hold">
-                                          <p:stCondLst>
-                                            <p:cond delay="0"/>
-                                          </p:stCondLst>
-                                        </p:cTn>
-                                        <p:tgtEl>
-                                          <p:spTgt spid="9">
-                                            <p:txEl>
-                                              <p:pRg st="6" end="6"/>
-                                            </p:txEl>
-                                          </p:spTgt>
-                                        </p:tgtEl>
-                                        <p:attrNameLst>
-                                          <p:attrName>style.visibility</p:attrName>
-                                        </p:attrNameLst>
-                                      </p:cBhvr>
-                                      <p:to>
-                                        <p:strVal val="visible"/>
-                                      </p:to>
-                                    </p:set>
-                                  </p:childTnLst>
-                                </p:cTn>
-                              </p:par>
-                              <p:par>
-                                <p:cTn id="13" presetID="1" presetClass="entr" presetSubtype="0" fill="hold" nodeType="withEffect">
-                                  <p:stCondLst>
-                                    <p:cond delay="0"/>
-                                  </p:stCondLst>
-                                  <p:childTnLst>
-                                    <p:set>
-                                      <p:cBhvr>
-                                        <p:cTn id="14" dur="1" fill="hold">
-                                          <p:stCondLst>
-                                            <p:cond delay="0"/>
-                                          </p:stCondLst>
-                                        </p:cTn>
-                                        <p:tgtEl>
-                                          <p:spTgt spid="9">
-                                            <p:txEl>
-                                              <p:pRg st="7" end="7"/>
-                                            </p:txEl>
-                                          </p:spTgt>
-                                        </p:tgtEl>
-                                        <p:attrNameLst>
-                                          <p:attrName>style.visibility</p:attrName>
-                                        </p:attrNameLst>
-                                      </p:cBhvr>
-                                      <p:to>
-                                        <p:strVal val="visible"/>
-                                      </p:to>
-                                    </p:set>
-                                  </p:childTnLst>
-                                </p:cTn>
-                              </p:par>
-                            </p:childTnLst>
-                          </p:cTn>
-                        </p:par>
-                      </p:childTnLst>
-                    </p:cTn>
-                  </p:par>
-                </p:childTnLst>
-              </p:cTn>
-              <p:prevCondLst>
-                <p:cond evt="onPrev" delay="0">
-                  <p:tgtEl>
-                    <p:sldTgt/>
-                  </p:tgtEl>
-                </p:cond>
-              </p:prevCondLst>
-              <p:nextCondLst>
-                <p:cond evt="onNext" delay="0">
-                  <p:tgtEl>
-                    <p:sldTgt/>
-                  </p:tgtEl>
-                </p:cond>
-              </p:nextCondLst>
-            </p:seq>
-          </p:childTnLst>
-        </p:cTn>
-      </p:par>
-    </p:tnLst>
-  </p:timing>
-</p:sld>
-</file>
-
-<file path=ppt/slides/slide12.xml><?xml version="1.0" encoding="utf-8"?>
-<p:sld xmlns:a="http://schemas.openxmlformats.org/drawingml/2006/main" xmlns:r="http://schemas.openxmlformats.org/officeDocument/2006/relationships" xmlns:p="http://schemas.openxmlformats.org/presentationml/2006/main">
-  <p:cSld>
-    <p:spTree>
-      <p:nvGrpSpPr>
-        <p:cNvPr id="1" name=""/>
-        <p:cNvGrpSpPr/>
-        <p:nvPr/>
-      </p:nvGrpSpPr>
-      <p:grpSpPr>
-        <a:xfrm>
-          <a:off x="0" y="0"/>
-          <a:ext cx="0" cy="0"/>
-          <a:chOff x="0" y="0"/>
-          <a:chExt cx="0" cy="0"/>
-        </a:xfrm>
-      </p:grpSpPr>
-      <p:sp>
-        <p:nvSpPr>
-          <p:cNvPr id="2" name="Title 1">
-            <a:extLst>
-              <a:ext uri="{FF2B5EF4-FFF2-40B4-BE49-F238E27FC236}">
-                <a16:creationId xmlns:a16="http://schemas.microsoft.com/office/drawing/2014/main" id="{AA3A228F-61D0-D949-A5E7-F83756230BF8}"/>
-              </a:ext>
-            </a:extLst>
-          </p:cNvPr>
-          <p:cNvSpPr>
-            <a:spLocks noGrp="1"/>
-          </p:cNvSpPr>
-          <p:nvPr>
-            <p:ph type="title"/>
-          </p:nvPr>
-        </p:nvSpPr>
-        <p:spPr>
-          <a:xfrm>
             <a:off x="148182" y="123497"/>
             <a:ext cx="7053542" cy="683886"/>
           </a:xfrm>
@@ -6689,447 +5260,7 @@
 </p:sld>
 </file>
 
-<file path=ppt/slides/slide13.xml><?xml version="1.0" encoding="utf-8"?>
-<p:sld xmlns:a="http://schemas.openxmlformats.org/drawingml/2006/main" xmlns:r="http://schemas.openxmlformats.org/officeDocument/2006/relationships" xmlns:p="http://schemas.openxmlformats.org/presentationml/2006/main">
-  <p:cSld>
-    <p:spTree>
-      <p:nvGrpSpPr>
-        <p:cNvPr id="1" name=""/>
-        <p:cNvGrpSpPr/>
-        <p:nvPr/>
-      </p:nvGrpSpPr>
-      <p:grpSpPr>
-        <a:xfrm>
-          <a:off x="0" y="0"/>
-          <a:ext cx="0" cy="0"/>
-          <a:chOff x="0" y="0"/>
-          <a:chExt cx="0" cy="0"/>
-        </a:xfrm>
-      </p:grpSpPr>
-      <p:sp>
-        <p:nvSpPr>
-          <p:cNvPr id="2" name="Title 1">
-            <a:extLst>
-              <a:ext uri="{FF2B5EF4-FFF2-40B4-BE49-F238E27FC236}">
-                <a16:creationId xmlns:a16="http://schemas.microsoft.com/office/drawing/2014/main" id="{AA3A228F-61D0-D949-A5E7-F83756230BF8}"/>
-              </a:ext>
-            </a:extLst>
-          </p:cNvPr>
-          <p:cNvSpPr>
-            <a:spLocks noGrp="1"/>
-          </p:cNvSpPr>
-          <p:nvPr>
-            <p:ph type="title"/>
-          </p:nvPr>
-        </p:nvSpPr>
-        <p:spPr>
-          <a:xfrm>
-            <a:off x="171332" y="123497"/>
-            <a:ext cx="7053542" cy="683886"/>
-          </a:xfrm>
-        </p:spPr>
-        <p:txBody>
-          <a:bodyPr/>
-          <a:lstStyle/>
-          <a:p>
-            <a:r>
-              <a:rPr lang="en-US" dirty="0"/>
-              <a:t>str()</a:t>
-            </a:r>
-          </a:p>
-        </p:txBody>
-      </p:sp>
-      <p:sp>
-        <p:nvSpPr>
-          <p:cNvPr id="9" name="Content Placeholder 8">
-            <a:extLst>
-              <a:ext uri="{FF2B5EF4-FFF2-40B4-BE49-F238E27FC236}">
-                <a16:creationId xmlns:a16="http://schemas.microsoft.com/office/drawing/2014/main" id="{E3B2E017-30B2-884B-A113-B419A2ED51AD}"/>
-              </a:ext>
-            </a:extLst>
-          </p:cNvPr>
-          <p:cNvSpPr>
-            <a:spLocks noGrp="1"/>
-          </p:cNvSpPr>
-          <p:nvPr>
-            <p:ph idx="1"/>
-          </p:nvPr>
-        </p:nvSpPr>
-        <p:spPr>
-          <a:xfrm>
-            <a:off x="171332" y="807383"/>
-            <a:ext cx="8364241" cy="4784120"/>
-          </a:xfrm>
-        </p:spPr>
-        <p:txBody>
-          <a:bodyPr>
-            <a:noAutofit/>
-          </a:bodyPr>
-          <a:lstStyle/>
-          <a:p>
-            <a:pPr marL="0" indent="0">
-              <a:buNone/>
-            </a:pPr>
-            <a:endParaRPr lang="en-US" dirty="0">
-              <a:latin typeface="Gill Sans MT" panose="020B0502020104020203" pitchFamily="34" charset="77"/>
-            </a:endParaRPr>
-          </a:p>
-          <a:p>
-            <a:pPr marL="0" indent="0">
-              <a:buNone/>
-            </a:pPr>
-            <a:endParaRPr lang="en-US" dirty="0">
-              <a:latin typeface="Gill Sans MT" panose="020B0502020104020203" pitchFamily="34" charset="77"/>
-            </a:endParaRPr>
-          </a:p>
-          <a:p>
-            <a:pPr marL="0" indent="0">
-              <a:buNone/>
-            </a:pPr>
-            <a:r>
-              <a:rPr lang="en-US" dirty="0">
-                <a:latin typeface="Gill Sans MT" panose="020B0502020104020203" pitchFamily="34" charset="77"/>
-              </a:rPr>
-              <a:t>The function str() can be construct string objects from integer or float literals.</a:t>
-            </a:r>
-          </a:p>
-          <a:p>
-            <a:pPr marL="0" indent="0">
-              <a:buNone/>
-            </a:pPr>
-            <a:endParaRPr lang="en-US" sz="1900" b="1" dirty="0">
-              <a:solidFill>
-                <a:srgbClr val="000087"/>
-              </a:solidFill>
-              <a:latin typeface="Inconsolata" panose="020B0609030003000000" pitchFamily="49" charset="77"/>
-            </a:endParaRPr>
-          </a:p>
-          <a:p>
-            <a:pPr marL="0" indent="0">
-              <a:buNone/>
-            </a:pPr>
-            <a:r>
-              <a:rPr lang="en-US" sz="1900" b="1" dirty="0">
-                <a:solidFill>
-                  <a:srgbClr val="000087"/>
-                </a:solidFill>
-                <a:latin typeface="Inconsolata" panose="020B0609030003000000" pitchFamily="49" charset="77"/>
-              </a:rPr>
-              <a:t> </a:t>
-            </a:r>
-          </a:p>
-          <a:p>
-            <a:pPr marL="0" indent="0">
-              <a:buNone/>
-            </a:pPr>
-            <a:r>
-              <a:rPr lang="en-US" sz="2000" b="1" dirty="0">
-                <a:solidFill>
-                  <a:srgbClr val="000087"/>
-                </a:solidFill>
-                <a:latin typeface="Inconsolata" panose="020B0609030003000000" pitchFamily="49" charset="77"/>
-              </a:rPr>
-              <a:t>In </a:t>
-            </a:r>
-            <a:r>
-              <a:rPr lang="en-US" sz="2000" b="1" dirty="0">
-                <a:latin typeface="Inconsolata" panose="020B0609030003000000" pitchFamily="49" charset="77"/>
-              </a:rPr>
-              <a:t>[</a:t>
-            </a:r>
-            <a:r>
-              <a:rPr lang="en-US" sz="2000" b="1" dirty="0">
-                <a:solidFill>
-                  <a:srgbClr val="FF6600"/>
-                </a:solidFill>
-                <a:latin typeface="Inconsolata" panose="020B0609030003000000" pitchFamily="49" charset="77"/>
-              </a:rPr>
-              <a:t>1</a:t>
-            </a:r>
-            <a:r>
-              <a:rPr lang="en-US" sz="2000" b="1" dirty="0">
-                <a:latin typeface="Inconsolata" panose="020B0609030003000000" pitchFamily="49" charset="77"/>
-              </a:rPr>
-              <a:t>]: </a:t>
-            </a:r>
-            <a:r>
-              <a:rPr lang="en-US" sz="2000" b="1" dirty="0">
-                <a:solidFill>
-                  <a:srgbClr val="000000"/>
-                </a:solidFill>
-                <a:latin typeface="Inconsolata" panose="020B0609030003000000" pitchFamily="49" charset="77"/>
-              </a:rPr>
-              <a:t>y = </a:t>
-            </a:r>
-            <a:r>
-              <a:rPr lang="en-US" sz="2000" b="1" dirty="0">
-                <a:solidFill>
-                  <a:srgbClr val="34A327"/>
-                </a:solidFill>
-                <a:latin typeface="Inconsolata" panose="020B0609030003000000" pitchFamily="49" charset="77"/>
-              </a:rPr>
-              <a:t>str</a:t>
-            </a:r>
-            <a:r>
-              <a:rPr lang="en-US" sz="2000" b="1" dirty="0">
-                <a:solidFill>
-                  <a:srgbClr val="000000"/>
-                </a:solidFill>
-                <a:latin typeface="Inconsolata" panose="020B0609030003000000" pitchFamily="49" charset="77"/>
-              </a:rPr>
-              <a:t>(</a:t>
-            </a:r>
-            <a:r>
-              <a:rPr lang="en-US" sz="2000" b="1" dirty="0">
-                <a:solidFill>
-                  <a:srgbClr val="34A327"/>
-                </a:solidFill>
-                <a:latin typeface="Inconsolata" panose="020B0609030003000000" pitchFamily="49" charset="77"/>
-              </a:rPr>
-              <a:t>2</a:t>
-            </a:r>
-            <a:r>
-              <a:rPr lang="en-US" sz="2000" b="1" dirty="0">
-                <a:solidFill>
-                  <a:srgbClr val="000000"/>
-                </a:solidFill>
-                <a:latin typeface="Inconsolata" panose="020B0609030003000000" pitchFamily="49" charset="77"/>
-              </a:rPr>
-              <a:t>)    </a:t>
-            </a:r>
-            <a:r>
-              <a:rPr lang="en-US" sz="2000" b="1" i="1" dirty="0">
-                <a:solidFill>
-                  <a:srgbClr val="779F9F"/>
-                </a:solidFill>
-                <a:latin typeface="Inconsolata" panose="020B0609030003000000" pitchFamily="49" charset="77"/>
-              </a:rPr>
-              <a:t># y will be '2'</a:t>
-            </a:r>
-            <a:r>
-              <a:rPr lang="en-US" sz="2000" b="1" dirty="0">
-                <a:solidFill>
-                  <a:srgbClr val="000000"/>
-                </a:solidFill>
-                <a:latin typeface="Inconsolata" panose="020B0609030003000000" pitchFamily="49" charset="77"/>
-              </a:rPr>
-              <a:t> </a:t>
-            </a:r>
-            <a:endParaRPr lang="en-US" sz="2000" b="1" dirty="0">
-              <a:solidFill>
-                <a:srgbClr val="779F9F"/>
-              </a:solidFill>
-              <a:latin typeface="Inconsolata" panose="020B0609030003000000" pitchFamily="49" charset="77"/>
-            </a:endParaRPr>
-          </a:p>
-          <a:p>
-            <a:pPr marL="0" indent="0">
-              <a:buNone/>
-            </a:pPr>
-            <a:r>
-              <a:rPr lang="en-US" sz="2000" b="1" dirty="0">
-                <a:solidFill>
-                  <a:srgbClr val="34A327"/>
-                </a:solidFill>
-                <a:latin typeface="Inconsolata" panose="020B0609030003000000" pitchFamily="49" charset="77"/>
-              </a:rPr>
-              <a:t>        </a:t>
-            </a:r>
-            <a:r>
-              <a:rPr lang="en-US" sz="2000" b="1" dirty="0">
-                <a:solidFill>
-                  <a:srgbClr val="000000"/>
-                </a:solidFill>
-                <a:latin typeface="Inconsolata" panose="020B0609030003000000" pitchFamily="49" charset="77"/>
-              </a:rPr>
-              <a:t>z = </a:t>
-            </a:r>
-            <a:r>
-              <a:rPr lang="en-US" sz="2000" b="1" dirty="0">
-                <a:solidFill>
-                  <a:srgbClr val="34A327"/>
-                </a:solidFill>
-                <a:latin typeface="Inconsolata" panose="020B0609030003000000" pitchFamily="49" charset="77"/>
-              </a:rPr>
-              <a:t>str</a:t>
-            </a:r>
-            <a:r>
-              <a:rPr lang="en-US" sz="2000" b="1" dirty="0">
-                <a:solidFill>
-                  <a:srgbClr val="000000"/>
-                </a:solidFill>
-                <a:latin typeface="Inconsolata" panose="020B0609030003000000" pitchFamily="49" charset="77"/>
-              </a:rPr>
-              <a:t>(</a:t>
-            </a:r>
-            <a:r>
-              <a:rPr lang="en-US" sz="2000" b="1" dirty="0">
-                <a:solidFill>
-                  <a:srgbClr val="34A327"/>
-                </a:solidFill>
-                <a:latin typeface="Inconsolata" panose="020B0609030003000000" pitchFamily="49" charset="77"/>
-              </a:rPr>
-              <a:t>3.0</a:t>
-            </a:r>
-            <a:r>
-              <a:rPr lang="en-US" sz="2000" b="1" dirty="0">
-                <a:solidFill>
-                  <a:srgbClr val="000000"/>
-                </a:solidFill>
-                <a:latin typeface="Inconsolata" panose="020B0609030003000000" pitchFamily="49" charset="77"/>
-              </a:rPr>
-              <a:t>)  </a:t>
-            </a:r>
-            <a:r>
-              <a:rPr lang="en-US" sz="2000" b="1" i="1" dirty="0">
-                <a:solidFill>
-                  <a:srgbClr val="779F9F"/>
-                </a:solidFill>
-                <a:latin typeface="Inconsolata" panose="020B0609030003000000" pitchFamily="49" charset="77"/>
-              </a:rPr>
-              <a:t># z will be '3.0'</a:t>
-            </a:r>
-            <a:endParaRPr lang="en-US" sz="2000" b="1" dirty="0">
-              <a:solidFill>
-                <a:srgbClr val="779F9F"/>
-              </a:solidFill>
-              <a:latin typeface="Inconsolata" panose="020B0609030003000000" pitchFamily="49" charset="77"/>
-            </a:endParaRPr>
-          </a:p>
-          <a:p>
-            <a:pPr marL="0" indent="0">
-              <a:buNone/>
-            </a:pPr>
-            <a:endParaRPr lang="en-US" sz="1900" b="1" dirty="0">
-              <a:latin typeface="Inconsolata" panose="020B0609030003000000" pitchFamily="49" charset="77"/>
-            </a:endParaRPr>
-          </a:p>
-        </p:txBody>
-      </p:sp>
-    </p:spTree>
-    <p:extLst>
-      <p:ext uri="{BB962C8B-B14F-4D97-AF65-F5344CB8AC3E}">
-        <p14:creationId xmlns:p14="http://schemas.microsoft.com/office/powerpoint/2010/main" val="2474375338"/>
-      </p:ext>
-    </p:extLst>
-  </p:cSld>
-  <p:clrMapOvr>
-    <a:masterClrMapping/>
-  </p:clrMapOvr>
-  <p:timing>
-    <p:tnLst>
-      <p:par>
-        <p:cTn id="1" dur="indefinite" restart="never" nodeType="tmRoot">
-          <p:childTnLst>
-            <p:seq concurrent="1" nextAc="seek">
-              <p:cTn id="2" dur="indefinite" nodeType="mainSeq">
-                <p:childTnLst>
-                  <p:par>
-                    <p:cTn id="3" fill="hold">
-                      <p:stCondLst>
-                        <p:cond delay="indefinite"/>
-                      </p:stCondLst>
-                      <p:childTnLst>
-                        <p:par>
-                          <p:cTn id="4" fill="hold">
-                            <p:stCondLst>
-                              <p:cond delay="0"/>
-                            </p:stCondLst>
-                            <p:childTnLst>
-                              <p:par>
-                                <p:cTn id="5" presetID="1" presetClass="entr" presetSubtype="0" fill="hold" nodeType="clickEffect">
-                                  <p:stCondLst>
-                                    <p:cond delay="0"/>
-                                  </p:stCondLst>
-                                  <p:childTnLst>
-                                    <p:set>
-                                      <p:cBhvr>
-                                        <p:cTn id="6" dur="1" fill="hold">
-                                          <p:stCondLst>
-                                            <p:cond delay="0"/>
-                                          </p:stCondLst>
-                                        </p:cTn>
-                                        <p:tgtEl>
-                                          <p:spTgt spid="9">
-                                            <p:txEl>
-                                              <p:pRg st="5" end="5"/>
-                                            </p:txEl>
-                                          </p:spTgt>
-                                        </p:tgtEl>
-                                        <p:attrNameLst>
-                                          <p:attrName>style.visibility</p:attrName>
-                                        </p:attrNameLst>
-                                      </p:cBhvr>
-                                      <p:to>
-                                        <p:strVal val="visible"/>
-                                      </p:to>
-                                    </p:set>
-                                  </p:childTnLst>
-                                </p:cTn>
-                              </p:par>
-                              <p:par>
-                                <p:cTn id="7" presetID="1" presetClass="entr" presetSubtype="0" fill="hold" nodeType="withEffect">
-                                  <p:stCondLst>
-                                    <p:cond delay="0"/>
-                                  </p:stCondLst>
-                                  <p:childTnLst>
-                                    <p:set>
-                                      <p:cBhvr>
-                                        <p:cTn id="8" dur="1" fill="hold">
-                                          <p:stCondLst>
-                                            <p:cond delay="0"/>
-                                          </p:stCondLst>
-                                        </p:cTn>
-                                        <p:tgtEl>
-                                          <p:spTgt spid="9">
-                                            <p:txEl>
-                                              <p:pRg st="6" end="6"/>
-                                            </p:txEl>
-                                          </p:spTgt>
-                                        </p:tgtEl>
-                                        <p:attrNameLst>
-                                          <p:attrName>style.visibility</p:attrName>
-                                        </p:attrNameLst>
-                                      </p:cBhvr>
-                                      <p:to>
-                                        <p:strVal val="visible"/>
-                                      </p:to>
-                                    </p:set>
-                                  </p:childTnLst>
-                                </p:cTn>
-                              </p:par>
-                            </p:childTnLst>
-                          </p:cTn>
-                        </p:par>
-                      </p:childTnLst>
-                    </p:cTn>
-                  </p:par>
-                </p:childTnLst>
-              </p:cTn>
-              <p:prevCondLst>
-                <p:cond evt="onPrev" delay="0">
-                  <p:tgtEl>
-                    <p:sldTgt/>
-                  </p:tgtEl>
-                </p:cond>
-              </p:prevCondLst>
-              <p:nextCondLst>
-                <p:cond evt="onNext" delay="0">
-                  <p:tgtEl>
-                    <p:sldTgt/>
-                  </p:tgtEl>
-                </p:cond>
-              </p:nextCondLst>
-            </p:seq>
-          </p:childTnLst>
-        </p:cTn>
-      </p:par>
-    </p:tnLst>
-  </p:timing>
-</p:sld>
-</file>
-
-<file path=ppt/slides/slide14.xml><?xml version="1.0" encoding="utf-8"?>
+<file path=ppt/slides/slide11.xml><?xml version="1.0" encoding="utf-8"?>
 <p:sld xmlns:a="http://schemas.openxmlformats.org/drawingml/2006/main" xmlns:r="http://schemas.openxmlformats.org/officeDocument/2006/relationships" xmlns:p="http://schemas.openxmlformats.org/presentationml/2006/main">
   <p:cSld>
     <p:spTree>
@@ -7808,7 +5939,7 @@
 </p:sld>
 </file>
 
-<file path=ppt/slides/slide15.xml><?xml version="1.0" encoding="utf-8"?>
+<file path=ppt/slides/slide12.xml><?xml version="1.0" encoding="utf-8"?>
 <p:sld xmlns:a="http://schemas.openxmlformats.org/drawingml/2006/main" xmlns:r="http://schemas.openxmlformats.org/officeDocument/2006/relationships" xmlns:p="http://schemas.openxmlformats.org/presentationml/2006/main">
   <p:cSld>
     <p:spTree>
@@ -8593,7 +6724,7 @@
 </p:sld>
 </file>
 
-<file path=ppt/slides/slide16.xml><?xml version="1.0" encoding="utf-8"?>
+<file path=ppt/slides/slide13.xml><?xml version="1.0" encoding="utf-8"?>
 <p:sld xmlns:a="http://schemas.openxmlformats.org/drawingml/2006/main" xmlns:r="http://schemas.openxmlformats.org/officeDocument/2006/relationships" xmlns:p="http://schemas.openxmlformats.org/presentationml/2006/main">
   <p:cSld>
     <p:spTree>
@@ -9297,7 +7428,7 @@
 </p:sld>
 </file>
 
-<file path=ppt/slides/slide17.xml><?xml version="1.0" encoding="utf-8"?>
+<file path=ppt/slides/slide14.xml><?xml version="1.0" encoding="utf-8"?>
 <p:sld xmlns:a="http://schemas.openxmlformats.org/drawingml/2006/main" xmlns:r="http://schemas.openxmlformats.org/officeDocument/2006/relationships" xmlns:p="http://schemas.openxmlformats.org/presentationml/2006/main">
   <p:cSld>
     <p:spTree>
@@ -10005,7 +8136,7 @@
 </p:sld>
 </file>
 
-<file path=ppt/slides/slide18.xml><?xml version="1.0" encoding="utf-8"?>
+<file path=ppt/slides/slide15.xml><?xml version="1.0" encoding="utf-8"?>
 <p:sld xmlns:a="http://schemas.openxmlformats.org/drawingml/2006/main" xmlns:r="http://schemas.openxmlformats.org/officeDocument/2006/relationships" xmlns:p="http://schemas.openxmlformats.org/presentationml/2006/main">
   <p:cSld>
     <p:spTree>
@@ -10258,7 +8389,7 @@
 </p:sld>
 </file>
 
-<file path=ppt/slides/slide19.xml><?xml version="1.0" encoding="utf-8"?>
+<file path=ppt/slides/slide16.xml><?xml version="1.0" encoding="utf-8"?>
 <p:sld xmlns:a="http://schemas.openxmlformats.org/drawingml/2006/main" xmlns:r="http://schemas.openxmlformats.org/officeDocument/2006/relationships" xmlns:p="http://schemas.openxmlformats.org/presentationml/2006/main">
   <p:cSld>
     <p:spTree>
@@ -10728,228 +8859,7 @@
 </p:sld>
 </file>
 
-<file path=ppt/slides/slide2.xml><?xml version="1.0" encoding="utf-8"?>
-<p:sld xmlns:a="http://schemas.openxmlformats.org/drawingml/2006/main" xmlns:r="http://schemas.openxmlformats.org/officeDocument/2006/relationships" xmlns:p="http://schemas.openxmlformats.org/presentationml/2006/main">
-  <p:cSld>
-    <p:spTree>
-      <p:nvGrpSpPr>
-        <p:cNvPr id="1" name=""/>
-        <p:cNvGrpSpPr/>
-        <p:nvPr/>
-      </p:nvGrpSpPr>
-      <p:grpSpPr>
-        <a:xfrm>
-          <a:off x="0" y="0"/>
-          <a:ext cx="0" cy="0"/>
-          <a:chOff x="0" y="0"/>
-          <a:chExt cx="0" cy="0"/>
-        </a:xfrm>
-      </p:grpSpPr>
-      <p:sp>
-        <p:nvSpPr>
-          <p:cNvPr id="2" name="Title 1">
-            <a:extLst>
-              <a:ext uri="{FF2B5EF4-FFF2-40B4-BE49-F238E27FC236}">
-                <a16:creationId xmlns:a16="http://schemas.microsoft.com/office/drawing/2014/main" id="{AA3A228F-61D0-D949-A5E7-F83756230BF8}"/>
-              </a:ext>
-            </a:extLst>
-          </p:cNvPr>
-          <p:cNvSpPr>
-            <a:spLocks noGrp="1"/>
-          </p:cNvSpPr>
-          <p:nvPr>
-            <p:ph type="title"/>
-          </p:nvPr>
-        </p:nvSpPr>
-        <p:spPr>
-          <a:xfrm>
-            <a:off x="483848" y="467027"/>
-            <a:ext cx="7053542" cy="683886"/>
-          </a:xfrm>
-        </p:spPr>
-        <p:txBody>
-          <a:bodyPr/>
-          <a:lstStyle/>
-          <a:p>
-            <a:r>
-              <a:rPr lang="en-US" dirty="0"/>
-              <a:t>Topics</a:t>
-            </a:r>
-          </a:p>
-        </p:txBody>
-      </p:sp>
-      <p:sp>
-        <p:nvSpPr>
-          <p:cNvPr id="9" name="Content Placeholder 8">
-            <a:extLst>
-              <a:ext uri="{FF2B5EF4-FFF2-40B4-BE49-F238E27FC236}">
-                <a16:creationId xmlns:a16="http://schemas.microsoft.com/office/drawing/2014/main" id="{E3B2E017-30B2-884B-A113-B419A2ED51AD}"/>
-              </a:ext>
-            </a:extLst>
-          </p:cNvPr>
-          <p:cNvSpPr>
-            <a:spLocks noGrp="1"/>
-          </p:cNvSpPr>
-          <p:nvPr>
-            <p:ph idx="1"/>
-          </p:nvPr>
-        </p:nvSpPr>
-        <p:spPr>
-          <a:xfrm>
-            <a:off x="483848" y="1019503"/>
-            <a:ext cx="8051725" cy="4571999"/>
-          </a:xfrm>
-        </p:spPr>
-        <p:txBody>
-          <a:bodyPr/>
-          <a:lstStyle/>
-          <a:p>
-            <a:pPr marL="0" indent="0">
-              <a:buNone/>
-            </a:pPr>
-            <a:endParaRPr lang="en-US" dirty="0">
-              <a:latin typeface="Gill Sans MT" panose="020B0502020104020203" pitchFamily="34" charset="77"/>
-            </a:endParaRPr>
-          </a:p>
-          <a:p>
-            <a:pPr marL="0" indent="0">
-              <a:buNone/>
-            </a:pPr>
-            <a:endParaRPr lang="en-US" dirty="0">
-              <a:latin typeface="Gill Sans MT" panose="020B0502020104020203" pitchFamily="34" charset="77"/>
-            </a:endParaRPr>
-          </a:p>
-          <a:p>
-            <a:pPr marL="457200" indent="-457200">
-              <a:buAutoNum type="arabicParenR"/>
-            </a:pPr>
-            <a:r>
-              <a:rPr lang="en-US" dirty="0">
-                <a:latin typeface="Gill Sans MT" panose="020B0502020104020203" pitchFamily="34" charset="77"/>
-              </a:rPr>
-              <a:t>Strings Concatenation</a:t>
-            </a:r>
-          </a:p>
-          <a:p>
-            <a:pPr marL="457200" indent="-457200">
-              <a:buAutoNum type="arabicParenR"/>
-            </a:pPr>
-            <a:r>
-              <a:rPr lang="en-US" dirty="0">
-                <a:latin typeface="Gill Sans MT" panose="020B0502020104020203" pitchFamily="34" charset="77"/>
-              </a:rPr>
-              <a:t>Indexing and Slicing</a:t>
-            </a:r>
-          </a:p>
-          <a:p>
-            <a:pPr marL="457200" indent="-457200">
-              <a:buAutoNum type="arabicParenR"/>
-            </a:pPr>
-            <a:r>
-              <a:rPr lang="en-US" dirty="0">
-                <a:latin typeface="Gill Sans MT" panose="020B0502020104020203" pitchFamily="34" charset="77"/>
-              </a:rPr>
-              <a:t>f-Strings</a:t>
-            </a:r>
-          </a:p>
-          <a:p>
-            <a:pPr marL="457200" indent="-457200">
-              <a:buAutoNum type="arabicParenR"/>
-            </a:pPr>
-            <a:r>
-              <a:rPr lang="en-US" dirty="0">
-                <a:latin typeface="Gill Sans MT" panose="020B0502020104020203" pitchFamily="34" charset="77"/>
-              </a:rPr>
-              <a:t>Escape Sequences</a:t>
-            </a:r>
-          </a:p>
-          <a:p>
-            <a:pPr marL="457200" indent="-457200">
-              <a:buAutoNum type="arabicParenR"/>
-            </a:pPr>
-            <a:r>
-              <a:rPr lang="en-US" dirty="0">
-                <a:latin typeface="Gill Sans MT" panose="020B0502020104020203" pitchFamily="34" charset="77"/>
-              </a:rPr>
-              <a:t>String Methods</a:t>
-            </a:r>
-          </a:p>
-          <a:p>
-            <a:pPr marL="457200" indent="-457200">
-              <a:buAutoNum type="arabicParenR"/>
-            </a:pPr>
-            <a:r>
-              <a:rPr lang="en-US" dirty="0">
-                <a:latin typeface="Gill Sans MT" panose="020B0502020104020203" pitchFamily="34" charset="77"/>
-              </a:rPr>
-              <a:t>For Loops vs Slicing</a:t>
-            </a:r>
-          </a:p>
-          <a:p>
-            <a:pPr marL="342900" lvl="1" indent="0">
-              <a:buNone/>
-            </a:pPr>
-            <a:endParaRPr lang="en-US" dirty="0">
-              <a:latin typeface="Gill Sans MT" panose="020B0502020104020203" pitchFamily="34" charset="77"/>
-            </a:endParaRPr>
-          </a:p>
-          <a:p>
-            <a:pPr marL="457200" indent="-457200">
-              <a:buFont typeface="+mj-lt"/>
-              <a:buAutoNum type="arabicParenR"/>
-            </a:pPr>
-            <a:endParaRPr lang="en-US" dirty="0">
-              <a:latin typeface="Gill Sans MT" panose="020B0502020104020203" pitchFamily="34" charset="77"/>
-            </a:endParaRPr>
-          </a:p>
-          <a:p>
-            <a:pPr marL="457200" indent="-457200">
-              <a:buAutoNum type="arabicParenR"/>
-            </a:pPr>
-            <a:endParaRPr lang="en-US" dirty="0">
-              <a:latin typeface="Gill Sans MT" panose="020B0502020104020203" pitchFamily="34" charset="77"/>
-            </a:endParaRPr>
-          </a:p>
-          <a:p>
-            <a:pPr marL="457200" indent="-457200">
-              <a:buAutoNum type="arabicParenR"/>
-            </a:pPr>
-            <a:endParaRPr lang="en-US" dirty="0">
-              <a:latin typeface="Gill Sans MT" panose="020B0502020104020203" pitchFamily="34" charset="77"/>
-            </a:endParaRPr>
-          </a:p>
-          <a:p>
-            <a:pPr marL="0" indent="0">
-              <a:buNone/>
-            </a:pPr>
-            <a:endParaRPr lang="en-US" dirty="0">
-              <a:latin typeface="Gill Sans MT" panose="020B0502020104020203" pitchFamily="34" charset="77"/>
-            </a:endParaRPr>
-          </a:p>
-          <a:p>
-            <a:pPr marL="0" indent="0">
-              <a:buNone/>
-            </a:pPr>
-            <a:endParaRPr lang="en-US" b="1" dirty="0">
-              <a:latin typeface="Gill Sans MT" panose="020B0502020104020203" pitchFamily="34" charset="77"/>
-            </a:endParaRPr>
-          </a:p>
-        </p:txBody>
-      </p:sp>
-    </p:spTree>
-    <p:extLst>
-      <p:ext uri="{BB962C8B-B14F-4D97-AF65-F5344CB8AC3E}">
-        <p14:creationId xmlns:p14="http://schemas.microsoft.com/office/powerpoint/2010/main" val="2207246265"/>
-      </p:ext>
-    </p:extLst>
-  </p:cSld>
-  <p:clrMapOvr>
-    <a:masterClrMapping/>
-  </p:clrMapOvr>
-</p:sld>
-</file>
-
-<file path=ppt/slides/slide20.xml><?xml version="1.0" encoding="utf-8"?>
+<file path=ppt/slides/slide17.xml><?xml version="1.0" encoding="utf-8"?>
 <p:sld xmlns:a="http://schemas.openxmlformats.org/drawingml/2006/main" xmlns:r="http://schemas.openxmlformats.org/officeDocument/2006/relationships" xmlns:p="http://schemas.openxmlformats.org/presentationml/2006/main">
   <p:cSld>
     <p:spTree>
@@ -11649,7 +9559,7 @@
 </p:sld>
 </file>
 
-<file path=ppt/slides/slide21.xml><?xml version="1.0" encoding="utf-8"?>
+<file path=ppt/slides/slide18.xml><?xml version="1.0" encoding="utf-8"?>
 <p:sld xmlns:a="http://schemas.openxmlformats.org/drawingml/2006/main" xmlns:r="http://schemas.openxmlformats.org/officeDocument/2006/relationships" xmlns:p="http://schemas.openxmlformats.org/presentationml/2006/main">
   <p:cSld>
     <p:spTree>
@@ -12007,7 +9917,7 @@
 </p:sld>
 </file>
 
-<file path=ppt/slides/slide22.xml><?xml version="1.0" encoding="utf-8"?>
+<file path=ppt/slides/slide19.xml><?xml version="1.0" encoding="utf-8"?>
 <p:sld xmlns:a="http://schemas.openxmlformats.org/drawingml/2006/main" xmlns:r="http://schemas.openxmlformats.org/officeDocument/2006/relationships" xmlns:p="http://schemas.openxmlformats.org/presentationml/2006/main">
   <p:cSld>
     <p:spTree>
@@ -12680,7 +10590,228 @@
 </p:sld>
 </file>
 
-<file path=ppt/slides/slide23.xml><?xml version="1.0" encoding="utf-8"?>
+<file path=ppt/slides/slide2.xml><?xml version="1.0" encoding="utf-8"?>
+<p:sld xmlns:a="http://schemas.openxmlformats.org/drawingml/2006/main" xmlns:r="http://schemas.openxmlformats.org/officeDocument/2006/relationships" xmlns:p="http://schemas.openxmlformats.org/presentationml/2006/main">
+  <p:cSld>
+    <p:spTree>
+      <p:nvGrpSpPr>
+        <p:cNvPr id="1" name=""/>
+        <p:cNvGrpSpPr/>
+        <p:nvPr/>
+      </p:nvGrpSpPr>
+      <p:grpSpPr>
+        <a:xfrm>
+          <a:off x="0" y="0"/>
+          <a:ext cx="0" cy="0"/>
+          <a:chOff x="0" y="0"/>
+          <a:chExt cx="0" cy="0"/>
+        </a:xfrm>
+      </p:grpSpPr>
+      <p:sp>
+        <p:nvSpPr>
+          <p:cNvPr id="2" name="Title 1">
+            <a:extLst>
+              <a:ext uri="{FF2B5EF4-FFF2-40B4-BE49-F238E27FC236}">
+                <a16:creationId xmlns:a16="http://schemas.microsoft.com/office/drawing/2014/main" id="{AA3A228F-61D0-D949-A5E7-F83756230BF8}"/>
+              </a:ext>
+            </a:extLst>
+          </p:cNvPr>
+          <p:cNvSpPr>
+            <a:spLocks noGrp="1"/>
+          </p:cNvSpPr>
+          <p:nvPr>
+            <p:ph type="title"/>
+          </p:nvPr>
+        </p:nvSpPr>
+        <p:spPr>
+          <a:xfrm>
+            <a:off x="483848" y="467027"/>
+            <a:ext cx="7053542" cy="683886"/>
+          </a:xfrm>
+        </p:spPr>
+        <p:txBody>
+          <a:bodyPr/>
+          <a:lstStyle/>
+          <a:p>
+            <a:r>
+              <a:rPr lang="en-US" dirty="0"/>
+              <a:t>Topics</a:t>
+            </a:r>
+          </a:p>
+        </p:txBody>
+      </p:sp>
+      <p:sp>
+        <p:nvSpPr>
+          <p:cNvPr id="9" name="Content Placeholder 8">
+            <a:extLst>
+              <a:ext uri="{FF2B5EF4-FFF2-40B4-BE49-F238E27FC236}">
+                <a16:creationId xmlns:a16="http://schemas.microsoft.com/office/drawing/2014/main" id="{E3B2E017-30B2-884B-A113-B419A2ED51AD}"/>
+              </a:ext>
+            </a:extLst>
+          </p:cNvPr>
+          <p:cNvSpPr>
+            <a:spLocks noGrp="1"/>
+          </p:cNvSpPr>
+          <p:nvPr>
+            <p:ph idx="1"/>
+          </p:nvPr>
+        </p:nvSpPr>
+        <p:spPr>
+          <a:xfrm>
+            <a:off x="483848" y="1019503"/>
+            <a:ext cx="8051725" cy="4571999"/>
+          </a:xfrm>
+        </p:spPr>
+        <p:txBody>
+          <a:bodyPr/>
+          <a:lstStyle/>
+          <a:p>
+            <a:pPr marL="0" indent="0">
+              <a:buNone/>
+            </a:pPr>
+            <a:endParaRPr lang="en-US" dirty="0">
+              <a:latin typeface="Gill Sans MT" panose="020B0502020104020203" pitchFamily="34" charset="77"/>
+            </a:endParaRPr>
+          </a:p>
+          <a:p>
+            <a:pPr marL="0" indent="0">
+              <a:buNone/>
+            </a:pPr>
+            <a:endParaRPr lang="en-US" dirty="0">
+              <a:latin typeface="Gill Sans MT" panose="020B0502020104020203" pitchFamily="34" charset="77"/>
+            </a:endParaRPr>
+          </a:p>
+          <a:p>
+            <a:pPr marL="457200" indent="-457200">
+              <a:buAutoNum type="arabicParenR"/>
+            </a:pPr>
+            <a:r>
+              <a:rPr lang="en-US" dirty="0">
+                <a:latin typeface="Gill Sans MT" panose="020B0502020104020203" pitchFamily="34" charset="77"/>
+              </a:rPr>
+              <a:t>Strings Concatenation</a:t>
+            </a:r>
+          </a:p>
+          <a:p>
+            <a:pPr marL="457200" indent="-457200">
+              <a:buAutoNum type="arabicParenR"/>
+            </a:pPr>
+            <a:r>
+              <a:rPr lang="en-US" dirty="0">
+                <a:latin typeface="Gill Sans MT" panose="020B0502020104020203" pitchFamily="34" charset="77"/>
+              </a:rPr>
+              <a:t>Indexing and Slicing</a:t>
+            </a:r>
+          </a:p>
+          <a:p>
+            <a:pPr marL="457200" indent="-457200">
+              <a:buAutoNum type="arabicParenR"/>
+            </a:pPr>
+            <a:r>
+              <a:rPr lang="en-US" dirty="0">
+                <a:latin typeface="Gill Sans MT" panose="020B0502020104020203" pitchFamily="34" charset="77"/>
+              </a:rPr>
+              <a:t>f-Strings</a:t>
+            </a:r>
+          </a:p>
+          <a:p>
+            <a:pPr marL="457200" indent="-457200">
+              <a:buAutoNum type="arabicParenR"/>
+            </a:pPr>
+            <a:r>
+              <a:rPr lang="en-US" dirty="0">
+                <a:latin typeface="Gill Sans MT" panose="020B0502020104020203" pitchFamily="34" charset="77"/>
+              </a:rPr>
+              <a:t>Escape Sequences</a:t>
+            </a:r>
+          </a:p>
+          <a:p>
+            <a:pPr marL="457200" indent="-457200">
+              <a:buAutoNum type="arabicParenR"/>
+            </a:pPr>
+            <a:r>
+              <a:rPr lang="en-US" dirty="0">
+                <a:latin typeface="Gill Sans MT" panose="020B0502020104020203" pitchFamily="34" charset="77"/>
+              </a:rPr>
+              <a:t>String Methods</a:t>
+            </a:r>
+          </a:p>
+          <a:p>
+            <a:pPr marL="457200" indent="-457200">
+              <a:buAutoNum type="arabicParenR"/>
+            </a:pPr>
+            <a:r>
+              <a:rPr lang="en-US" dirty="0">
+                <a:latin typeface="Gill Sans MT" panose="020B0502020104020203" pitchFamily="34" charset="77"/>
+              </a:rPr>
+              <a:t>For Loops vs Slicing</a:t>
+            </a:r>
+          </a:p>
+          <a:p>
+            <a:pPr marL="342900" lvl="1" indent="0">
+              <a:buNone/>
+            </a:pPr>
+            <a:endParaRPr lang="en-US" dirty="0">
+              <a:latin typeface="Gill Sans MT" panose="020B0502020104020203" pitchFamily="34" charset="77"/>
+            </a:endParaRPr>
+          </a:p>
+          <a:p>
+            <a:pPr marL="457200" indent="-457200">
+              <a:buFont typeface="+mj-lt"/>
+              <a:buAutoNum type="arabicParenR"/>
+            </a:pPr>
+            <a:endParaRPr lang="en-US" dirty="0">
+              <a:latin typeface="Gill Sans MT" panose="020B0502020104020203" pitchFamily="34" charset="77"/>
+            </a:endParaRPr>
+          </a:p>
+          <a:p>
+            <a:pPr marL="457200" indent="-457200">
+              <a:buAutoNum type="arabicParenR"/>
+            </a:pPr>
+            <a:endParaRPr lang="en-US" dirty="0">
+              <a:latin typeface="Gill Sans MT" panose="020B0502020104020203" pitchFamily="34" charset="77"/>
+            </a:endParaRPr>
+          </a:p>
+          <a:p>
+            <a:pPr marL="457200" indent="-457200">
+              <a:buAutoNum type="arabicParenR"/>
+            </a:pPr>
+            <a:endParaRPr lang="en-US" dirty="0">
+              <a:latin typeface="Gill Sans MT" panose="020B0502020104020203" pitchFamily="34" charset="77"/>
+            </a:endParaRPr>
+          </a:p>
+          <a:p>
+            <a:pPr marL="0" indent="0">
+              <a:buNone/>
+            </a:pPr>
+            <a:endParaRPr lang="en-US" dirty="0">
+              <a:latin typeface="Gill Sans MT" panose="020B0502020104020203" pitchFamily="34" charset="77"/>
+            </a:endParaRPr>
+          </a:p>
+          <a:p>
+            <a:pPr marL="0" indent="0">
+              <a:buNone/>
+            </a:pPr>
+            <a:endParaRPr lang="en-US" b="1" dirty="0">
+              <a:latin typeface="Gill Sans MT" panose="020B0502020104020203" pitchFamily="34" charset="77"/>
+            </a:endParaRPr>
+          </a:p>
+        </p:txBody>
+      </p:sp>
+    </p:spTree>
+    <p:extLst>
+      <p:ext uri="{BB962C8B-B14F-4D97-AF65-F5344CB8AC3E}">
+        <p14:creationId xmlns:p14="http://schemas.microsoft.com/office/powerpoint/2010/main" val="2207246265"/>
+      </p:ext>
+    </p:extLst>
+  </p:cSld>
+  <p:clrMapOvr>
+    <a:masterClrMapping/>
+  </p:clrMapOvr>
+</p:sld>
+</file>
+
+<file path=ppt/slides/slide20.xml><?xml version="1.0" encoding="utf-8"?>
 <p:sld xmlns:a="http://schemas.openxmlformats.org/drawingml/2006/main" xmlns:r="http://schemas.openxmlformats.org/officeDocument/2006/relationships" xmlns:p="http://schemas.openxmlformats.org/presentationml/2006/main">
   <p:cSld>
     <p:spTree>
@@ -13191,7 +11322,7 @@
 </p:sld>
 </file>
 
-<file path=ppt/slides/slide24.xml><?xml version="1.0" encoding="utf-8"?>
+<file path=ppt/slides/slide21.xml><?xml version="1.0" encoding="utf-8"?>
 <p:sld xmlns:a="http://schemas.openxmlformats.org/drawingml/2006/main" xmlns:r="http://schemas.openxmlformats.org/officeDocument/2006/relationships" xmlns:p="http://schemas.openxmlformats.org/presentationml/2006/main">
   <p:cSld>
     <p:spTree>
@@ -13814,7 +11945,7 @@
 </p:sld>
 </file>
 
-<file path=ppt/slides/slide25.xml><?xml version="1.0" encoding="utf-8"?>
+<file path=ppt/slides/slide22.xml><?xml version="1.0" encoding="utf-8"?>
 <p:sld xmlns:a="http://schemas.openxmlformats.org/drawingml/2006/main" xmlns:r="http://schemas.openxmlformats.org/officeDocument/2006/relationships" xmlns:p="http://schemas.openxmlformats.org/presentationml/2006/main">
   <p:cSld>
     <p:spTree>
@@ -14307,7 +12438,7 @@
 </p:sld>
 </file>
 
-<file path=ppt/slides/slide26.xml><?xml version="1.0" encoding="utf-8"?>
+<file path=ppt/slides/slide23.xml><?xml version="1.0" encoding="utf-8"?>
 <p:sld xmlns:a="http://schemas.openxmlformats.org/drawingml/2006/main" xmlns:r="http://schemas.openxmlformats.org/officeDocument/2006/relationships" xmlns:p="http://schemas.openxmlformats.org/presentationml/2006/main">
   <p:cSld>
     <p:spTree>
@@ -14788,7 +12919,7 @@
 </p:sld>
 </file>
 
-<file path=ppt/slides/slide27.xml><?xml version="1.0" encoding="utf-8"?>
+<file path=ppt/slides/slide24.xml><?xml version="1.0" encoding="utf-8"?>
 <p:sld xmlns:a="http://schemas.openxmlformats.org/drawingml/2006/main" xmlns:r="http://schemas.openxmlformats.org/officeDocument/2006/relationships" xmlns:p="http://schemas.openxmlformats.org/presentationml/2006/main">
   <p:cSld>
     <p:spTree>
@@ -15648,7 +13779,7 @@
 </p:sld>
 </file>
 
-<file path=ppt/slides/slide28.xml><?xml version="1.0" encoding="utf-8"?>
+<file path=ppt/slides/slide25.xml><?xml version="1.0" encoding="utf-8"?>
 <p:sld xmlns:a="http://schemas.openxmlformats.org/drawingml/2006/main" xmlns:r="http://schemas.openxmlformats.org/officeDocument/2006/relationships" xmlns:p="http://schemas.openxmlformats.org/presentationml/2006/main">
   <p:cSld>
     <p:spTree>
@@ -16249,7 +14380,7 @@
 </p:sld>
 </file>
 
-<file path=ppt/slides/slide29.xml><?xml version="1.0" encoding="utf-8"?>
+<file path=ppt/slides/slide26.xml><?xml version="1.0" encoding="utf-8"?>
 <p:sld xmlns:a="http://schemas.openxmlformats.org/drawingml/2006/main" xmlns:r="http://schemas.openxmlformats.org/officeDocument/2006/relationships" xmlns:p="http://schemas.openxmlformats.org/presentationml/2006/main">
   <p:cSld>
     <p:spTree>
@@ -16812,6 +14943,172 @@
 </p:sld>
 </file>
 
+<file path=ppt/slides/slide27.xml><?xml version="1.0" encoding="utf-8"?>
+<p:sld xmlns:a="http://schemas.openxmlformats.org/drawingml/2006/main" xmlns:r="http://schemas.openxmlformats.org/officeDocument/2006/relationships" xmlns:p="http://schemas.openxmlformats.org/presentationml/2006/main">
+  <p:cSld>
+    <p:spTree>
+      <p:nvGrpSpPr>
+        <p:cNvPr id="1" name=""/>
+        <p:cNvGrpSpPr/>
+        <p:nvPr/>
+      </p:nvGrpSpPr>
+      <p:grpSpPr>
+        <a:xfrm>
+          <a:off x="0" y="0"/>
+          <a:ext cx="0" cy="0"/>
+          <a:chOff x="0" y="0"/>
+          <a:chExt cx="0" cy="0"/>
+        </a:xfrm>
+      </p:grpSpPr>
+      <p:sp>
+        <p:nvSpPr>
+          <p:cNvPr id="2" name="Title 1">
+            <a:extLst>
+              <a:ext uri="{FF2B5EF4-FFF2-40B4-BE49-F238E27FC236}">
+                <a16:creationId xmlns:a16="http://schemas.microsoft.com/office/drawing/2014/main" id="{AA3A228F-61D0-D949-A5E7-F83756230BF8}"/>
+              </a:ext>
+            </a:extLst>
+          </p:cNvPr>
+          <p:cNvSpPr>
+            <a:spLocks noGrp="1"/>
+          </p:cNvSpPr>
+          <p:nvPr>
+            <p:ph type="title"/>
+          </p:nvPr>
+        </p:nvSpPr>
+        <p:spPr>
+          <a:xfrm>
+            <a:off x="483848" y="467027"/>
+            <a:ext cx="7053542" cy="683886"/>
+          </a:xfrm>
+        </p:spPr>
+        <p:txBody>
+          <a:bodyPr/>
+          <a:lstStyle/>
+          <a:p>
+            <a:r>
+              <a:rPr lang="en-US" dirty="0"/>
+              <a:t>References</a:t>
+            </a:r>
+          </a:p>
+        </p:txBody>
+      </p:sp>
+      <p:sp>
+        <p:nvSpPr>
+          <p:cNvPr id="9" name="Content Placeholder 8">
+            <a:extLst>
+              <a:ext uri="{FF2B5EF4-FFF2-40B4-BE49-F238E27FC236}">
+                <a16:creationId xmlns:a16="http://schemas.microsoft.com/office/drawing/2014/main" id="{E3B2E017-30B2-884B-A113-B419A2ED51AD}"/>
+              </a:ext>
+            </a:extLst>
+          </p:cNvPr>
+          <p:cNvSpPr>
+            <a:spLocks noGrp="1"/>
+          </p:cNvSpPr>
+          <p:nvPr>
+            <p:ph idx="1"/>
+          </p:nvPr>
+        </p:nvSpPr>
+        <p:spPr>
+          <a:xfrm>
+            <a:off x="483848" y="1150913"/>
+            <a:ext cx="8051725" cy="4440590"/>
+          </a:xfrm>
+        </p:spPr>
+        <p:txBody>
+          <a:bodyPr>
+            <a:noAutofit/>
+          </a:bodyPr>
+          <a:lstStyle/>
+          <a:p>
+            <a:pPr marL="0" indent="0">
+              <a:buNone/>
+            </a:pPr>
+            <a:endParaRPr lang="en-US" dirty="0"/>
+          </a:p>
+          <a:p>
+            <a:pPr marL="0" indent="0">
+              <a:buNone/>
+            </a:pPr>
+            <a:endParaRPr lang="en-US" dirty="0"/>
+          </a:p>
+          <a:p>
+            <a:pPr marL="0" indent="0">
+              <a:buNone/>
+            </a:pPr>
+            <a:endParaRPr lang="en-US" dirty="0"/>
+          </a:p>
+          <a:p>
+            <a:pPr marL="457200" indent="-457200">
+              <a:buAutoNum type="arabicParenR"/>
+            </a:pPr>
+            <a:r>
+              <a:rPr lang="en-US" dirty="0" err="1"/>
+              <a:t>Vanderplas</a:t>
+            </a:r>
+            <a:r>
+              <a:rPr lang="en-US" dirty="0"/>
+              <a:t>, Jake, A Whirlwind Tour of Python, </a:t>
+            </a:r>
+            <a:r>
+              <a:rPr lang="en-US" dirty="0" err="1"/>
+              <a:t>O’reilly</a:t>
+            </a:r>
+            <a:r>
+              <a:rPr lang="en-US" dirty="0"/>
+              <a:t> Media.</a:t>
+            </a:r>
+          </a:p>
+          <a:p>
+            <a:pPr marL="0" indent="0">
+              <a:buNone/>
+            </a:pPr>
+            <a:r>
+              <a:rPr lang="en-US" dirty="0"/>
+              <a:t>This book is completely free and can be downloaded online at </a:t>
+            </a:r>
+            <a:r>
+              <a:rPr lang="en-US" dirty="0" err="1"/>
+              <a:t>O’reilly’s</a:t>
+            </a:r>
+            <a:r>
+              <a:rPr lang="en-US" dirty="0"/>
+              <a:t> site. </a:t>
+            </a:r>
+          </a:p>
+          <a:p>
+            <a:pPr marL="457200" indent="-457200">
+              <a:buAutoNum type="arabicParenR"/>
+            </a:pPr>
+            <a:endParaRPr lang="en-US" dirty="0"/>
+          </a:p>
+          <a:p>
+            <a:pPr marL="0" indent="0">
+              <a:buNone/>
+            </a:pPr>
+            <a:endParaRPr lang="en-US" dirty="0"/>
+          </a:p>
+          <a:p>
+            <a:pPr marL="0" indent="0">
+              <a:buNone/>
+            </a:pPr>
+            <a:endParaRPr lang="en-US" dirty="0"/>
+          </a:p>
+        </p:txBody>
+      </p:sp>
+    </p:spTree>
+    <p:extLst>
+      <p:ext uri="{BB962C8B-B14F-4D97-AF65-F5344CB8AC3E}">
+        <p14:creationId xmlns:p14="http://schemas.microsoft.com/office/powerpoint/2010/main" val="2783383753"/>
+      </p:ext>
+    </p:extLst>
+  </p:cSld>
+  <p:clrMapOvr>
+    <a:masterClrMapping/>
+  </p:clrMapOvr>
+</p:sld>
+</file>
+
 <file path=ppt/slides/slide3.xml><?xml version="1.0" encoding="utf-8"?>
 <p:sld xmlns:a="http://schemas.openxmlformats.org/drawingml/2006/main" xmlns:r="http://schemas.openxmlformats.org/officeDocument/2006/relationships" xmlns:p="http://schemas.openxmlformats.org/presentationml/2006/main">
   <p:cSld>
@@ -16895,8 +15192,30 @@
             </a:pPr>
             <a:r>
               <a:rPr lang="en-US" dirty="0"/>
-              <a:t>Strings in Python are created with single , double quotes or triple quotes. </a:t>
-            </a:r>
+              <a:t>In Python, text is represented as a </a:t>
+            </a:r>
+            <a:r>
+              <a:rPr lang="en-US" b="1" dirty="0"/>
+              <a:t>string</a:t>
+            </a:r>
+            <a:r>
+              <a:rPr lang="en-US" dirty="0"/>
+              <a:t>, which is a sequence of </a:t>
+            </a:r>
+            <a:r>
+              <a:rPr lang="en-US" i="1" dirty="0"/>
+              <a:t>characters </a:t>
+            </a:r>
+            <a:r>
+              <a:rPr lang="en-US" dirty="0"/>
+              <a:t>(letters, digits, and symbols). Strings in Python are created with single , double quotes or triple quotes. </a:t>
+            </a:r>
+          </a:p>
+          <a:p>
+            <a:pPr marL="0" indent="0">
+              <a:buNone/>
+            </a:pPr>
+            <a:endParaRPr lang="en-US" dirty="0"/>
           </a:p>
           <a:p>
             <a:pPr marL="0" indent="0">
@@ -16909,37 +15228,71 @@
                 </a:solidFill>
                 <a:latin typeface="Inconsolata" panose="020B0609030003000000" pitchFamily="49" charset="77"/>
               </a:rPr>
-              <a:t>In </a:t>
+              <a:t>message </a:t>
             </a:r>
             <a:r>
               <a:rPr lang="en-US" b="1" dirty="0">
-                <a:latin typeface="Inconsolata" panose="020B0609030003000000" pitchFamily="49" charset="77"/>
-              </a:rPr>
-              <a:t>[</a:t>
+                <a:solidFill>
+                  <a:srgbClr val="545454"/>
+                </a:solidFill>
+                <a:latin typeface="Inconsolata" panose="020B0609030003000000" pitchFamily="49" charset="77"/>
+              </a:rPr>
+              <a:t>= </a:t>
             </a:r>
             <a:r>
               <a:rPr lang="en-US" b="1" dirty="0">
                 <a:solidFill>
-                  <a:srgbClr val="FF6600"/>
-                </a:solidFill>
-                <a:latin typeface="Inconsolata" panose="020B0609030003000000" pitchFamily="49" charset="77"/>
-              </a:rPr>
-              <a:t>1</a:t>
-            </a:r>
+                  <a:srgbClr val="CC3300"/>
+                </a:solidFill>
+                <a:latin typeface="Inconsolata" panose="020B0609030003000000" pitchFamily="49" charset="77"/>
+              </a:rPr>
+              <a:t>‘what do you like?’ </a:t>
+            </a:r>
+          </a:p>
+          <a:p>
+            <a:pPr marL="0" indent="0">
+              <a:buNone/>
+            </a:pPr>
             <a:r>
               <a:rPr lang="en-US" b="1" dirty="0">
-                <a:latin typeface="Inconsolata" panose="020B0609030003000000" pitchFamily="49" charset="77"/>
-              </a:rPr>
-              <a:t>]: </a:t>
+                <a:solidFill>
+                  <a:srgbClr val="000087"/>
+                </a:solidFill>
+                <a:latin typeface="Inconsolata" panose="020B0609030003000000" pitchFamily="49" charset="77"/>
+              </a:rPr>
+              <a:t>response </a:t>
             </a:r>
             <a:r>
               <a:rPr lang="en-US" b="1" dirty="0">
                 <a:solidFill>
+                  <a:srgbClr val="545454"/>
+                </a:solidFill>
+                <a:latin typeface="Inconsolata" panose="020B0609030003000000" pitchFamily="49" charset="77"/>
+              </a:rPr>
+              <a:t>= </a:t>
+            </a:r>
+            <a:r>
+              <a:rPr lang="en-US" b="1" dirty="0">
+                <a:solidFill>
+                  <a:srgbClr val="CC3300"/>
+                </a:solidFill>
+                <a:latin typeface="Inconsolata" panose="020B0609030003000000" pitchFamily="49" charset="77"/>
+              </a:rPr>
+              <a:t>"spam" </a:t>
+            </a:r>
+          </a:p>
+          <a:p>
+            <a:pPr marL="0" indent="0">
+              <a:buNone/>
+            </a:pPr>
+            <a:r>
+              <a:rPr lang="en-US" b="1" dirty="0">
+                <a:solidFill>
                   <a:srgbClr val="000087"/>
                 </a:solidFill>
                 <a:latin typeface="Inconsolata" panose="020B0609030003000000" pitchFamily="49" charset="77"/>
               </a:rPr>
-              <a:t>message </a:t>
+              <a:t>response2 </a:t>
             </a:r>
             <a:r>
               <a:rPr lang="en-US" b="1" dirty="0">
@@ -16957,88 +15310,6 @@
                 </a:solidFill>
                 <a:latin typeface="Inconsolata" panose="020B0609030003000000" pitchFamily="49" charset="77"/>
               </a:rPr>
-              <a:t>‘what do you like?’ </a:t>
-            </a:r>
-          </a:p>
-          <a:p>
-            <a:pPr marL="0" indent="0">
-              <a:buNone/>
-            </a:pPr>
-            <a:r>
-              <a:rPr lang="en-US" b="1" dirty="0">
-                <a:solidFill>
-                  <a:srgbClr val="CC3300"/>
-                </a:solidFill>
-                <a:latin typeface="Inconsolata" panose="020B0609030003000000" pitchFamily="49" charset="77"/>
-              </a:rPr>
-              <a:t>	   </a:t>
-            </a:r>
-            <a:r>
-              <a:rPr lang="en-US" b="1" dirty="0">
-                <a:solidFill>
-                  <a:srgbClr val="000087"/>
-                </a:solidFill>
-                <a:latin typeface="Inconsolata" panose="020B0609030003000000" pitchFamily="49" charset="77"/>
-              </a:rPr>
-              <a:t>response </a:t>
-            </a:r>
-            <a:r>
-              <a:rPr lang="en-US" b="1" dirty="0">
-                <a:solidFill>
-                  <a:srgbClr val="545454"/>
-                </a:solidFill>
-                <a:latin typeface="Inconsolata" panose="020B0609030003000000" pitchFamily="49" charset="77"/>
-              </a:rPr>
-              <a:t>= </a:t>
-            </a:r>
-            <a:r>
-              <a:rPr lang="en-US" b="1" dirty="0">
-                <a:solidFill>
-                  <a:srgbClr val="CC3300"/>
-                </a:solidFill>
-                <a:latin typeface="Inconsolata" panose="020B0609030003000000" pitchFamily="49" charset="77"/>
-              </a:rPr>
-              <a:t>"spam" </a:t>
-            </a:r>
-          </a:p>
-          <a:p>
-            <a:pPr marL="0" indent="0">
-              <a:buNone/>
-            </a:pPr>
-            <a:r>
-              <a:rPr lang="en-US" b="1" dirty="0">
-                <a:solidFill>
-                  <a:srgbClr val="CC3300"/>
-                </a:solidFill>
-                <a:latin typeface="Inconsolata" panose="020B0609030003000000" pitchFamily="49" charset="77"/>
-              </a:rPr>
-              <a:t>	   </a:t>
-            </a:r>
-            <a:r>
-              <a:rPr lang="en-US" b="1" dirty="0">
-                <a:solidFill>
-                  <a:srgbClr val="000087"/>
-                </a:solidFill>
-                <a:latin typeface="Inconsolata" panose="020B0609030003000000" pitchFamily="49" charset="77"/>
-              </a:rPr>
-              <a:t>response2 </a:t>
-            </a:r>
-            <a:r>
-              <a:rPr lang="en-US" b="1" dirty="0">
-                <a:solidFill>
-                  <a:srgbClr val="545454"/>
-                </a:solidFill>
-                <a:latin typeface="Inconsolata" panose="020B0609030003000000" pitchFamily="49" charset="77"/>
-              </a:rPr>
-              <a:t>= </a:t>
-            </a:r>
-            <a:r>
-              <a:rPr lang="en-US" b="1" dirty="0">
-                <a:solidFill>
-                  <a:srgbClr val="CC3300"/>
-                </a:solidFill>
-                <a:latin typeface="Inconsolata" panose="020B0609030003000000" pitchFamily="49" charset="77"/>
-              </a:rPr>
               <a:t>'''ham''' </a:t>
             </a:r>
           </a:p>
@@ -17046,15 +15317,6 @@
             <a:pPr marL="0" indent="0">
               <a:buNone/>
             </a:pPr>
-            <a:r>
-              <a:rPr lang="en-US" b="1" dirty="0">
-                <a:solidFill>
-                  <a:srgbClr val="CC3300"/>
-                </a:solidFill>
-                <a:latin typeface="Inconsolata" panose="020B0609030003000000" pitchFamily="49" charset="77"/>
-              </a:rPr>
-              <a:t>	   </a:t>
-            </a:r>
             <a:r>
               <a:rPr lang="en-US" b="1" dirty="0">
                 <a:solidFill>
@@ -17142,69 +15404,46 @@
                 </a:solidFill>
                 <a:latin typeface="Inconsolata" panose="020B0609030003000000" pitchFamily="49" charset="77"/>
               </a:rPr>
-              <a:t>In </a:t>
+              <a:t>print(</a:t>
+            </a:r>
+            <a:r>
+              <a:rPr lang="en-US" b="1" dirty="0" err="1">
+                <a:solidFill>
+                  <a:srgbClr val="336666"/>
+                </a:solidFill>
+                <a:latin typeface="Inconsolata" panose="020B0609030003000000" pitchFamily="49" charset="77"/>
+              </a:rPr>
+              <a:t>len</a:t>
             </a:r>
             <a:r>
               <a:rPr lang="en-US" b="1" dirty="0">
                 <a:latin typeface="Inconsolata" panose="020B0609030003000000" pitchFamily="49" charset="77"/>
               </a:rPr>
-              <a:t>[</a:t>
+              <a:t>(</a:t>
             </a:r>
             <a:r>
               <a:rPr lang="en-US" b="1" dirty="0">
                 <a:solidFill>
-                  <a:srgbClr val="FF6600"/>
-                </a:solidFill>
-                <a:latin typeface="Inconsolata" panose="020B0609030003000000" pitchFamily="49" charset="77"/>
-              </a:rPr>
-              <a:t>2</a:t>
+                  <a:srgbClr val="000087"/>
+                </a:solidFill>
+                <a:latin typeface="Inconsolata" panose="020B0609030003000000" pitchFamily="49" charset="77"/>
+              </a:rPr>
+              <a:t>response</a:t>
             </a:r>
             <a:r>
               <a:rPr lang="en-US" b="1" dirty="0">
                 <a:latin typeface="Inconsolata" panose="020B0609030003000000" pitchFamily="49" charset="77"/>
               </a:rPr>
-              <a:t>]: </a:t>
-            </a:r>
-            <a:r>
-              <a:rPr lang="en-US" b="1" dirty="0" err="1">
-                <a:solidFill>
-                  <a:srgbClr val="336666"/>
-                </a:solidFill>
-                <a:latin typeface="Inconsolata" panose="020B0609030003000000" pitchFamily="49" charset="77"/>
-              </a:rPr>
-              <a:t>len</a:t>
+              <a:t>))	</a:t>
             </a:r>
             <a:r>
               <a:rPr lang="en-US" b="1" dirty="0">
-                <a:latin typeface="Inconsolata" panose="020B0609030003000000" pitchFamily="49" charset="77"/>
-              </a:rPr>
-              <a:t>(</a:t>
-            </a:r>
-            <a:r>
-              <a:rPr lang="en-US" b="1" dirty="0">
-                <a:solidFill>
-                  <a:srgbClr val="000087"/>
-                </a:solidFill>
-                <a:latin typeface="Inconsolata" panose="020B0609030003000000" pitchFamily="49" charset="77"/>
-              </a:rPr>
-              <a:t>response</a:t>
-            </a:r>
-            <a:r>
-              <a:rPr lang="en-US" b="1" dirty="0">
-                <a:latin typeface="Inconsolata" panose="020B0609030003000000" pitchFamily="49" charset="77"/>
-              </a:rPr>
-              <a:t>) </a:t>
-            </a:r>
-          </a:p>
-          <a:p>
-            <a:pPr marL="0" indent="0">
-              <a:buNone/>
-            </a:pPr>
-            <a:r>
-              <a:rPr lang="en-US" b="1" dirty="0">
-                <a:latin typeface="Inconsolata" panose="020B0609030003000000" pitchFamily="49" charset="77"/>
-              </a:rPr>
-              <a:t>Out [2]: 4 </a:t>
+                <a:solidFill>
+                  <a:schemeClr val="accent1"/>
+                </a:solidFill>
+                <a:latin typeface="Inconsolata" panose="020B0609030003000000" pitchFamily="49" charset="77"/>
+              </a:rPr>
+              <a:t># 4 </a:t>
             </a:r>
           </a:p>
           <a:p>
@@ -17301,7 +15540,7 @@
                                         <p:tgtEl>
                                           <p:spTgt spid="9">
                                             <p:txEl>
-                                              <p:pRg st="6" end="6"/>
+                                              <p:pRg st="7" end="7"/>
                                             </p:txEl>
                                           </p:spTgt>
                                         </p:tgtEl>
@@ -17325,37 +15564,6 @@
                                     <p:set>
                                       <p:cBhvr>
                                         <p:cTn id="8" dur="1" fill="hold">
-                                          <p:stCondLst>
-                                            <p:cond delay="0"/>
-                                          </p:stCondLst>
-                                        </p:cTn>
-                                        <p:tgtEl>
-                                          <p:spTgt spid="9">
-                                            <p:txEl>
-                                              <p:pRg st="8" end="8"/>
-                                            </p:txEl>
-                                          </p:spTgt>
-                                        </p:tgtEl>
-                                        <p:attrNameLst>
-                                          <p:attrName>style.visibility</p:attrName>
-                                        </p:attrNameLst>
-                                      </p:cBhvr>
-                                      <p:to>
-                                        <p:strVal val="visible"/>
-                                      </p:to>
-                                    </p:set>
-                                  </p:childTnLst>
-                                </p:cTn>
-                              </p:par>
-                              <p:par>
-                                <p:cTn id="9" presetID="1" presetClass="entr" presetSubtype="0" fill="hold" nodeType="withEffect">
-                                  <p:stCondLst>
-                                    <p:cond delay="0"/>
-                                  </p:stCondLst>
-                                  <p:childTnLst>
-                                    <p:set>
-                                      <p:cBhvr>
-                                        <p:cTn id="10" dur="1" fill="hold">
                                           <p:stCondLst>
                                             <p:cond delay="0"/>
                                           </p:stCondLst>
@@ -17409,172 +15617,6 @@
 </p:sld>
 </file>
 
-<file path=ppt/slides/slide30.xml><?xml version="1.0" encoding="utf-8"?>
-<p:sld xmlns:a="http://schemas.openxmlformats.org/drawingml/2006/main" xmlns:r="http://schemas.openxmlformats.org/officeDocument/2006/relationships" xmlns:p="http://schemas.openxmlformats.org/presentationml/2006/main">
-  <p:cSld>
-    <p:spTree>
-      <p:nvGrpSpPr>
-        <p:cNvPr id="1" name=""/>
-        <p:cNvGrpSpPr/>
-        <p:nvPr/>
-      </p:nvGrpSpPr>
-      <p:grpSpPr>
-        <a:xfrm>
-          <a:off x="0" y="0"/>
-          <a:ext cx="0" cy="0"/>
-          <a:chOff x="0" y="0"/>
-          <a:chExt cx="0" cy="0"/>
-        </a:xfrm>
-      </p:grpSpPr>
-      <p:sp>
-        <p:nvSpPr>
-          <p:cNvPr id="2" name="Title 1">
-            <a:extLst>
-              <a:ext uri="{FF2B5EF4-FFF2-40B4-BE49-F238E27FC236}">
-                <a16:creationId xmlns:a16="http://schemas.microsoft.com/office/drawing/2014/main" id="{AA3A228F-61D0-D949-A5E7-F83756230BF8}"/>
-              </a:ext>
-            </a:extLst>
-          </p:cNvPr>
-          <p:cNvSpPr>
-            <a:spLocks noGrp="1"/>
-          </p:cNvSpPr>
-          <p:nvPr>
-            <p:ph type="title"/>
-          </p:nvPr>
-        </p:nvSpPr>
-        <p:spPr>
-          <a:xfrm>
-            <a:off x="483848" y="467027"/>
-            <a:ext cx="7053542" cy="683886"/>
-          </a:xfrm>
-        </p:spPr>
-        <p:txBody>
-          <a:bodyPr/>
-          <a:lstStyle/>
-          <a:p>
-            <a:r>
-              <a:rPr lang="en-US" dirty="0"/>
-              <a:t>References</a:t>
-            </a:r>
-          </a:p>
-        </p:txBody>
-      </p:sp>
-      <p:sp>
-        <p:nvSpPr>
-          <p:cNvPr id="9" name="Content Placeholder 8">
-            <a:extLst>
-              <a:ext uri="{FF2B5EF4-FFF2-40B4-BE49-F238E27FC236}">
-                <a16:creationId xmlns:a16="http://schemas.microsoft.com/office/drawing/2014/main" id="{E3B2E017-30B2-884B-A113-B419A2ED51AD}"/>
-              </a:ext>
-            </a:extLst>
-          </p:cNvPr>
-          <p:cNvSpPr>
-            <a:spLocks noGrp="1"/>
-          </p:cNvSpPr>
-          <p:nvPr>
-            <p:ph idx="1"/>
-          </p:nvPr>
-        </p:nvSpPr>
-        <p:spPr>
-          <a:xfrm>
-            <a:off x="483848" y="1150913"/>
-            <a:ext cx="8051725" cy="4440590"/>
-          </a:xfrm>
-        </p:spPr>
-        <p:txBody>
-          <a:bodyPr>
-            <a:noAutofit/>
-          </a:bodyPr>
-          <a:lstStyle/>
-          <a:p>
-            <a:pPr marL="0" indent="0">
-              <a:buNone/>
-            </a:pPr>
-            <a:endParaRPr lang="en-US" dirty="0"/>
-          </a:p>
-          <a:p>
-            <a:pPr marL="0" indent="0">
-              <a:buNone/>
-            </a:pPr>
-            <a:endParaRPr lang="en-US" dirty="0"/>
-          </a:p>
-          <a:p>
-            <a:pPr marL="0" indent="0">
-              <a:buNone/>
-            </a:pPr>
-            <a:endParaRPr lang="en-US" dirty="0"/>
-          </a:p>
-          <a:p>
-            <a:pPr marL="457200" indent="-457200">
-              <a:buAutoNum type="arabicParenR"/>
-            </a:pPr>
-            <a:r>
-              <a:rPr lang="en-US" dirty="0" err="1"/>
-              <a:t>Vanderplas</a:t>
-            </a:r>
-            <a:r>
-              <a:rPr lang="en-US" dirty="0"/>
-              <a:t>, Jake, A Whirlwind Tour of Python, </a:t>
-            </a:r>
-            <a:r>
-              <a:rPr lang="en-US" dirty="0" err="1"/>
-              <a:t>O’reilly</a:t>
-            </a:r>
-            <a:r>
-              <a:rPr lang="en-US" dirty="0"/>
-              <a:t> Media.</a:t>
-            </a:r>
-          </a:p>
-          <a:p>
-            <a:pPr marL="0" indent="0">
-              <a:buNone/>
-            </a:pPr>
-            <a:r>
-              <a:rPr lang="en-US" dirty="0"/>
-              <a:t>This book is completely free and can be downloaded online at </a:t>
-            </a:r>
-            <a:r>
-              <a:rPr lang="en-US" dirty="0" err="1"/>
-              <a:t>O’reilly’s</a:t>
-            </a:r>
-            <a:r>
-              <a:rPr lang="en-US" dirty="0"/>
-              <a:t> site. </a:t>
-            </a:r>
-          </a:p>
-          <a:p>
-            <a:pPr marL="457200" indent="-457200">
-              <a:buAutoNum type="arabicParenR"/>
-            </a:pPr>
-            <a:endParaRPr lang="en-US" dirty="0"/>
-          </a:p>
-          <a:p>
-            <a:pPr marL="0" indent="0">
-              <a:buNone/>
-            </a:pPr>
-            <a:endParaRPr lang="en-US" dirty="0"/>
-          </a:p>
-          <a:p>
-            <a:pPr marL="0" indent="0">
-              <a:buNone/>
-            </a:pPr>
-            <a:endParaRPr lang="en-US" dirty="0"/>
-          </a:p>
-        </p:txBody>
-      </p:sp>
-    </p:spTree>
-    <p:extLst>
-      <p:ext uri="{BB962C8B-B14F-4D97-AF65-F5344CB8AC3E}">
-        <p14:creationId xmlns:p14="http://schemas.microsoft.com/office/powerpoint/2010/main" val="2783383753"/>
-      </p:ext>
-    </p:extLst>
-  </p:cSld>
-  <p:clrMapOvr>
-    <a:masterClrMapping/>
-  </p:clrMapOvr>
-</p:sld>
-</file>
-
 <file path=ppt/slides/slide4.xml><?xml version="1.0" encoding="utf-8"?>
 <p:sld xmlns:a="http://schemas.openxmlformats.org/drawingml/2006/main" xmlns:r="http://schemas.openxmlformats.org/officeDocument/2006/relationships" xmlns:p="http://schemas.openxmlformats.org/presentationml/2006/main">
   <p:cSld>
@@ -17610,7 +15652,7 @@
         </p:nvSpPr>
         <p:spPr>
           <a:xfrm>
-            <a:off x="483848" y="467027"/>
+            <a:off x="175623" y="123497"/>
             <a:ext cx="7053542" cy="683886"/>
           </a:xfrm>
         </p:spPr>
@@ -17643,8 +15685,8 @@
         </p:nvSpPr>
         <p:spPr>
           <a:xfrm>
-            <a:off x="483848" y="1150913"/>
-            <a:ext cx="8051725" cy="4440590"/>
+            <a:off x="175623" y="807383"/>
+            <a:ext cx="8792753" cy="4784120"/>
           </a:xfrm>
         </p:spPr>
         <p:txBody>
@@ -17657,50 +15699,95 @@
               <a:buNone/>
             </a:pPr>
             <a:r>
+              <a:rPr lang="en-US" b="1" i="1" dirty="0">
+                <a:solidFill>
+                  <a:srgbClr val="33566B"/>
+                </a:solidFill>
+                <a:latin typeface="Inconsolata" panose="020B0609030003000000" pitchFamily="49" charset="77"/>
+              </a:rPr>
+              <a:t># concatenation with + </a:t>
+            </a:r>
+          </a:p>
+          <a:p>
+            <a:pPr marL="0" indent="0">
+              <a:buNone/>
+            </a:pPr>
+            <a:endParaRPr lang="en-US" b="1" dirty="0">
+              <a:solidFill>
+                <a:srgbClr val="000087"/>
+              </a:solidFill>
+              <a:latin typeface="Inconsolata" panose="020B0609030003000000" pitchFamily="49" charset="77"/>
+            </a:endParaRPr>
+          </a:p>
+          <a:p>
+            <a:pPr marL="0" indent="0">
+              <a:buNone/>
+            </a:pPr>
+            <a:r>
               <a:rPr lang="en-US" b="1" dirty="0">
                 <a:solidFill>
                   <a:srgbClr val="000087"/>
                 </a:solidFill>
                 <a:latin typeface="Inconsolata" panose="020B0609030003000000" pitchFamily="49" charset="77"/>
               </a:rPr>
-              <a:t>In </a:t>
+              <a:t>message </a:t>
             </a:r>
             <a:r>
               <a:rPr lang="en-US" b="1" dirty="0">
                 <a:solidFill>
-                  <a:prstClr val="black"/>
-                </a:solidFill>
-                <a:latin typeface="Inconsolata" panose="020B0609030003000000" pitchFamily="49" charset="77"/>
-              </a:rPr>
-              <a:t>[</a:t>
+                  <a:srgbClr val="545454"/>
+                </a:solidFill>
+                <a:latin typeface="Inconsolata" panose="020B0609030003000000" pitchFamily="49" charset="77"/>
+              </a:rPr>
+              <a:t>= </a:t>
             </a:r>
             <a:r>
               <a:rPr lang="en-US" b="1" dirty="0">
                 <a:solidFill>
-                  <a:srgbClr val="FF6600"/>
-                </a:solidFill>
-                <a:latin typeface="Inconsolata" panose="020B0609030003000000" pitchFamily="49" charset="77"/>
-              </a:rPr>
-              <a:t>1</a:t>
-            </a:r>
+                  <a:srgbClr val="CC3300"/>
+                </a:solidFill>
+                <a:latin typeface="Inconsolata" panose="020B0609030003000000" pitchFamily="49" charset="77"/>
+              </a:rPr>
+              <a:t>‘what do you like?’ </a:t>
+            </a:r>
+          </a:p>
+          <a:p>
+            <a:pPr marL="0" indent="0">
+              <a:buNone/>
+            </a:pPr>
             <a:r>
               <a:rPr lang="en-US" b="1" dirty="0">
                 <a:solidFill>
-                  <a:prstClr val="black"/>
-                </a:solidFill>
-                <a:latin typeface="Inconsolata" panose="020B0609030003000000" pitchFamily="49" charset="77"/>
-              </a:rPr>
-              <a:t>]: </a:t>
-            </a:r>
-            <a:r>
-              <a:rPr lang="en-US" b="1" i="1" dirty="0">
-                <a:solidFill>
-                  <a:srgbClr val="33566B"/>
-                </a:solidFill>
-                <a:latin typeface="Inconsolata" panose="020B0609030003000000" pitchFamily="49" charset="77"/>
-              </a:rPr>
-              <a:t># concatenation with + </a:t>
-            </a:r>
+                  <a:srgbClr val="000087"/>
+                </a:solidFill>
+                <a:latin typeface="Inconsolata" panose="020B0609030003000000" pitchFamily="49" charset="77"/>
+              </a:rPr>
+              <a:t>response </a:t>
+            </a:r>
+            <a:r>
+              <a:rPr lang="en-US" b="1" dirty="0">
+                <a:solidFill>
+                  <a:srgbClr val="545454"/>
+                </a:solidFill>
+                <a:latin typeface="Inconsolata" panose="020B0609030003000000" pitchFamily="49" charset="77"/>
+              </a:rPr>
+              <a:t>= </a:t>
+            </a:r>
+            <a:r>
+              <a:rPr lang="en-US" b="1" dirty="0">
+                <a:solidFill>
+                  <a:srgbClr val="CC3300"/>
+                </a:solidFill>
+                <a:latin typeface="Inconsolata" panose="020B0609030003000000" pitchFamily="49" charset="77"/>
+              </a:rPr>
+              <a:t>"spam" </a:t>
+            </a:r>
+            <a:endParaRPr lang="en-US" b="1" dirty="0">
+              <a:solidFill>
+                <a:srgbClr val="000087"/>
+              </a:solidFill>
+              <a:latin typeface="Inconsolata" panose="020B0609030003000000" pitchFamily="49" charset="77"/>
+            </a:endParaRPr>
           </a:p>
           <a:p>
             <a:pPr marL="0" lvl="0" indent="0">
@@ -17713,7 +15800,7 @@
                 </a:solidFill>
                 <a:latin typeface="Inconsolata" panose="020B0609030003000000" pitchFamily="49" charset="77"/>
               </a:rPr>
-              <a:t>	    message </a:t>
+              <a:t>message2 = message </a:t>
             </a:r>
             <a:r>
               <a:rPr lang="en-US" b="1" dirty="0">
@@ -17751,26 +15838,32 @@
                 </a:solidFill>
                 <a:latin typeface="Inconsolata" panose="020B0609030003000000" pitchFamily="49" charset="77"/>
               </a:rPr>
-              <a:t>Out [1]: ‘what do you </a:t>
+              <a:t>print(message2)		</a:t>
+            </a:r>
+            <a:r>
+              <a:rPr lang="en-US" b="1" dirty="0">
+                <a:solidFill>
+                  <a:schemeClr val="accent1"/>
+                </a:solidFill>
+                <a:latin typeface="Inconsolata" panose="020B0609030003000000" pitchFamily="49" charset="77"/>
+              </a:rPr>
+              <a:t># what do you </a:t>
             </a:r>
             <a:r>
               <a:rPr lang="en-US" b="1" dirty="0" err="1">
                 <a:solidFill>
-                  <a:prstClr val="black"/>
+                  <a:schemeClr val="accent1"/>
                 </a:solidFill>
                 <a:latin typeface="Inconsolata" panose="020B0609030003000000" pitchFamily="49" charset="77"/>
               </a:rPr>
               <a:t>like?spam</a:t>
             </a:r>
-            <a:r>
-              <a:rPr lang="en-US" b="1" dirty="0">
-                <a:solidFill>
-                  <a:prstClr val="black"/>
-                </a:solidFill>
-                <a:latin typeface="Inconsolata" panose="020B0609030003000000" pitchFamily="49" charset="77"/>
-              </a:rPr>
-              <a:t>’ </a:t>
-            </a:r>
+            <a:endParaRPr lang="en-US" b="1" dirty="0">
+              <a:solidFill>
+                <a:schemeClr val="accent1"/>
+              </a:solidFill>
+              <a:latin typeface="Inconsolata" panose="020B0609030003000000" pitchFamily="49" charset="77"/>
+            </a:endParaRPr>
           </a:p>
           <a:p>
             <a:pPr marL="0" lvl="0" indent="0">
@@ -17781,145 +15874,6 @@
                 <a:srgbClr val="000087"/>
               </a:solidFill>
               <a:latin typeface="Inconsolata" panose="020B0609030003000000" pitchFamily="49" charset="77"/>
-            </a:endParaRPr>
-          </a:p>
-          <a:p>
-            <a:pPr marL="0" lvl="0" indent="0">
-              <a:buNone/>
-            </a:pPr>
-            <a:r>
-              <a:rPr lang="en-US" b="1" dirty="0">
-                <a:solidFill>
-                  <a:srgbClr val="000087"/>
-                </a:solidFill>
-                <a:latin typeface="Inconsolata" panose="020B0609030003000000" pitchFamily="49" charset="77"/>
-              </a:rPr>
-              <a:t>In </a:t>
-            </a:r>
-            <a:r>
-              <a:rPr lang="en-US" b="1" dirty="0">
-                <a:solidFill>
-                  <a:prstClr val="black"/>
-                </a:solidFill>
-                <a:latin typeface="Inconsolata" panose="020B0609030003000000" pitchFamily="49" charset="77"/>
-              </a:rPr>
-              <a:t>[</a:t>
-            </a:r>
-            <a:r>
-              <a:rPr lang="en-US" b="1" dirty="0">
-                <a:solidFill>
-                  <a:srgbClr val="FF6600"/>
-                </a:solidFill>
-                <a:latin typeface="Inconsolata" panose="020B0609030003000000" pitchFamily="49" charset="77"/>
-              </a:rPr>
-              <a:t>2</a:t>
-            </a:r>
-            <a:r>
-              <a:rPr lang="en-US" b="1" dirty="0">
-                <a:solidFill>
-                  <a:prstClr val="black"/>
-                </a:solidFill>
-                <a:latin typeface="Inconsolata" panose="020B0609030003000000" pitchFamily="49" charset="77"/>
-              </a:rPr>
-              <a:t>]: </a:t>
-            </a:r>
-            <a:r>
-              <a:rPr lang="en-US" b="1" i="1" dirty="0">
-                <a:solidFill>
-                  <a:srgbClr val="33566B"/>
-                </a:solidFill>
-                <a:latin typeface="Inconsolata" panose="020B0609030003000000" pitchFamily="49" charset="77"/>
-              </a:rPr>
-              <a:t># multiplication is multiple concatenation </a:t>
-            </a:r>
-          </a:p>
-          <a:p>
-            <a:pPr marL="0" lvl="0" indent="0">
-              <a:buNone/>
-            </a:pPr>
-            <a:r>
-              <a:rPr lang="en-US" b="1" i="1" dirty="0">
-                <a:solidFill>
-                  <a:srgbClr val="33566B"/>
-                </a:solidFill>
-                <a:latin typeface="Inconsolata" panose="020B0609030003000000" pitchFamily="49" charset="77"/>
-              </a:rPr>
-              <a:t>	    </a:t>
-            </a:r>
-            <a:r>
-              <a:rPr lang="en-US" b="1" dirty="0">
-                <a:solidFill>
-                  <a:srgbClr val="FF6600"/>
-                </a:solidFill>
-                <a:latin typeface="Inconsolata" panose="020B0609030003000000" pitchFamily="49" charset="77"/>
-              </a:rPr>
-              <a:t>5 </a:t>
-            </a:r>
-            <a:r>
-              <a:rPr lang="en-US" b="1" dirty="0">
-                <a:solidFill>
-                  <a:srgbClr val="545454"/>
-                </a:solidFill>
-                <a:latin typeface="Inconsolata" panose="020B0609030003000000" pitchFamily="49" charset="77"/>
-              </a:rPr>
-              <a:t>* </a:t>
-            </a:r>
-            <a:r>
-              <a:rPr lang="en-US" b="1" dirty="0">
-                <a:solidFill>
-                  <a:srgbClr val="000087"/>
-                </a:solidFill>
-                <a:latin typeface="Inconsolata" panose="020B0609030003000000" pitchFamily="49" charset="77"/>
-              </a:rPr>
-              <a:t>response </a:t>
-            </a:r>
-            <a:endParaRPr lang="en-US" b="1" dirty="0">
-              <a:solidFill>
-                <a:prstClr val="black"/>
-              </a:solidFill>
-              <a:latin typeface="Inconsolata" panose="020B0609030003000000" pitchFamily="49" charset="77"/>
-            </a:endParaRPr>
-          </a:p>
-          <a:p>
-            <a:pPr marL="0" lvl="0" indent="0">
-              <a:buNone/>
-            </a:pPr>
-            <a:r>
-              <a:rPr lang="en-US" b="1" dirty="0">
-                <a:solidFill>
-                  <a:prstClr val="black"/>
-                </a:solidFill>
-                <a:latin typeface="Inconsolata" panose="020B0609030003000000" pitchFamily="49" charset="77"/>
-              </a:rPr>
-              <a:t>Out [2]: ‘</a:t>
-            </a:r>
-            <a:r>
-              <a:rPr lang="en-US" b="1" dirty="0" err="1">
-                <a:solidFill>
-                  <a:prstClr val="black"/>
-                </a:solidFill>
-                <a:latin typeface="Inconsolata" panose="020B0609030003000000" pitchFamily="49" charset="77"/>
-              </a:rPr>
-              <a:t>spamspamspamspamspam</a:t>
-            </a:r>
-            <a:r>
-              <a:rPr lang="en-US" b="1" dirty="0">
-                <a:solidFill>
-                  <a:prstClr val="black"/>
-                </a:solidFill>
-                <a:latin typeface="Inconsolata" panose="020B0609030003000000" pitchFamily="49" charset="77"/>
-              </a:rPr>
-              <a:t>' </a:t>
-            </a:r>
-          </a:p>
-          <a:p>
-            <a:pPr marL="0" indent="0">
-              <a:buNone/>
-            </a:pPr>
-            <a:endParaRPr lang="en-US" dirty="0">
-              <a:solidFill>
-                <a:prstClr val="black"/>
-              </a:solidFill>
             </a:endParaRPr>
           </a:p>
         </p:txBody>
@@ -17934,147 +15888,6 @@
   <p:clrMapOvr>
     <a:masterClrMapping/>
   </p:clrMapOvr>
-  <p:timing>
-    <p:tnLst>
-      <p:par>
-        <p:cTn id="1" dur="indefinite" restart="never" nodeType="tmRoot">
-          <p:childTnLst>
-            <p:seq concurrent="1" nextAc="seek">
-              <p:cTn id="2" dur="indefinite" nodeType="mainSeq">
-                <p:childTnLst>
-                  <p:par>
-                    <p:cTn id="3" fill="hold">
-                      <p:stCondLst>
-                        <p:cond delay="indefinite"/>
-                      </p:stCondLst>
-                      <p:childTnLst>
-                        <p:par>
-                          <p:cTn id="4" fill="hold">
-                            <p:stCondLst>
-                              <p:cond delay="0"/>
-                            </p:stCondLst>
-                            <p:childTnLst>
-                              <p:par>
-                                <p:cTn id="5" presetID="1" presetClass="entr" presetSubtype="0" fill="hold" nodeType="clickEffect">
-                                  <p:stCondLst>
-                                    <p:cond delay="0"/>
-                                  </p:stCondLst>
-                                  <p:childTnLst>
-                                    <p:set>
-                                      <p:cBhvr>
-                                        <p:cTn id="6" dur="1" fill="hold">
-                                          <p:stCondLst>
-                                            <p:cond delay="0"/>
-                                          </p:stCondLst>
-                                        </p:cTn>
-                                        <p:tgtEl>
-                                          <p:spTgt spid="9">
-                                            <p:txEl>
-                                              <p:pRg st="4" end="4"/>
-                                            </p:txEl>
-                                          </p:spTgt>
-                                        </p:tgtEl>
-                                        <p:attrNameLst>
-                                          <p:attrName>style.visibility</p:attrName>
-                                        </p:attrNameLst>
-                                      </p:cBhvr>
-                                      <p:to>
-                                        <p:strVal val="visible"/>
-                                      </p:to>
-                                    </p:set>
-                                  </p:childTnLst>
-                                </p:cTn>
-                              </p:par>
-                              <p:par>
-                                <p:cTn id="7" presetID="1" presetClass="entr" presetSubtype="0" fill="hold" nodeType="withEffect">
-                                  <p:stCondLst>
-                                    <p:cond delay="0"/>
-                                  </p:stCondLst>
-                                  <p:childTnLst>
-                                    <p:set>
-                                      <p:cBhvr>
-                                        <p:cTn id="8" dur="1" fill="hold">
-                                          <p:stCondLst>
-                                            <p:cond delay="0"/>
-                                          </p:stCondLst>
-                                        </p:cTn>
-                                        <p:tgtEl>
-                                          <p:spTgt spid="9">
-                                            <p:txEl>
-                                              <p:pRg st="5" end="5"/>
-                                            </p:txEl>
-                                          </p:spTgt>
-                                        </p:tgtEl>
-                                        <p:attrNameLst>
-                                          <p:attrName>style.visibility</p:attrName>
-                                        </p:attrNameLst>
-                                      </p:cBhvr>
-                                      <p:to>
-                                        <p:strVal val="visible"/>
-                                      </p:to>
-                                    </p:set>
-                                  </p:childTnLst>
-                                </p:cTn>
-                              </p:par>
-                              <p:par>
-                                <p:cTn id="9" presetID="1" presetClass="entr" presetSubtype="0" fill="hold" nodeType="withEffect">
-                                  <p:stCondLst>
-                                    <p:cond delay="0"/>
-                                  </p:stCondLst>
-                                  <p:childTnLst>
-                                    <p:set>
-                                      <p:cBhvr>
-                                        <p:cTn id="10" dur="1" fill="hold">
-                                          <p:stCondLst>
-                                            <p:cond delay="0"/>
-                                          </p:stCondLst>
-                                        </p:cTn>
-                                        <p:tgtEl>
-                                          <p:spTgt spid="9">
-                                            <p:txEl>
-                                              <p:pRg st="6" end="6"/>
-                                            </p:txEl>
-                                          </p:spTgt>
-                                        </p:tgtEl>
-                                        <p:attrNameLst>
-                                          <p:attrName>style.visibility</p:attrName>
-                                        </p:attrNameLst>
-                                      </p:cBhvr>
-                                      <p:to>
-                                        <p:strVal val="visible"/>
-                                      </p:to>
-                                    </p:set>
-                                  </p:childTnLst>
-                                </p:cTn>
-                              </p:par>
-                            </p:childTnLst>
-                          </p:cTn>
-                        </p:par>
-                      </p:childTnLst>
-                    </p:cTn>
-                  </p:par>
-                </p:childTnLst>
-              </p:cTn>
-              <p:prevCondLst>
-                <p:cond evt="onPrev" delay="0">
-                  <p:tgtEl>
-                    <p:sldTgt/>
-                  </p:tgtEl>
-                </p:cond>
-              </p:prevCondLst>
-              <p:nextCondLst>
-                <p:cond evt="onNext" delay="0">
-                  <p:tgtEl>
-                    <p:sldTgt/>
-                  </p:tgtEl>
-                </p:cond>
-              </p:nextCondLst>
-            </p:seq>
-          </p:childTnLst>
-        </p:cTn>
-      </p:par>
-    </p:tnLst>
-  </p:timing>
 </p:sld>
 </file>
 
@@ -18146,8 +15959,8 @@
         </p:nvSpPr>
         <p:spPr>
           <a:xfrm>
-            <a:off x="310228" y="807383"/>
-            <a:ext cx="8051725" cy="4440590"/>
+            <a:off x="310228" y="807382"/>
+            <a:ext cx="8741305" cy="4689291"/>
           </a:xfrm>
         </p:spPr>
         <p:txBody>
@@ -18171,6 +15984,14 @@
               <a:rPr lang="en-US" dirty="0"/>
               <a:t> of that member, which is the integer that uniquely identifies that member’s position in the string.  </a:t>
             </a:r>
+            <a:r>
+              <a:rPr lang="en-US" dirty="0">
+                <a:solidFill>
+                  <a:srgbClr val="FF0000"/>
+                </a:solidFill>
+              </a:rPr>
+              <a:t>This is exactly the same as indexing into a list!</a:t>
+            </a:r>
           </a:p>
           <a:p>
             <a:pPr marL="0" indent="0">
@@ -18194,10 +16015,43 @@
                 </a:solidFill>
                 <a:latin typeface="Inconsolata" panose="020B0609030003000000" pitchFamily="49" charset="77"/>
               </a:rPr>
-              <a:t>In </a:t>
+              <a:t>message = </a:t>
             </a:r>
             <a:r>
               <a:rPr lang="en-US" b="1" dirty="0">
+                <a:solidFill>
+                  <a:srgbClr val="CC3300"/>
+                </a:solidFill>
+                <a:latin typeface="Inconsolata" panose="020B0609030003000000" pitchFamily="49" charset="77"/>
+              </a:rPr>
+              <a:t>"hello"</a:t>
+            </a:r>
+            <a:r>
+              <a:rPr lang="en-US" dirty="0">
+                <a:solidFill>
+                  <a:srgbClr val="CC3300"/>
+                </a:solidFill>
+                <a:latin typeface="UbuntuMono"/>
+              </a:rPr>
+              <a:t> </a:t>
+            </a:r>
+            <a:endParaRPr lang="en-US" dirty="0"/>
+          </a:p>
+          <a:p>
+            <a:pPr marL="0" indent="0">
+              <a:buNone/>
+            </a:pPr>
+            <a:r>
+              <a:rPr lang="en-US" b="1" dirty="0">
+                <a:solidFill>
+                  <a:srgbClr val="000087"/>
+                </a:solidFill>
+                <a:latin typeface="Inconsolata" panose="020B0609030003000000" pitchFamily="49" charset="77"/>
+              </a:rPr>
+              <a:t>print(message</a:t>
+            </a:r>
+            <a:r>
+              <a:rPr lang="en-US" b="1" dirty="0">
                 <a:latin typeface="Inconsolata" panose="020B0609030003000000" pitchFamily="49" charset="77"/>
               </a:rPr>
               <a:t>[</a:t>
@@ -18209,42 +16063,123 @@
                 </a:solidFill>
                 <a:latin typeface="Inconsolata" panose="020B0609030003000000" pitchFamily="49" charset="77"/>
               </a:rPr>
+              <a:t>0</a:t>
+            </a:r>
+            <a:r>
+              <a:rPr lang="en-US" b="1" dirty="0">
+                <a:latin typeface="Inconsolata" panose="020B0609030003000000" pitchFamily="49" charset="77"/>
+              </a:rPr>
+              <a:t>]) 		</a:t>
+            </a:r>
+            <a:r>
+              <a:rPr lang="en-US" b="1" i="1" dirty="0">
+                <a:solidFill>
+                  <a:srgbClr val="33566B"/>
+                </a:solidFill>
+                <a:latin typeface="Inconsolata" panose="020B0609030003000000" pitchFamily="49" charset="77"/>
+              </a:rPr>
+              <a:t># h</a:t>
+            </a:r>
+          </a:p>
+          <a:p>
+            <a:pPr marL="0" indent="0">
+              <a:buNone/>
+            </a:pPr>
+            <a:r>
+              <a:rPr lang="en-US" b="1" dirty="0">
+                <a:solidFill>
+                  <a:srgbClr val="000087"/>
+                </a:solidFill>
+                <a:latin typeface="Inconsolata" panose="020B0609030003000000" pitchFamily="49" charset="77"/>
+              </a:rPr>
+              <a:t>print(message</a:t>
+            </a:r>
+            <a:r>
+              <a:rPr lang="en-US" b="1" dirty="0">
+                <a:latin typeface="Inconsolata" panose="020B0609030003000000" pitchFamily="49" charset="77"/>
+              </a:rPr>
+              <a:t>[</a:t>
+            </a:r>
+            <a:r>
+              <a:rPr lang="en-US" b="1" dirty="0">
+                <a:solidFill>
+                  <a:srgbClr val="FF6600"/>
+                </a:solidFill>
+                <a:latin typeface="Inconsolata" panose="020B0609030003000000" pitchFamily="49" charset="77"/>
+              </a:rPr>
               <a:t>1</a:t>
             </a:r>
             <a:r>
               <a:rPr lang="en-US" b="1" dirty="0">
                 <a:latin typeface="Inconsolata" panose="020B0609030003000000" pitchFamily="49" charset="77"/>
               </a:rPr>
-              <a:t>]: </a:t>
+              <a:t>]) 		</a:t>
+            </a:r>
+            <a:r>
+              <a:rPr lang="en-US" b="1" i="1" dirty="0">
+                <a:solidFill>
+                  <a:srgbClr val="33566B"/>
+                </a:solidFill>
+                <a:latin typeface="Inconsolata" panose="020B0609030003000000" pitchFamily="49" charset="77"/>
+              </a:rPr>
+              <a:t># e</a:t>
             </a:r>
             <a:r>
               <a:rPr lang="en-US" b="1" dirty="0">
+                <a:latin typeface="Inconsolata" panose="020B0609030003000000" pitchFamily="49" charset="77"/>
+              </a:rPr>
+              <a:t> </a:t>
+            </a:r>
+          </a:p>
+          <a:p>
+            <a:pPr marL="0" indent="0">
+              <a:buNone/>
+            </a:pPr>
+            <a:r>
+              <a:rPr lang="en-US" b="1" dirty="0">
                 <a:solidFill>
                   <a:srgbClr val="000087"/>
                 </a:solidFill>
                 <a:latin typeface="Inconsolata" panose="020B0609030003000000" pitchFamily="49" charset="77"/>
               </a:rPr>
-              <a:t>message = </a:t>
+              <a:t>print(message</a:t>
             </a:r>
             <a:r>
               <a:rPr lang="en-US" b="1" dirty="0">
-                <a:solidFill>
-                  <a:srgbClr val="CC3300"/>
-                </a:solidFill>
-                <a:latin typeface="Inconsolata" panose="020B0609030003000000" pitchFamily="49" charset="77"/>
-              </a:rPr>
-              <a:t>"hello"</a:t>
-            </a:r>
-            <a:r>
-              <a:rPr lang="en-US" dirty="0">
-                <a:solidFill>
-                  <a:srgbClr val="CC3300"/>
-                </a:solidFill>
-                <a:latin typeface="UbuntuMono"/>
+                <a:latin typeface="Inconsolata" panose="020B0609030003000000" pitchFamily="49" charset="77"/>
+              </a:rPr>
+              <a:t>[-</a:t>
+            </a:r>
+            <a:r>
+              <a:rPr lang="en-US" b="1" dirty="0">
+                <a:solidFill>
+                  <a:srgbClr val="FF6600"/>
+                </a:solidFill>
+                <a:latin typeface="Inconsolata" panose="020B0609030003000000" pitchFamily="49" charset="77"/>
+              </a:rPr>
+              <a:t>1</a:t>
+            </a:r>
+            <a:r>
+              <a:rPr lang="en-US" b="1" dirty="0">
+                <a:latin typeface="Inconsolata" panose="020B0609030003000000" pitchFamily="49" charset="77"/>
+              </a:rPr>
+              <a:t>]) 		</a:t>
+            </a:r>
+            <a:r>
+              <a:rPr lang="en-US" b="1" i="1" dirty="0">
+                <a:solidFill>
+                  <a:srgbClr val="33566B"/>
+                </a:solidFill>
+                <a:latin typeface="Inconsolata" panose="020B0609030003000000" pitchFamily="49" charset="77"/>
+              </a:rPr>
+              <a:t># o</a:t>
+            </a:r>
+            <a:r>
+              <a:rPr lang="en-US" b="1" dirty="0">
+                <a:latin typeface="Inconsolata" panose="020B0609030003000000" pitchFamily="49" charset="77"/>
               </a:rPr>
               <a:t> </a:t>
             </a:r>
-            <a:endParaRPr lang="en-US" dirty="0"/>
           </a:p>
           <a:p>
             <a:pPr marL="0" indent="0">
@@ -18257,7 +16192,7 @@
                 </a:solidFill>
                 <a:latin typeface="Inconsolata" panose="020B0609030003000000" pitchFamily="49" charset="77"/>
               </a:rPr>
-              <a:t>In </a:t>
+              <a:t>print(message</a:t>
             </a:r>
             <a:r>
               <a:rPr lang="en-US" b="1" dirty="0">
@@ -18272,22 +16207,42 @@
                 </a:solidFill>
                 <a:latin typeface="Inconsolata" panose="020B0609030003000000" pitchFamily="49" charset="77"/>
               </a:rPr>
-              <a:t>2</a:t>
+              <a:t>4</a:t>
             </a:r>
             <a:r>
               <a:rPr lang="en-US" b="1" dirty="0">
                 <a:latin typeface="Inconsolata" panose="020B0609030003000000" pitchFamily="49" charset="77"/>
               </a:rPr>
-              <a:t>]: </a:t>
+              <a:t>]) 		</a:t>
+            </a:r>
+            <a:r>
+              <a:rPr lang="en-US" b="1" i="1" dirty="0">
+                <a:solidFill>
+                  <a:srgbClr val="33566B"/>
+                </a:solidFill>
+                <a:latin typeface="Inconsolata" panose="020B0609030003000000" pitchFamily="49" charset="77"/>
+              </a:rPr>
+              <a:t># o</a:t>
             </a:r>
             <a:r>
               <a:rPr lang="en-US" b="1" dirty="0">
+                <a:latin typeface="Inconsolata" panose="020B0609030003000000" pitchFamily="49" charset="77"/>
+              </a:rPr>
+              <a:t> </a:t>
+            </a:r>
+          </a:p>
+          <a:p>
+            <a:pPr marL="0" indent="0">
+              <a:buNone/>
+            </a:pPr>
+            <a:r>
+              <a:rPr lang="en-US" b="1" dirty="0">
                 <a:solidFill>
                   <a:srgbClr val="000087"/>
                 </a:solidFill>
                 <a:latin typeface="Inconsolata" panose="020B0609030003000000" pitchFamily="49" charset="77"/>
               </a:rPr>
-              <a:t>message</a:t>
+              <a:t>print(message</a:t>
             </a:r>
             <a:r>
               <a:rPr lang="en-US" b="1" dirty="0">
@@ -18302,13 +16257,13 @@
                 </a:solidFill>
                 <a:latin typeface="Inconsolata" panose="020B0609030003000000" pitchFamily="49" charset="77"/>
               </a:rPr>
-              <a:t>0</a:t>
+              <a:t>5</a:t>
             </a:r>
             <a:r>
               <a:rPr lang="en-US" b="1" dirty="0">
                 <a:latin typeface="Inconsolata" panose="020B0609030003000000" pitchFamily="49" charset="77"/>
               </a:rPr>
-              <a:t>] </a:t>
+              <a:t>]) 		</a:t>
             </a:r>
             <a:r>
               <a:rPr lang="en-US" b="1" i="1" dirty="0">
@@ -18317,226 +16272,8 @@
                 </a:solidFill>
                 <a:latin typeface="Inconsolata" panose="020B0609030003000000" pitchFamily="49" charset="77"/>
               </a:rPr>
-              <a:t># first character is at index 0</a:t>
-            </a:r>
-            <a:endParaRPr lang="en-US" b="1" dirty="0">
-              <a:latin typeface="Inconsolata" panose="020B0609030003000000" pitchFamily="49" charset="77"/>
-            </a:endParaRPr>
-          </a:p>
-          <a:p>
-            <a:pPr marL="0" indent="0">
-              <a:buNone/>
-            </a:pPr>
-            <a:r>
-              <a:rPr lang="en-US" b="1" dirty="0">
-                <a:latin typeface="Inconsolata" panose="020B0609030003000000" pitchFamily="49" charset="77"/>
-              </a:rPr>
-              <a:t>Out [2]: 'h' </a:t>
-            </a:r>
-          </a:p>
-          <a:p>
-            <a:pPr marL="0" indent="0">
-              <a:buNone/>
-            </a:pPr>
-            <a:r>
-              <a:rPr lang="en-US" b="1" dirty="0">
-                <a:solidFill>
-                  <a:srgbClr val="000087"/>
-                </a:solidFill>
-                <a:latin typeface="Inconsolata" panose="020B0609030003000000" pitchFamily="49" charset="77"/>
-              </a:rPr>
-              <a:t>In </a:t>
-            </a:r>
-            <a:r>
-              <a:rPr lang="en-US" b="1" dirty="0">
-                <a:latin typeface="Inconsolata" panose="020B0609030003000000" pitchFamily="49" charset="77"/>
-              </a:rPr>
-              <a:t>[</a:t>
-            </a:r>
-            <a:r>
-              <a:rPr lang="en-US" b="1" dirty="0">
-                <a:solidFill>
-                  <a:srgbClr val="FF6600"/>
-                </a:solidFill>
-                <a:latin typeface="Inconsolata" panose="020B0609030003000000" pitchFamily="49" charset="77"/>
-              </a:rPr>
-              <a:t>3</a:t>
-            </a:r>
-            <a:r>
-              <a:rPr lang="en-US" b="1" dirty="0">
-                <a:latin typeface="Inconsolata" panose="020B0609030003000000" pitchFamily="49" charset="77"/>
-              </a:rPr>
-              <a:t>]: </a:t>
-            </a:r>
-            <a:r>
-              <a:rPr lang="en-US" b="1" dirty="0">
-                <a:solidFill>
-                  <a:srgbClr val="000087"/>
-                </a:solidFill>
-                <a:latin typeface="Inconsolata" panose="020B0609030003000000" pitchFamily="49" charset="77"/>
-              </a:rPr>
-              <a:t>message</a:t>
-            </a:r>
-            <a:r>
-              <a:rPr lang="en-US" b="1" dirty="0">
-                <a:latin typeface="Inconsolata" panose="020B0609030003000000" pitchFamily="49" charset="77"/>
-              </a:rPr>
-              <a:t>[</a:t>
-            </a:r>
-            <a:r>
-              <a:rPr lang="en-US" b="1" dirty="0">
-                <a:solidFill>
-                  <a:srgbClr val="FF6600"/>
-                </a:solidFill>
-                <a:latin typeface="Inconsolata" panose="020B0609030003000000" pitchFamily="49" charset="77"/>
-              </a:rPr>
-              <a:t>1</a:t>
-            </a:r>
-            <a:r>
-              <a:rPr lang="en-US" b="1" dirty="0">
-                <a:latin typeface="Inconsolata" panose="020B0609030003000000" pitchFamily="49" charset="77"/>
-              </a:rPr>
-              <a:t>] </a:t>
-            </a:r>
-            <a:r>
-              <a:rPr lang="en-US" b="1" i="1" dirty="0">
-                <a:solidFill>
-                  <a:srgbClr val="33566B"/>
-                </a:solidFill>
-                <a:latin typeface="Inconsolata" panose="020B0609030003000000" pitchFamily="49" charset="77"/>
-              </a:rPr>
-              <a:t># first character is at index 0</a:t>
-            </a:r>
-            <a:endParaRPr lang="en-US" b="1" dirty="0">
-              <a:latin typeface="Inconsolata" panose="020B0609030003000000" pitchFamily="49" charset="77"/>
-            </a:endParaRPr>
-          </a:p>
-          <a:p>
-            <a:pPr marL="0" indent="0">
-              <a:buNone/>
-            </a:pPr>
-            <a:r>
-              <a:rPr lang="en-US" b="1" dirty="0">
-                <a:latin typeface="Inconsolata" panose="020B0609030003000000" pitchFamily="49" charset="77"/>
-              </a:rPr>
-              <a:t>Out [3]: 'e' </a:t>
-            </a:r>
-          </a:p>
-          <a:p>
-            <a:pPr marL="0" indent="0">
-              <a:buNone/>
-            </a:pPr>
-            <a:r>
-              <a:rPr lang="en-US" b="1" dirty="0">
-                <a:solidFill>
-                  <a:srgbClr val="000087"/>
-                </a:solidFill>
-                <a:latin typeface="Inconsolata" panose="020B0609030003000000" pitchFamily="49" charset="77"/>
-              </a:rPr>
-              <a:t>In </a:t>
-            </a:r>
-            <a:r>
-              <a:rPr lang="en-US" b="1" dirty="0">
-                <a:latin typeface="Inconsolata" panose="020B0609030003000000" pitchFamily="49" charset="77"/>
-              </a:rPr>
-              <a:t>[</a:t>
-            </a:r>
-            <a:r>
-              <a:rPr lang="en-US" b="1" dirty="0">
-                <a:solidFill>
-                  <a:srgbClr val="FF6600"/>
-                </a:solidFill>
-                <a:latin typeface="Inconsolata" panose="020B0609030003000000" pitchFamily="49" charset="77"/>
-              </a:rPr>
-              <a:t>4</a:t>
-            </a:r>
-            <a:r>
-              <a:rPr lang="en-US" b="1" dirty="0">
-                <a:latin typeface="Inconsolata" panose="020B0609030003000000" pitchFamily="49" charset="77"/>
-              </a:rPr>
-              <a:t>]: </a:t>
-            </a:r>
-            <a:r>
-              <a:rPr lang="en-US" b="1" i="1" dirty="0">
-                <a:solidFill>
-                  <a:srgbClr val="33566B"/>
-                </a:solidFill>
-                <a:latin typeface="Inconsolata" panose="020B0609030003000000" pitchFamily="49" charset="77"/>
-              </a:rPr>
-              <a:t># negative indices wraps around the end</a:t>
-            </a:r>
-          </a:p>
-          <a:p>
-            <a:pPr marL="0" indent="0">
-              <a:buNone/>
-            </a:pPr>
-            <a:r>
-              <a:rPr lang="en-US" b="1" i="1" dirty="0">
-                <a:solidFill>
-                  <a:srgbClr val="33566B"/>
-                </a:solidFill>
-                <a:latin typeface="Inconsolata" panose="020B0609030003000000" pitchFamily="49" charset="77"/>
-              </a:rPr>
-              <a:t>	    </a:t>
-            </a:r>
-            <a:r>
-              <a:rPr lang="en-US" b="1" dirty="0">
-                <a:solidFill>
-                  <a:srgbClr val="000087"/>
-                </a:solidFill>
-                <a:latin typeface="Inconsolata" panose="020B0609030003000000" pitchFamily="49" charset="77"/>
-              </a:rPr>
-              <a:t>message</a:t>
-            </a:r>
-            <a:r>
-              <a:rPr lang="en-US" b="1" dirty="0">
-                <a:latin typeface="Inconsolata" panose="020B0609030003000000" pitchFamily="49" charset="77"/>
-              </a:rPr>
-              <a:t>[</a:t>
-            </a:r>
-            <a:r>
-              <a:rPr lang="en-US" b="1" dirty="0">
-                <a:solidFill>
-                  <a:srgbClr val="FF6600"/>
-                </a:solidFill>
-                <a:latin typeface="Inconsolata" panose="020B0609030003000000" pitchFamily="49" charset="77"/>
-              </a:rPr>
-              <a:t>-1</a:t>
-            </a:r>
-            <a:r>
-              <a:rPr lang="en-US" b="1" dirty="0">
-                <a:latin typeface="Inconsolata" panose="020B0609030003000000" pitchFamily="49" charset="77"/>
-              </a:rPr>
-              <a:t>]   </a:t>
-            </a:r>
-            <a:r>
-              <a:rPr lang="en-US" b="1" i="1" dirty="0">
-                <a:solidFill>
-                  <a:srgbClr val="33566B"/>
-                </a:solidFill>
-                <a:latin typeface="Inconsolata" panose="020B0609030003000000" pitchFamily="49" charset="77"/>
-              </a:rPr>
-              <a:t># last character </a:t>
-            </a:r>
-            <a:endParaRPr lang="en-US" b="1" dirty="0">
-              <a:latin typeface="Inconsolata" panose="020B0609030003000000" pitchFamily="49" charset="77"/>
-            </a:endParaRPr>
-          </a:p>
-          <a:p>
-            <a:pPr marL="0" indent="0">
-              <a:buNone/>
-            </a:pPr>
-            <a:r>
-              <a:rPr lang="en-US" b="1" dirty="0">
-                <a:latin typeface="Inconsolata" panose="020B0609030003000000" pitchFamily="49" charset="77"/>
-              </a:rPr>
-              <a:t>Out [4]: ‘o' </a:t>
-            </a:r>
-          </a:p>
-          <a:p>
-            <a:pPr marL="0" indent="0">
-              <a:buNone/>
-            </a:pPr>
+              <a:t># error! out of range!</a:t>
+            </a:r>
             <a:endParaRPr lang="en-US" b="1" dirty="0">
               <a:latin typeface="Inconsolata" panose="020B0609030003000000" pitchFamily="49" charset="77"/>
             </a:endParaRPr>
@@ -18776,26 +16513,39 @@
                                   </p:childTnLst>
                                 </p:cTn>
                               </p:par>
-                            </p:childTnLst>
-                          </p:cTn>
-                        </p:par>
-                      </p:childTnLst>
-                    </p:cTn>
-                  </p:par>
-                  <p:par>
-                    <p:cTn id="11" fill="hold">
-                      <p:stCondLst>
-                        <p:cond delay="indefinite"/>
-                      </p:stCondLst>
-                      <p:childTnLst>
-                        <p:par>
-                          <p:cTn id="12" fill="hold">
-                            <p:stCondLst>
-                              <p:cond delay="0"/>
-                            </p:stCondLst>
-                            <p:childTnLst>
                               <p:par>
-                                <p:cTn id="13" presetID="1" presetClass="entr" presetSubtype="0" fill="hold" nodeType="clickEffect">
+                                <p:cTn id="11" presetID="1" presetClass="entr" presetSubtype="0" fill="hold" nodeType="withEffect">
+                                  <p:stCondLst>
+                                    <p:cond delay="0"/>
+                                  </p:stCondLst>
+                                  <p:childTnLst>
+                                    <p:set>
+                                      <p:cBhvr>
+                                        <p:cTn id="12" dur="1" fill="hold">
+                                          <p:stCondLst>
+                                            <p:cond delay="0"/>
+                                          </p:stCondLst>
+                                        </p:cTn>
+                                        <p:tgtEl>
+                                          <p:spTgt spid="9">
+                                            <p:txEl>
+                                              <p:pRg st="5" end="5"/>
+                                            </p:txEl>
+                                          </p:spTgt>
+                                        </p:tgtEl>
+                                        <p:attrNameLst>
+                                          <p:attrName>style.visibility</p:attrName>
+                                        </p:attrNameLst>
+                                      </p:cBhvr>
+                                      <p:to>
+                                        <p:strVal val="visible"/>
+                                      </p:to>
+                                    </p:set>
+                                  </p:childTnLst>
+                                </p:cTn>
+                              </p:par>
+                              <p:par>
+                                <p:cTn id="13" presetID="1" presetClass="entr" presetSubtype="0" fill="hold" nodeType="withEffect">
                                   <p:stCondLst>
                                     <p:cond delay="0"/>
                                   </p:stCondLst>
@@ -18810,7 +16560,7 @@
                                         <p:tgtEl>
                                           <p:spTgt spid="9">
                                             <p:txEl>
-                                              <p:pRg st="5" end="5"/>
+                                              <p:pRg st="6" end="6"/>
                                             </p:txEl>
                                           </p:spTgt>
                                         </p:tgtEl>
@@ -18841,118 +16591,7 @@
                                         <p:tgtEl>
                                           <p:spTgt spid="9">
                                             <p:txEl>
-                                              <p:pRg st="6" end="6"/>
-                                            </p:txEl>
-                                          </p:spTgt>
-                                        </p:tgtEl>
-                                        <p:attrNameLst>
-                                          <p:attrName>style.visibility</p:attrName>
-                                        </p:attrNameLst>
-                                      </p:cBhvr>
-                                      <p:to>
-                                        <p:strVal val="visible"/>
-                                      </p:to>
-                                    </p:set>
-                                  </p:childTnLst>
-                                </p:cTn>
-                              </p:par>
-                            </p:childTnLst>
-                          </p:cTn>
-                        </p:par>
-                      </p:childTnLst>
-                    </p:cTn>
-                  </p:par>
-                  <p:par>
-                    <p:cTn id="17" fill="hold">
-                      <p:stCondLst>
-                        <p:cond delay="indefinite"/>
-                      </p:stCondLst>
-                      <p:childTnLst>
-                        <p:par>
-                          <p:cTn id="18" fill="hold">
-                            <p:stCondLst>
-                              <p:cond delay="0"/>
-                            </p:stCondLst>
-                            <p:childTnLst>
-                              <p:par>
-                                <p:cTn id="19" presetID="1" presetClass="entr" presetSubtype="0" fill="hold" nodeType="clickEffect">
-                                  <p:stCondLst>
-                                    <p:cond delay="0"/>
-                                  </p:stCondLst>
-                                  <p:childTnLst>
-                                    <p:set>
-                                      <p:cBhvr>
-                                        <p:cTn id="20" dur="1" fill="hold">
-                                          <p:stCondLst>
-                                            <p:cond delay="0"/>
-                                          </p:stCondLst>
-                                        </p:cTn>
-                                        <p:tgtEl>
-                                          <p:spTgt spid="9">
-                                            <p:txEl>
                                               <p:pRg st="7" end="7"/>
-                                            </p:txEl>
-                                          </p:spTgt>
-                                        </p:tgtEl>
-                                        <p:attrNameLst>
-                                          <p:attrName>style.visibility</p:attrName>
-                                        </p:attrNameLst>
-                                      </p:cBhvr>
-                                      <p:to>
-                                        <p:strVal val="visible"/>
-                                      </p:to>
-                                    </p:set>
-                                  </p:childTnLst>
-                                </p:cTn>
-                              </p:par>
-                              <p:par>
-                                <p:cTn id="21" presetID="1" presetClass="entr" presetSubtype="0" fill="hold" nodeType="withEffect">
-                                  <p:stCondLst>
-                                    <p:cond delay="0"/>
-                                  </p:stCondLst>
-                                  <p:childTnLst>
-                                    <p:set>
-                                      <p:cBhvr>
-                                        <p:cTn id="22" dur="1" fill="hold">
-                                          <p:stCondLst>
-                                            <p:cond delay="0"/>
-                                          </p:stCondLst>
-                                        </p:cTn>
-                                        <p:tgtEl>
-                                          <p:spTgt spid="9">
-                                            <p:txEl>
-                                              <p:pRg st="8" end="8"/>
-                                            </p:txEl>
-                                          </p:spTgt>
-                                        </p:tgtEl>
-                                        <p:attrNameLst>
-                                          <p:attrName>style.visibility</p:attrName>
-                                        </p:attrNameLst>
-                                      </p:cBhvr>
-                                      <p:to>
-                                        <p:strVal val="visible"/>
-                                      </p:to>
-                                    </p:set>
-                                  </p:childTnLst>
-                                </p:cTn>
-                              </p:par>
-                              <p:par>
-                                <p:cTn id="23" presetID="1" presetClass="entr" presetSubtype="0" fill="hold" nodeType="withEffect">
-                                  <p:stCondLst>
-                                    <p:cond delay="0"/>
-                                  </p:stCondLst>
-                                  <p:childTnLst>
-                                    <p:set>
-                                      <p:cBhvr>
-                                        <p:cTn id="24" dur="1" fill="hold">
-                                          <p:stCondLst>
-                                            <p:cond delay="0"/>
-                                          </p:stCondLst>
-                                        </p:cTn>
-                                        <p:tgtEl>
-                                          <p:spTgt spid="9">
-                                            <p:txEl>
-                                              <p:pRg st="9" end="9"/>
                                             </p:txEl>
                                           </p:spTgt>
                                         </p:tgtEl>
@@ -18999,715 +16638,6 @@
 </file>
 
 <file path=ppt/slides/slide6.xml><?xml version="1.0" encoding="utf-8"?>
-<p:sld xmlns:a="http://schemas.openxmlformats.org/drawingml/2006/main" xmlns:r="http://schemas.openxmlformats.org/officeDocument/2006/relationships" xmlns:p="http://schemas.openxmlformats.org/presentationml/2006/main">
-  <p:cSld>
-    <p:spTree>
-      <p:nvGrpSpPr>
-        <p:cNvPr id="1" name=""/>
-        <p:cNvGrpSpPr/>
-        <p:nvPr/>
-      </p:nvGrpSpPr>
-      <p:grpSpPr>
-        <a:xfrm>
-          <a:off x="0" y="0"/>
-          <a:ext cx="0" cy="0"/>
-          <a:chOff x="0" y="0"/>
-          <a:chExt cx="0" cy="0"/>
-        </a:xfrm>
-      </p:grpSpPr>
-      <p:sp>
-        <p:nvSpPr>
-          <p:cNvPr id="2" name="Title 1">
-            <a:extLst>
-              <a:ext uri="{FF2B5EF4-FFF2-40B4-BE49-F238E27FC236}">
-                <a16:creationId xmlns:a16="http://schemas.microsoft.com/office/drawing/2014/main" id="{AA3A228F-61D0-D949-A5E7-F83756230BF8}"/>
-              </a:ext>
-            </a:extLst>
-          </p:cNvPr>
-          <p:cNvSpPr>
-            <a:spLocks noGrp="1"/>
-          </p:cNvSpPr>
-          <p:nvPr>
-            <p:ph type="title"/>
-          </p:nvPr>
-        </p:nvSpPr>
-        <p:spPr>
-          <a:xfrm>
-            <a:off x="182906" y="123497"/>
-            <a:ext cx="7053542" cy="683886"/>
-          </a:xfrm>
-        </p:spPr>
-        <p:txBody>
-          <a:bodyPr/>
-          <a:lstStyle/>
-          <a:p>
-            <a:r>
-              <a:rPr lang="en-US" dirty="0"/>
-              <a:t>String Indexing </a:t>
-            </a:r>
-          </a:p>
-        </p:txBody>
-      </p:sp>
-      <p:sp>
-        <p:nvSpPr>
-          <p:cNvPr id="9" name="Content Placeholder 8">
-            <a:extLst>
-              <a:ext uri="{FF2B5EF4-FFF2-40B4-BE49-F238E27FC236}">
-                <a16:creationId xmlns:a16="http://schemas.microsoft.com/office/drawing/2014/main" id="{E3B2E017-30B2-884B-A113-B419A2ED51AD}"/>
-              </a:ext>
-            </a:extLst>
-          </p:cNvPr>
-          <p:cNvSpPr>
-            <a:spLocks noGrp="1"/>
-          </p:cNvSpPr>
-          <p:nvPr>
-            <p:ph idx="1"/>
-          </p:nvPr>
-        </p:nvSpPr>
-        <p:spPr>
-          <a:xfrm>
-            <a:off x="310228" y="807383"/>
-            <a:ext cx="8051725" cy="4440590"/>
-          </a:xfrm>
-        </p:spPr>
-        <p:txBody>
-          <a:bodyPr>
-            <a:noAutofit/>
-          </a:bodyPr>
-          <a:lstStyle/>
-          <a:p>
-            <a:pPr marL="0" indent="0">
-              <a:buNone/>
-            </a:pPr>
-            <a:endParaRPr lang="en-US" b="1" dirty="0">
-              <a:solidFill>
-                <a:srgbClr val="000087"/>
-              </a:solidFill>
-              <a:latin typeface="Inconsolata" panose="020B0609030003000000" pitchFamily="49" charset="77"/>
-            </a:endParaRPr>
-          </a:p>
-          <a:p>
-            <a:pPr marL="0" indent="0">
-              <a:buNone/>
-            </a:pPr>
-            <a:endParaRPr lang="en-US" b="1" dirty="0">
-              <a:solidFill>
-                <a:srgbClr val="000087"/>
-              </a:solidFill>
-              <a:latin typeface="Inconsolata" panose="020B0609030003000000" pitchFamily="49" charset="77"/>
-            </a:endParaRPr>
-          </a:p>
-          <a:p>
-            <a:pPr marL="0" indent="0">
-              <a:buNone/>
-            </a:pPr>
-            <a:r>
-              <a:rPr lang="en-US" b="1" dirty="0">
-                <a:solidFill>
-                  <a:srgbClr val="000087"/>
-                </a:solidFill>
-                <a:latin typeface="Inconsolata" panose="020B0609030003000000" pitchFamily="49" charset="77"/>
-              </a:rPr>
-              <a:t>In </a:t>
-            </a:r>
-            <a:r>
-              <a:rPr lang="en-US" b="1" dirty="0">
-                <a:latin typeface="Inconsolata" panose="020B0609030003000000" pitchFamily="49" charset="77"/>
-              </a:rPr>
-              <a:t>[</a:t>
-            </a:r>
-            <a:r>
-              <a:rPr lang="en-US" b="1" dirty="0">
-                <a:solidFill>
-                  <a:srgbClr val="FF6600"/>
-                </a:solidFill>
-                <a:latin typeface="Inconsolata" panose="020B0609030003000000" pitchFamily="49" charset="77"/>
-              </a:rPr>
-              <a:t>1</a:t>
-            </a:r>
-            <a:r>
-              <a:rPr lang="en-US" b="1" dirty="0">
-                <a:latin typeface="Inconsolata" panose="020B0609030003000000" pitchFamily="49" charset="77"/>
-              </a:rPr>
-              <a:t>]: </a:t>
-            </a:r>
-            <a:r>
-              <a:rPr lang="en-US" b="1" dirty="0">
-                <a:solidFill>
-                  <a:srgbClr val="000087"/>
-                </a:solidFill>
-                <a:latin typeface="Inconsolata" panose="020B0609030003000000" pitchFamily="49" charset="77"/>
-              </a:rPr>
-              <a:t>message = </a:t>
-            </a:r>
-            <a:r>
-              <a:rPr lang="en-US" b="1" dirty="0">
-                <a:solidFill>
-                  <a:srgbClr val="CC3300"/>
-                </a:solidFill>
-                <a:latin typeface="Inconsolata" panose="020B0609030003000000" pitchFamily="49" charset="77"/>
-              </a:rPr>
-              <a:t>"hello"</a:t>
-            </a:r>
-            <a:r>
-              <a:rPr lang="en-US" dirty="0">
-                <a:solidFill>
-                  <a:srgbClr val="CC3300"/>
-                </a:solidFill>
-                <a:latin typeface="UbuntuMono"/>
-              </a:rPr>
-              <a:t> </a:t>
-            </a:r>
-            <a:endParaRPr lang="en-US" dirty="0"/>
-          </a:p>
-          <a:p>
-            <a:pPr marL="0" indent="0">
-              <a:buNone/>
-            </a:pPr>
-            <a:endParaRPr lang="en-US" b="1" dirty="0">
-              <a:solidFill>
-                <a:srgbClr val="000087"/>
-              </a:solidFill>
-              <a:latin typeface="Inconsolata" panose="020B0609030003000000" pitchFamily="49" charset="77"/>
-            </a:endParaRPr>
-          </a:p>
-          <a:p>
-            <a:pPr marL="0" indent="0">
-              <a:buNone/>
-            </a:pPr>
-            <a:r>
-              <a:rPr lang="en-US" b="1" dirty="0">
-                <a:solidFill>
-                  <a:srgbClr val="000087"/>
-                </a:solidFill>
-                <a:latin typeface="Inconsolata" panose="020B0609030003000000" pitchFamily="49" charset="77"/>
-              </a:rPr>
-              <a:t>In </a:t>
-            </a:r>
-            <a:r>
-              <a:rPr lang="en-US" b="1" dirty="0">
-                <a:latin typeface="Inconsolata" panose="020B0609030003000000" pitchFamily="49" charset="77"/>
-              </a:rPr>
-              <a:t>[</a:t>
-            </a:r>
-            <a:r>
-              <a:rPr lang="en-US" b="1" dirty="0">
-                <a:solidFill>
-                  <a:srgbClr val="FF6600"/>
-                </a:solidFill>
-                <a:latin typeface="Inconsolata" panose="020B0609030003000000" pitchFamily="49" charset="77"/>
-              </a:rPr>
-              <a:t>2</a:t>
-            </a:r>
-            <a:r>
-              <a:rPr lang="en-US" b="1" dirty="0">
-                <a:latin typeface="Inconsolata" panose="020B0609030003000000" pitchFamily="49" charset="77"/>
-              </a:rPr>
-              <a:t>]: </a:t>
-            </a:r>
-            <a:r>
-              <a:rPr lang="en-US" b="1" dirty="0">
-                <a:solidFill>
-                  <a:srgbClr val="000087"/>
-                </a:solidFill>
-                <a:latin typeface="Inconsolata" panose="020B0609030003000000" pitchFamily="49" charset="77"/>
-              </a:rPr>
-              <a:t>message</a:t>
-            </a:r>
-            <a:r>
-              <a:rPr lang="en-US" b="1" dirty="0">
-                <a:latin typeface="Inconsolata" panose="020B0609030003000000" pitchFamily="49" charset="77"/>
-              </a:rPr>
-              <a:t>[</a:t>
-            </a:r>
-            <a:r>
-              <a:rPr lang="en-US" b="1" dirty="0">
-                <a:solidFill>
-                  <a:srgbClr val="FF6600"/>
-                </a:solidFill>
-                <a:latin typeface="Inconsolata" panose="020B0609030003000000" pitchFamily="49" charset="77"/>
-              </a:rPr>
-              <a:t>4</a:t>
-            </a:r>
-            <a:r>
-              <a:rPr lang="en-US" b="1" dirty="0">
-                <a:latin typeface="Inconsolata" panose="020B0609030003000000" pitchFamily="49" charset="77"/>
-              </a:rPr>
-              <a:t>] </a:t>
-            </a:r>
-          </a:p>
-          <a:p>
-            <a:pPr marL="0" indent="0">
-              <a:buNone/>
-            </a:pPr>
-            <a:r>
-              <a:rPr lang="en-US" b="1" dirty="0">
-                <a:latin typeface="Inconsolata" panose="020B0609030003000000" pitchFamily="49" charset="77"/>
-              </a:rPr>
-              <a:t>Out [2]: 'o' </a:t>
-            </a:r>
-          </a:p>
-          <a:p>
-            <a:pPr marL="0" indent="0">
-              <a:buNone/>
-            </a:pPr>
-            <a:endParaRPr lang="en-US" b="1" dirty="0">
-              <a:solidFill>
-                <a:srgbClr val="000087"/>
-              </a:solidFill>
-              <a:latin typeface="Inconsolata" panose="020B0609030003000000" pitchFamily="49" charset="77"/>
-            </a:endParaRPr>
-          </a:p>
-          <a:p>
-            <a:pPr marL="0" indent="0">
-              <a:buNone/>
-            </a:pPr>
-            <a:r>
-              <a:rPr lang="en-US" b="1" dirty="0">
-                <a:solidFill>
-                  <a:srgbClr val="000087"/>
-                </a:solidFill>
-                <a:latin typeface="Inconsolata" panose="020B0609030003000000" pitchFamily="49" charset="77"/>
-              </a:rPr>
-              <a:t>In </a:t>
-            </a:r>
-            <a:r>
-              <a:rPr lang="en-US" b="1" dirty="0">
-                <a:latin typeface="Inconsolata" panose="020B0609030003000000" pitchFamily="49" charset="77"/>
-              </a:rPr>
-              <a:t>[</a:t>
-            </a:r>
-            <a:r>
-              <a:rPr lang="en-US" b="1" dirty="0">
-                <a:solidFill>
-                  <a:srgbClr val="FF6600"/>
-                </a:solidFill>
-                <a:latin typeface="Inconsolata" panose="020B0609030003000000" pitchFamily="49" charset="77"/>
-              </a:rPr>
-              <a:t>3</a:t>
-            </a:r>
-            <a:r>
-              <a:rPr lang="en-US" b="1" dirty="0">
-                <a:latin typeface="Inconsolata" panose="020B0609030003000000" pitchFamily="49" charset="77"/>
-              </a:rPr>
-              <a:t>]: </a:t>
-            </a:r>
-            <a:r>
-              <a:rPr lang="en-US" b="1" dirty="0">
-                <a:solidFill>
-                  <a:srgbClr val="000087"/>
-                </a:solidFill>
-                <a:latin typeface="Inconsolata" panose="020B0609030003000000" pitchFamily="49" charset="77"/>
-              </a:rPr>
-              <a:t>message</a:t>
-            </a:r>
-            <a:r>
-              <a:rPr lang="en-US" b="1" dirty="0">
-                <a:latin typeface="Inconsolata" panose="020B0609030003000000" pitchFamily="49" charset="77"/>
-              </a:rPr>
-              <a:t>[</a:t>
-            </a:r>
-            <a:r>
-              <a:rPr lang="en-US" b="1" dirty="0">
-                <a:solidFill>
-                  <a:srgbClr val="FF6600"/>
-                </a:solidFill>
-                <a:latin typeface="Inconsolata" panose="020B0609030003000000" pitchFamily="49" charset="77"/>
-              </a:rPr>
-              <a:t>5</a:t>
-            </a:r>
-            <a:r>
-              <a:rPr lang="en-US" b="1" dirty="0">
-                <a:latin typeface="Inconsolata" panose="020B0609030003000000" pitchFamily="49" charset="77"/>
-              </a:rPr>
-              <a:t>] </a:t>
-            </a:r>
-            <a:r>
-              <a:rPr lang="en-US" b="1" dirty="0">
-                <a:solidFill>
-                  <a:schemeClr val="accent1"/>
-                </a:solidFill>
-                <a:latin typeface="Inconsolata" panose="020B0609030003000000" pitchFamily="49" charset="77"/>
-              </a:rPr>
-              <a:t># error! out of range!</a:t>
-            </a:r>
-          </a:p>
-          <a:p>
-            <a:pPr marL="0" indent="0">
-              <a:buNone/>
-            </a:pPr>
-            <a:r>
-              <a:rPr lang="en-US" dirty="0" err="1">
-                <a:solidFill>
-                  <a:srgbClr val="FF0000"/>
-                </a:solidFill>
-              </a:rPr>
-              <a:t>IndexError</a:t>
-            </a:r>
-            <a:r>
-              <a:rPr lang="en-US" dirty="0">
-                <a:solidFill>
-                  <a:srgbClr val="FF0000"/>
-                </a:solidFill>
-              </a:rPr>
-              <a:t>: string index out of range</a:t>
-            </a:r>
-          </a:p>
-          <a:p>
-            <a:pPr marL="0" indent="0">
-              <a:buNone/>
-            </a:pPr>
-            <a:endParaRPr lang="en-US" b="1" dirty="0">
-              <a:latin typeface="Inconsolata" panose="020B0609030003000000" pitchFamily="49" charset="77"/>
-            </a:endParaRPr>
-          </a:p>
-          <a:p>
-            <a:pPr marL="0" indent="0">
-              <a:buNone/>
-            </a:pPr>
-            <a:endParaRPr lang="en-US" b="1" dirty="0">
-              <a:latin typeface="Inconsolata" panose="020B0609030003000000" pitchFamily="49" charset="77"/>
-            </a:endParaRPr>
-          </a:p>
-          <a:p>
-            <a:pPr marL="0" indent="0">
-              <a:buNone/>
-            </a:pPr>
-            <a:endParaRPr lang="en-US" b="1" dirty="0">
-              <a:latin typeface="Inconsolata" panose="020B0609030003000000" pitchFamily="49" charset="77"/>
-            </a:endParaRPr>
-          </a:p>
-          <a:p>
-            <a:pPr marL="0" indent="0">
-              <a:buNone/>
-            </a:pPr>
-            <a:endParaRPr lang="en-US" b="1" dirty="0">
-              <a:latin typeface="Inconsolata" panose="020B0609030003000000" pitchFamily="49" charset="77"/>
-            </a:endParaRPr>
-          </a:p>
-          <a:p>
-            <a:pPr marL="0" indent="0">
-              <a:buNone/>
-            </a:pPr>
-            <a:endParaRPr lang="en-US" b="1" dirty="0">
-              <a:latin typeface="Inconsolata" panose="020B0609030003000000" pitchFamily="49" charset="77"/>
-            </a:endParaRPr>
-          </a:p>
-          <a:p>
-            <a:pPr marL="0" indent="0">
-              <a:buNone/>
-            </a:pPr>
-            <a:r>
-              <a:rPr lang="en-US" b="1" dirty="0">
-                <a:latin typeface="Inconsolata" panose="020B0609030003000000" pitchFamily="49" charset="77"/>
-              </a:rPr>
-              <a:t> </a:t>
-            </a:r>
-          </a:p>
-          <a:p>
-            <a:pPr marL="0" indent="0">
-              <a:buNone/>
-            </a:pPr>
-            <a:endParaRPr lang="en-US" b="1" dirty="0">
-              <a:latin typeface="Inconsolata" panose="020B0609030003000000" pitchFamily="49" charset="77"/>
-            </a:endParaRPr>
-          </a:p>
-          <a:p>
-            <a:pPr marL="0" indent="0">
-              <a:buNone/>
-            </a:pPr>
-            <a:endParaRPr lang="en-US" b="1" dirty="0">
-              <a:latin typeface="Inconsolata" panose="020B0609030003000000" pitchFamily="49" charset="77"/>
-            </a:endParaRPr>
-          </a:p>
-          <a:p>
-            <a:pPr marL="0" indent="0">
-              <a:buNone/>
-            </a:pPr>
-            <a:endParaRPr lang="en-US" b="1" dirty="0">
-              <a:latin typeface="Inconsolata" panose="020B0609030003000000" pitchFamily="49" charset="77"/>
-            </a:endParaRPr>
-          </a:p>
-          <a:p>
-            <a:pPr marL="0" indent="0">
-              <a:buNone/>
-            </a:pPr>
-            <a:endParaRPr lang="en-US" b="1" dirty="0">
-              <a:latin typeface="Inconsolata" panose="020B0609030003000000" pitchFamily="49" charset="77"/>
-            </a:endParaRPr>
-          </a:p>
-          <a:p>
-            <a:pPr marL="0" indent="0">
-              <a:buNone/>
-            </a:pPr>
-            <a:endParaRPr lang="en-US" b="1" dirty="0">
-              <a:latin typeface="Inconsolata" panose="020B0609030003000000" pitchFamily="49" charset="77"/>
-            </a:endParaRPr>
-          </a:p>
-          <a:p>
-            <a:pPr marL="0" indent="0">
-              <a:buNone/>
-            </a:pPr>
-            <a:r>
-              <a:rPr lang="en-US" b="1" dirty="0">
-                <a:latin typeface="Inconsolata" panose="020B0609030003000000" pitchFamily="49" charset="77"/>
-              </a:rPr>
-              <a:t> </a:t>
-            </a:r>
-          </a:p>
-          <a:p>
-            <a:pPr marL="0" indent="0">
-              <a:buNone/>
-            </a:pPr>
-            <a:endParaRPr lang="en-US" b="1" dirty="0">
-              <a:latin typeface="Inconsolata" panose="020B0609030003000000" pitchFamily="49" charset="77"/>
-            </a:endParaRPr>
-          </a:p>
-          <a:p>
-            <a:pPr marL="0" indent="0">
-              <a:buNone/>
-            </a:pPr>
-            <a:endParaRPr lang="en-US" b="1" dirty="0">
-              <a:latin typeface="Inconsolata" panose="020B0609030003000000" pitchFamily="49" charset="77"/>
-            </a:endParaRPr>
-          </a:p>
-        </p:txBody>
-      </p:sp>
-    </p:spTree>
-    <p:extLst>
-      <p:ext uri="{BB962C8B-B14F-4D97-AF65-F5344CB8AC3E}">
-        <p14:creationId xmlns:p14="http://schemas.microsoft.com/office/powerpoint/2010/main" val="2217973748"/>
-      </p:ext>
-    </p:extLst>
-  </p:cSld>
-  <p:clrMapOvr>
-    <a:masterClrMapping/>
-  </p:clrMapOvr>
-  <p:timing>
-    <p:tnLst>
-      <p:par>
-        <p:cTn id="1" dur="indefinite" restart="never" nodeType="tmRoot">
-          <p:childTnLst>
-            <p:seq concurrent="1" nextAc="seek">
-              <p:cTn id="2" dur="indefinite" nodeType="mainSeq">
-                <p:childTnLst>
-                  <p:par>
-                    <p:cTn id="3" fill="hold">
-                      <p:stCondLst>
-                        <p:cond delay="indefinite"/>
-                      </p:stCondLst>
-                      <p:childTnLst>
-                        <p:par>
-                          <p:cTn id="4" fill="hold">
-                            <p:stCondLst>
-                              <p:cond delay="0"/>
-                            </p:stCondLst>
-                            <p:childTnLst>
-                              <p:par>
-                                <p:cTn id="5" presetID="1" presetClass="entr" presetSubtype="0" fill="hold" nodeType="clickEffect">
-                                  <p:stCondLst>
-                                    <p:cond delay="0"/>
-                                  </p:stCondLst>
-                                  <p:childTnLst>
-                                    <p:set>
-                                      <p:cBhvr>
-                                        <p:cTn id="6" dur="1" fill="hold">
-                                          <p:stCondLst>
-                                            <p:cond delay="0"/>
-                                          </p:stCondLst>
-                                        </p:cTn>
-                                        <p:tgtEl>
-                                          <p:spTgt spid="9">
-                                            <p:txEl>
-                                              <p:pRg st="2" end="2"/>
-                                            </p:txEl>
-                                          </p:spTgt>
-                                        </p:tgtEl>
-                                        <p:attrNameLst>
-                                          <p:attrName>style.visibility</p:attrName>
-                                        </p:attrNameLst>
-                                      </p:cBhvr>
-                                      <p:to>
-                                        <p:strVal val="visible"/>
-                                      </p:to>
-                                    </p:set>
-                                  </p:childTnLst>
-                                </p:cTn>
-                              </p:par>
-                              <p:par>
-                                <p:cTn id="7" presetID="1" presetClass="entr" presetSubtype="0" fill="hold" nodeType="withEffect">
-                                  <p:stCondLst>
-                                    <p:cond delay="0"/>
-                                  </p:stCondLst>
-                                  <p:childTnLst>
-                                    <p:set>
-                                      <p:cBhvr>
-                                        <p:cTn id="8" dur="1" fill="hold">
-                                          <p:stCondLst>
-                                            <p:cond delay="0"/>
-                                          </p:stCondLst>
-                                        </p:cTn>
-                                        <p:tgtEl>
-                                          <p:spTgt spid="9">
-                                            <p:txEl>
-                                              <p:pRg st="4" end="4"/>
-                                            </p:txEl>
-                                          </p:spTgt>
-                                        </p:tgtEl>
-                                        <p:attrNameLst>
-                                          <p:attrName>style.visibility</p:attrName>
-                                        </p:attrNameLst>
-                                      </p:cBhvr>
-                                      <p:to>
-                                        <p:strVal val="visible"/>
-                                      </p:to>
-                                    </p:set>
-                                  </p:childTnLst>
-                                </p:cTn>
-                              </p:par>
-                              <p:par>
-                                <p:cTn id="9" presetID="1" presetClass="entr" presetSubtype="0" fill="hold" nodeType="withEffect">
-                                  <p:stCondLst>
-                                    <p:cond delay="0"/>
-                                  </p:stCondLst>
-                                  <p:childTnLst>
-                                    <p:set>
-                                      <p:cBhvr>
-                                        <p:cTn id="10" dur="1" fill="hold">
-                                          <p:stCondLst>
-                                            <p:cond delay="0"/>
-                                          </p:stCondLst>
-                                        </p:cTn>
-                                        <p:tgtEl>
-                                          <p:spTgt spid="9">
-                                            <p:txEl>
-                                              <p:pRg st="5" end="5"/>
-                                            </p:txEl>
-                                          </p:spTgt>
-                                        </p:tgtEl>
-                                        <p:attrNameLst>
-                                          <p:attrName>style.visibility</p:attrName>
-                                        </p:attrNameLst>
-                                      </p:cBhvr>
-                                      <p:to>
-                                        <p:strVal val="visible"/>
-                                      </p:to>
-                                    </p:set>
-                                  </p:childTnLst>
-                                </p:cTn>
-                              </p:par>
-                            </p:childTnLst>
-                          </p:cTn>
-                        </p:par>
-                      </p:childTnLst>
-                    </p:cTn>
-                  </p:par>
-                  <p:par>
-                    <p:cTn id="11" fill="hold">
-                      <p:stCondLst>
-                        <p:cond delay="indefinite"/>
-                      </p:stCondLst>
-                      <p:childTnLst>
-                        <p:par>
-                          <p:cTn id="12" fill="hold">
-                            <p:stCondLst>
-                              <p:cond delay="0"/>
-                            </p:stCondLst>
-                            <p:childTnLst>
-                              <p:par>
-                                <p:cTn id="13" presetID="1" presetClass="entr" presetSubtype="0" fill="hold" nodeType="clickEffect">
-                                  <p:stCondLst>
-                                    <p:cond delay="0"/>
-                                  </p:stCondLst>
-                                  <p:childTnLst>
-                                    <p:set>
-                                      <p:cBhvr>
-                                        <p:cTn id="14" dur="1" fill="hold">
-                                          <p:stCondLst>
-                                            <p:cond delay="0"/>
-                                          </p:stCondLst>
-                                        </p:cTn>
-                                        <p:tgtEl>
-                                          <p:spTgt spid="9">
-                                            <p:txEl>
-                                              <p:pRg st="7" end="7"/>
-                                            </p:txEl>
-                                          </p:spTgt>
-                                        </p:tgtEl>
-                                        <p:attrNameLst>
-                                          <p:attrName>style.visibility</p:attrName>
-                                        </p:attrNameLst>
-                                      </p:cBhvr>
-                                      <p:to>
-                                        <p:strVal val="visible"/>
-                                      </p:to>
-                                    </p:set>
-                                  </p:childTnLst>
-                                </p:cTn>
-                              </p:par>
-                              <p:par>
-                                <p:cTn id="15" presetID="1" presetClass="entr" presetSubtype="0" fill="hold" nodeType="withEffect">
-                                  <p:stCondLst>
-                                    <p:cond delay="0"/>
-                                  </p:stCondLst>
-                                  <p:childTnLst>
-                                    <p:set>
-                                      <p:cBhvr>
-                                        <p:cTn id="16" dur="1" fill="hold">
-                                          <p:stCondLst>
-                                            <p:cond delay="0"/>
-                                          </p:stCondLst>
-                                        </p:cTn>
-                                        <p:tgtEl>
-                                          <p:spTgt spid="9">
-                                            <p:txEl>
-                                              <p:pRg st="8" end="8"/>
-                                            </p:txEl>
-                                          </p:spTgt>
-                                        </p:tgtEl>
-                                        <p:attrNameLst>
-                                          <p:attrName>style.visibility</p:attrName>
-                                        </p:attrNameLst>
-                                      </p:cBhvr>
-                                      <p:to>
-                                        <p:strVal val="visible"/>
-                                      </p:to>
-                                    </p:set>
-                                  </p:childTnLst>
-                                </p:cTn>
-                              </p:par>
-                            </p:childTnLst>
-                          </p:cTn>
-                        </p:par>
-                      </p:childTnLst>
-                    </p:cTn>
-                  </p:par>
-                </p:childTnLst>
-              </p:cTn>
-              <p:prevCondLst>
-                <p:cond evt="onPrev" delay="0">
-                  <p:tgtEl>
-                    <p:sldTgt/>
-                  </p:tgtEl>
-                </p:cond>
-              </p:prevCondLst>
-              <p:nextCondLst>
-                <p:cond evt="onNext" delay="0">
-                  <p:tgtEl>
-                    <p:sldTgt/>
-                  </p:tgtEl>
-                </p:cond>
-              </p:nextCondLst>
-            </p:seq>
-          </p:childTnLst>
-        </p:cTn>
-      </p:par>
-    </p:tnLst>
-  </p:timing>
-</p:sld>
-</file>
-
-<file path=ppt/slides/slide7.xml><?xml version="1.0" encoding="utf-8"?>
 <p:sld xmlns:a="http://schemas.openxmlformats.org/drawingml/2006/main" xmlns:r="http://schemas.openxmlformats.org/officeDocument/2006/relationships" xmlns:p="http://schemas.openxmlformats.org/presentationml/2006/main">
   <p:cSld>
     <p:spTree>
@@ -20260,7 +17190,7 @@
 </p:sld>
 </file>
 
-<file path=ppt/slides/slide8.xml><?xml version="1.0" encoding="utf-8"?>
+<file path=ppt/slides/slide7.xml><?xml version="1.0" encoding="utf-8"?>
 <p:sld xmlns:a="http://schemas.openxmlformats.org/drawingml/2006/main" xmlns:r="http://schemas.openxmlformats.org/officeDocument/2006/relationships" xmlns:p="http://schemas.openxmlformats.org/presentationml/2006/main">
   <p:cSld>
     <p:spTree>
@@ -20329,7 +17259,7 @@
         <p:spPr>
           <a:xfrm>
             <a:off x="483848" y="1150913"/>
-            <a:ext cx="8051725" cy="4440590"/>
+            <a:ext cx="8526588" cy="4440590"/>
           </a:xfrm>
         </p:spPr>
         <p:txBody>
@@ -20359,36 +17289,6 @@
                 </a:solidFill>
                 <a:latin typeface="Inconsolata" panose="020B0609030003000000" pitchFamily="49" charset="77"/>
               </a:rPr>
-              <a:t>In </a:t>
-            </a:r>
-            <a:r>
-              <a:rPr lang="en-US" sz="1900" b="1" dirty="0">
-                <a:latin typeface="Inconsolata" panose="020B0609030003000000" pitchFamily="49" charset="77"/>
-              </a:rPr>
-              <a:t>[</a:t>
-            </a:r>
-            <a:r>
-              <a:rPr lang="en-US" sz="1900" b="1" dirty="0">
-                <a:solidFill>
-                  <a:srgbClr val="FF6600"/>
-                </a:solidFill>
-                <a:latin typeface="Inconsolata" panose="020B0609030003000000" pitchFamily="49" charset="77"/>
-              </a:rPr>
-              <a:t>1</a:t>
-            </a:r>
-            <a:r>
-              <a:rPr lang="en-US" sz="1900" b="1" dirty="0">
-                <a:latin typeface="Inconsolata" panose="020B0609030003000000" pitchFamily="49" charset="77"/>
-              </a:rPr>
-              <a:t>]: </a:t>
-            </a:r>
-            <a:r>
-              <a:rPr lang="en-US" sz="1900" b="1" dirty="0">
-                <a:solidFill>
-                  <a:srgbClr val="000087"/>
-                </a:solidFill>
-                <a:latin typeface="Inconsolata" panose="020B0609030003000000" pitchFamily="49" charset="77"/>
-              </a:rPr>
               <a:t>language = </a:t>
             </a:r>
             <a:r>
@@ -20415,7 +17315,7 @@
                 </a:solidFill>
                 <a:latin typeface="Inconsolata" panose="020B0609030003000000" pitchFamily="49" charset="77"/>
               </a:rPr>
-              <a:t>In </a:t>
+              <a:t>print(language</a:t>
             </a:r>
             <a:r>
               <a:rPr lang="en-US" sz="1900" b="1" dirty="0">
@@ -20430,43 +17330,13 @@
                 </a:solidFill>
                 <a:latin typeface="Inconsolata" panose="020B0609030003000000" pitchFamily="49" charset="77"/>
               </a:rPr>
-              <a:t>2</a:t>
+              <a:t>0:4</a:t>
             </a:r>
             <a:r>
               <a:rPr lang="en-US" sz="1900" b="1" dirty="0">
                 <a:latin typeface="Inconsolata" panose="020B0609030003000000" pitchFamily="49" charset="77"/>
               </a:rPr>
-              <a:t>]:  </a:t>
-            </a:r>
-            <a:r>
-              <a:rPr lang="en-US" sz="1900" b="1" dirty="0">
-                <a:solidFill>
-                  <a:srgbClr val="000087"/>
-                </a:solidFill>
-                <a:latin typeface="Inconsolata" panose="020B0609030003000000" pitchFamily="49" charset="77"/>
-              </a:rPr>
-              <a:t>language</a:t>
-            </a:r>
-            <a:r>
-              <a:rPr lang="en-US" sz="1900" b="1" dirty="0">
-                <a:latin typeface="Inconsolata" panose="020B0609030003000000" pitchFamily="49" charset="77"/>
-              </a:rPr>
-              <a:t>[</a:t>
-            </a:r>
-            <a:r>
-              <a:rPr lang="en-US" sz="1900" b="1" dirty="0">
-                <a:solidFill>
-                  <a:srgbClr val="FF6600"/>
-                </a:solidFill>
-                <a:latin typeface="Inconsolata" panose="020B0609030003000000" pitchFamily="49" charset="77"/>
-              </a:rPr>
-              <a:t>0:4</a:t>
-            </a:r>
-            <a:r>
-              <a:rPr lang="en-US" sz="1900" b="1" dirty="0">
-                <a:latin typeface="Inconsolata" panose="020B0609030003000000" pitchFamily="49" charset="77"/>
-              </a:rPr>
-              <a:t>] </a:t>
+              <a:t>]) 	</a:t>
             </a:r>
             <a:r>
               <a:rPr lang="en-US" sz="1900" b="1" i="1" dirty="0">
@@ -20475,7 +17345,16 @@
                 </a:solidFill>
                 <a:latin typeface="Inconsolata" panose="020B0609030003000000" pitchFamily="49" charset="77"/>
               </a:rPr>
-              <a:t># 0 up to but not including index 4</a:t>
+              <a:t># </a:t>
+            </a:r>
+            <a:r>
+              <a:rPr lang="en-US" sz="1900" b="1" i="1" dirty="0" err="1">
+                <a:solidFill>
+                  <a:srgbClr val="33566B"/>
+                </a:solidFill>
+                <a:latin typeface="Inconsolata" panose="020B0609030003000000" pitchFamily="49" charset="77"/>
+              </a:rPr>
+              <a:t>pyth</a:t>
             </a:r>
             <a:endParaRPr lang="en-US" sz="1900" b="1" dirty="0">
               <a:latin typeface="Inconsolata" panose="020B0609030003000000" pitchFamily="49" charset="77"/>
@@ -20486,28 +17365,14 @@
               <a:buNone/>
             </a:pPr>
             <a:r>
-              <a:rPr lang="en-US" sz="1900" b="1" dirty="0">
-                <a:latin typeface="Inconsolata" panose="020B0609030003000000" pitchFamily="49" charset="77"/>
-              </a:rPr>
-              <a:t>Out [2]: ‘</a:t>
-            </a:r>
-            <a:r>
-              <a:rPr lang="en-US" sz="1900" b="1" dirty="0" err="1">
-                <a:latin typeface="Inconsolata" panose="020B0609030003000000" pitchFamily="49" charset="77"/>
-              </a:rPr>
-              <a:t>pyth</a:t>
-            </a:r>
-            <a:r>
-              <a:rPr lang="en-US" sz="1900" b="1" dirty="0">
-                <a:latin typeface="Inconsolata" panose="020B0609030003000000" pitchFamily="49" charset="77"/>
-              </a:rPr>
-              <a:t>’ </a:t>
-            </a:r>
-          </a:p>
-          <a:p>
-            <a:pPr marL="0" indent="0">
-              <a:buNone/>
-            </a:pPr>
+              <a:rPr lang="en-US" sz="1900" b="1" i="1" dirty="0">
+                <a:solidFill>
+                  <a:srgbClr val="33566B"/>
+                </a:solidFill>
+                <a:latin typeface="Inconsolata" panose="020B0609030003000000" pitchFamily="49" charset="77"/>
+              </a:rPr>
+              <a:t>				# 0 up to but not including index 4</a:t>
+            </a:r>
             <a:endParaRPr lang="en-US" sz="1900" b="1" dirty="0">
               <a:latin typeface="Inconsolata" panose="020B0609030003000000" pitchFamily="49" charset="77"/>
             </a:endParaRPr>
@@ -20516,75 +17381,6 @@
             <a:pPr marL="0" indent="0">
               <a:buNone/>
             </a:pPr>
-            <a:r>
-              <a:rPr lang="en-US" sz="1900" b="1" dirty="0">
-                <a:solidFill>
-                  <a:srgbClr val="000087"/>
-                </a:solidFill>
-                <a:latin typeface="Inconsolata" panose="020B0609030003000000" pitchFamily="49" charset="77"/>
-              </a:rPr>
-              <a:t>In </a:t>
-            </a:r>
-            <a:r>
-              <a:rPr lang="en-US" sz="1900" b="1" dirty="0">
-                <a:latin typeface="Inconsolata" panose="020B0609030003000000" pitchFamily="49" charset="77"/>
-              </a:rPr>
-              <a:t>[</a:t>
-            </a:r>
-            <a:r>
-              <a:rPr lang="en-US" sz="1900" b="1" dirty="0">
-                <a:solidFill>
-                  <a:srgbClr val="FF6600"/>
-                </a:solidFill>
-                <a:latin typeface="Inconsolata" panose="020B0609030003000000" pitchFamily="49" charset="77"/>
-              </a:rPr>
-              <a:t>3</a:t>
-            </a:r>
-            <a:r>
-              <a:rPr lang="en-US" sz="1900" b="1" dirty="0">
-                <a:latin typeface="Inconsolata" panose="020B0609030003000000" pitchFamily="49" charset="77"/>
-              </a:rPr>
-              <a:t>]:  </a:t>
-            </a:r>
-            <a:r>
-              <a:rPr lang="en-US" sz="1900" b="1" dirty="0">
-                <a:solidFill>
-                  <a:srgbClr val="000087"/>
-                </a:solidFill>
-                <a:latin typeface="Inconsolata" panose="020B0609030003000000" pitchFamily="49" charset="77"/>
-              </a:rPr>
-              <a:t>language</a:t>
-            </a:r>
-            <a:r>
-              <a:rPr lang="en-US" sz="1900" b="1" dirty="0">
-                <a:latin typeface="Inconsolata" panose="020B0609030003000000" pitchFamily="49" charset="77"/>
-              </a:rPr>
-              <a:t>[</a:t>
-            </a:r>
-            <a:r>
-              <a:rPr lang="en-US" sz="1900" b="1" dirty="0">
-                <a:solidFill>
-                  <a:srgbClr val="FF6600"/>
-                </a:solidFill>
-                <a:latin typeface="Inconsolata" panose="020B0609030003000000" pitchFamily="49" charset="77"/>
-              </a:rPr>
-              <a:t>0:5:2</a:t>
-            </a:r>
-            <a:r>
-              <a:rPr lang="en-US" sz="1900" b="1" dirty="0">
-                <a:latin typeface="Inconsolata" panose="020B0609030003000000" pitchFamily="49" charset="77"/>
-              </a:rPr>
-              <a:t>] </a:t>
-            </a:r>
-            <a:r>
-              <a:rPr lang="en-US" sz="1900" b="1" i="1" dirty="0">
-                <a:solidFill>
-                  <a:srgbClr val="33566B"/>
-                </a:solidFill>
-                <a:latin typeface="Inconsolata" panose="020B0609030003000000" pitchFamily="49" charset="77"/>
-              </a:rPr>
-              <a:t># step size of 2</a:t>
-            </a:r>
             <a:endParaRPr lang="en-US" sz="1900" b="1" dirty="0">
               <a:latin typeface="Inconsolata" panose="020B0609030003000000" pitchFamily="49" charset="77"/>
             </a:endParaRPr>
@@ -20595,27 +17391,220 @@
             </a:pPr>
             <a:r>
               <a:rPr lang="en-US" sz="1900" b="1" dirty="0">
-                <a:latin typeface="Inconsolata" panose="020B0609030003000000" pitchFamily="49" charset="77"/>
-              </a:rPr>
-              <a:t>Out [3]: ‘</a:t>
-            </a:r>
-            <a:r>
-              <a:rPr lang="en-US" sz="1900" b="1" dirty="0" err="1">
+                <a:solidFill>
+                  <a:srgbClr val="000087"/>
+                </a:solidFill>
+                <a:latin typeface="Inconsolata" panose="020B0609030003000000" pitchFamily="49" charset="77"/>
+              </a:rPr>
+              <a:t>print(language</a:t>
+            </a:r>
+            <a:r>
+              <a:rPr lang="en-US" sz="1900" b="1" dirty="0">
+                <a:latin typeface="Inconsolata" panose="020B0609030003000000" pitchFamily="49" charset="77"/>
+              </a:rPr>
+              <a:t>[</a:t>
+            </a:r>
+            <a:r>
+              <a:rPr lang="en-US" sz="1900" b="1" dirty="0">
+                <a:solidFill>
+                  <a:srgbClr val="FF6600"/>
+                </a:solidFill>
+                <a:latin typeface="Inconsolata" panose="020B0609030003000000" pitchFamily="49" charset="77"/>
+              </a:rPr>
+              <a:t>0:5:2</a:t>
+            </a:r>
+            <a:r>
+              <a:rPr lang="en-US" sz="1900" b="1" dirty="0">
+                <a:latin typeface="Inconsolata" panose="020B0609030003000000" pitchFamily="49" charset="77"/>
+              </a:rPr>
+              <a:t>]) </a:t>
+            </a:r>
+            <a:r>
+              <a:rPr lang="en-US" sz="1900" b="1" i="1" dirty="0">
+                <a:solidFill>
+                  <a:srgbClr val="33566B"/>
+                </a:solidFill>
+                <a:latin typeface="Inconsolata" panose="020B0609030003000000" pitchFamily="49" charset="77"/>
+              </a:rPr>
+              <a:t># </a:t>
+            </a:r>
+            <a:r>
+              <a:rPr lang="en-US" sz="1900" b="1" i="1" dirty="0" err="1">
+                <a:solidFill>
+                  <a:srgbClr val="33566B"/>
+                </a:solidFill>
                 <a:latin typeface="Inconsolata" panose="020B0609030003000000" pitchFamily="49" charset="77"/>
               </a:rPr>
               <a:t>pto</a:t>
             </a:r>
             <a:r>
+              <a:rPr lang="en-US" sz="1900" b="1" i="1" dirty="0">
+                <a:solidFill>
+                  <a:srgbClr val="33566B"/>
+                </a:solidFill>
+                <a:latin typeface="Inconsolata" panose="020B0609030003000000" pitchFamily="49" charset="77"/>
+              </a:rPr>
+              <a:t>, step size of 2</a:t>
+            </a:r>
+            <a:endParaRPr lang="en-US" sz="1900" b="1" dirty="0">
+              <a:latin typeface="Inconsolata" panose="020B0609030003000000" pitchFamily="49" charset="77"/>
+            </a:endParaRPr>
+          </a:p>
+          <a:p>
+            <a:pPr marL="0" indent="0">
+              <a:buNone/>
+            </a:pPr>
+            <a:r>
               <a:rPr lang="en-US" sz="1900" b="1" dirty="0">
-                <a:latin typeface="Inconsolata" panose="020B0609030003000000" pitchFamily="49" charset="77"/>
-              </a:rPr>
-              <a:t>' </a:t>
-            </a:r>
-          </a:p>
-          <a:p>
-            <a:pPr marL="0" indent="0">
-              <a:buNone/>
-            </a:pPr>
+                <a:solidFill>
+                  <a:srgbClr val="000087"/>
+                </a:solidFill>
+                <a:latin typeface="Inconsolata" panose="020B0609030003000000" pitchFamily="49" charset="77"/>
+              </a:rPr>
+              <a:t>print(language</a:t>
+            </a:r>
+            <a:r>
+              <a:rPr lang="en-US" sz="1900" b="1" dirty="0">
+                <a:latin typeface="Inconsolata" panose="020B0609030003000000" pitchFamily="49" charset="77"/>
+              </a:rPr>
+              <a:t>[</a:t>
+            </a:r>
+            <a:r>
+              <a:rPr lang="en-US" sz="1900" b="1" dirty="0">
+                <a:solidFill>
+                  <a:srgbClr val="FF6600"/>
+                </a:solidFill>
+                <a:latin typeface="Inconsolata" panose="020B0609030003000000" pitchFamily="49" charset="77"/>
+              </a:rPr>
+              <a:t>:4</a:t>
+            </a:r>
+            <a:r>
+              <a:rPr lang="en-US" sz="1900" b="1" dirty="0">
+                <a:latin typeface="Inconsolata" panose="020B0609030003000000" pitchFamily="49" charset="77"/>
+              </a:rPr>
+              <a:t>]) 	</a:t>
+            </a:r>
+            <a:r>
+              <a:rPr lang="en-US" sz="1900" b="1" i="1" dirty="0">
+                <a:solidFill>
+                  <a:srgbClr val="33566B"/>
+                </a:solidFill>
+                <a:latin typeface="Inconsolata" panose="020B0609030003000000" pitchFamily="49" charset="77"/>
+              </a:rPr>
+              <a:t># </a:t>
+            </a:r>
+            <a:r>
+              <a:rPr lang="en-US" sz="1900" b="1" i="1" dirty="0" err="1">
+                <a:solidFill>
+                  <a:srgbClr val="33566B"/>
+                </a:solidFill>
+                <a:latin typeface="Inconsolata" panose="020B0609030003000000" pitchFamily="49" charset="77"/>
+              </a:rPr>
+              <a:t>pyth</a:t>
+            </a:r>
+            <a:r>
+              <a:rPr lang="en-US" sz="1900" b="1" i="1" dirty="0">
+                <a:solidFill>
+                  <a:srgbClr val="33566B"/>
+                </a:solidFill>
+                <a:latin typeface="Inconsolata" panose="020B0609030003000000" pitchFamily="49" charset="77"/>
+              </a:rPr>
+              <a:t>, default start index at 0</a:t>
+            </a:r>
+            <a:endParaRPr lang="en-US" sz="1900" b="1" dirty="0">
+              <a:latin typeface="Inconsolata" panose="020B0609030003000000" pitchFamily="49" charset="77"/>
+            </a:endParaRPr>
+          </a:p>
+          <a:p>
+            <a:pPr marL="0" indent="0">
+              <a:buNone/>
+            </a:pPr>
+            <a:r>
+              <a:rPr lang="en-US" sz="1900" b="1" dirty="0">
+                <a:solidFill>
+                  <a:srgbClr val="000087"/>
+                </a:solidFill>
+                <a:latin typeface="Inconsolata" panose="020B0609030003000000" pitchFamily="49" charset="77"/>
+              </a:rPr>
+              <a:t>print(language</a:t>
+            </a:r>
+            <a:r>
+              <a:rPr lang="en-US" sz="1900" b="1" dirty="0">
+                <a:latin typeface="Inconsolata" panose="020B0609030003000000" pitchFamily="49" charset="77"/>
+              </a:rPr>
+              <a:t>[</a:t>
+            </a:r>
+            <a:r>
+              <a:rPr lang="en-US" sz="1900" b="1" dirty="0">
+                <a:solidFill>
+                  <a:srgbClr val="FF6600"/>
+                </a:solidFill>
+                <a:latin typeface="Inconsolata" panose="020B0609030003000000" pitchFamily="49" charset="77"/>
+              </a:rPr>
+              <a:t>4:</a:t>
+            </a:r>
+            <a:r>
+              <a:rPr lang="en-US" sz="1900" b="1" dirty="0">
+                <a:latin typeface="Inconsolata" panose="020B0609030003000000" pitchFamily="49" charset="77"/>
+              </a:rPr>
+              <a:t>]) 	</a:t>
+            </a:r>
+            <a:r>
+              <a:rPr lang="en-US" sz="1900" b="1" i="1" dirty="0">
+                <a:solidFill>
+                  <a:srgbClr val="33566B"/>
+                </a:solidFill>
+                <a:latin typeface="Inconsolata" panose="020B0609030003000000" pitchFamily="49" charset="77"/>
+              </a:rPr>
+              <a:t># on, default end index is length of string</a:t>
+            </a:r>
+            <a:endParaRPr lang="en-US" sz="1900" b="1" dirty="0">
+              <a:latin typeface="Inconsolata" panose="020B0609030003000000" pitchFamily="49" charset="77"/>
+            </a:endParaRPr>
+          </a:p>
+          <a:p>
+            <a:pPr marL="0" indent="0">
+              <a:buNone/>
+            </a:pPr>
+            <a:r>
+              <a:rPr lang="en-US" sz="1900" b="1" dirty="0">
+                <a:solidFill>
+                  <a:srgbClr val="000087"/>
+                </a:solidFill>
+                <a:latin typeface="Inconsolata" panose="020B0609030003000000" pitchFamily="49" charset="77"/>
+              </a:rPr>
+              <a:t>print(language</a:t>
+            </a:r>
+            <a:r>
+              <a:rPr lang="en-US" sz="1900" b="1" dirty="0">
+                <a:latin typeface="Inconsolata" panose="020B0609030003000000" pitchFamily="49" charset="77"/>
+              </a:rPr>
+              <a:t>[</a:t>
+            </a:r>
+            <a:r>
+              <a:rPr lang="en-US" sz="1900" b="1" dirty="0">
+                <a:solidFill>
+                  <a:srgbClr val="FF6600"/>
+                </a:solidFill>
+                <a:latin typeface="Inconsolata" panose="020B0609030003000000" pitchFamily="49" charset="77"/>
+              </a:rPr>
+              <a:t>:</a:t>
+            </a:r>
+            <a:r>
+              <a:rPr lang="en-US" sz="1900" b="1" dirty="0">
+                <a:latin typeface="Inconsolata" panose="020B0609030003000000" pitchFamily="49" charset="77"/>
+              </a:rPr>
+              <a:t>]) 	</a:t>
+            </a:r>
+            <a:r>
+              <a:rPr lang="en-US" sz="1900" b="1" i="1" dirty="0">
+                <a:solidFill>
+                  <a:srgbClr val="33566B"/>
+                </a:solidFill>
+                <a:latin typeface="Inconsolata" panose="020B0609030003000000" pitchFamily="49" charset="77"/>
+              </a:rPr>
+              <a:t># python, 0 to end of string</a:t>
+            </a:r>
             <a:endParaRPr lang="en-US" sz="1900" b="1" dirty="0">
               <a:latin typeface="Inconsolata" panose="020B0609030003000000" pitchFamily="49" charset="77"/>
             </a:endParaRPr>
@@ -20785,15 +17774,33 @@
                                   </p:childTnLst>
                                 </p:cTn>
                               </p:par>
+                            </p:childTnLst>
+                          </p:cTn>
+                        </p:par>
+                      </p:childTnLst>
+                    </p:cTn>
+                  </p:par>
+                  <p:par>
+                    <p:cTn id="7" fill="hold">
+                      <p:stCondLst>
+                        <p:cond delay="indefinite"/>
+                      </p:stCondLst>
+                      <p:childTnLst>
+                        <p:par>
+                          <p:cTn id="8" fill="hold">
+                            <p:stCondLst>
+                              <p:cond delay="0"/>
+                            </p:stCondLst>
+                            <p:childTnLst>
                               <p:par>
-                                <p:cTn id="7" presetID="1" presetClass="entr" presetSubtype="0" fill="hold" nodeType="withEffect">
+                                <p:cTn id="9" presetID="1" presetClass="entr" presetSubtype="0" fill="hold" nodeType="clickEffect">
                                   <p:stCondLst>
                                     <p:cond delay="0"/>
                                   </p:stCondLst>
                                   <p:childTnLst>
                                     <p:set>
                                       <p:cBhvr>
-                                        <p:cTn id="8" dur="1" fill="hold">
+                                        <p:cTn id="10" dur="1" fill="hold">
                                           <p:stCondLst>
                                             <p:cond delay="0"/>
                                           </p:stCondLst>
@@ -20802,6 +17809,104 @@
                                           <p:spTgt spid="9">
                                             <p:txEl>
                                               <p:pRg st="6" end="6"/>
+                                            </p:txEl>
+                                          </p:spTgt>
+                                        </p:tgtEl>
+                                        <p:attrNameLst>
+                                          <p:attrName>style.visibility</p:attrName>
+                                        </p:attrNameLst>
+                                      </p:cBhvr>
+                                      <p:to>
+                                        <p:strVal val="visible"/>
+                                      </p:to>
+                                    </p:set>
+                                  </p:childTnLst>
+                                </p:cTn>
+                              </p:par>
+                            </p:childTnLst>
+                          </p:cTn>
+                        </p:par>
+                      </p:childTnLst>
+                    </p:cTn>
+                  </p:par>
+                  <p:par>
+                    <p:cTn id="11" fill="hold">
+                      <p:stCondLst>
+                        <p:cond delay="indefinite"/>
+                      </p:stCondLst>
+                      <p:childTnLst>
+                        <p:par>
+                          <p:cTn id="12" fill="hold">
+                            <p:stCondLst>
+                              <p:cond delay="0"/>
+                            </p:stCondLst>
+                            <p:childTnLst>
+                              <p:par>
+                                <p:cTn id="13" presetID="1" presetClass="entr" presetSubtype="0" fill="hold" nodeType="clickEffect">
+                                  <p:stCondLst>
+                                    <p:cond delay="0"/>
+                                  </p:stCondLst>
+                                  <p:childTnLst>
+                                    <p:set>
+                                      <p:cBhvr>
+                                        <p:cTn id="14" dur="1" fill="hold">
+                                          <p:stCondLst>
+                                            <p:cond delay="0"/>
+                                          </p:stCondLst>
+                                        </p:cTn>
+                                        <p:tgtEl>
+                                          <p:spTgt spid="9">
+                                            <p:txEl>
+                                              <p:pRg st="7" end="7"/>
+                                            </p:txEl>
+                                          </p:spTgt>
+                                        </p:tgtEl>
+                                        <p:attrNameLst>
+                                          <p:attrName>style.visibility</p:attrName>
+                                        </p:attrNameLst>
+                                      </p:cBhvr>
+                                      <p:to>
+                                        <p:strVal val="visible"/>
+                                      </p:to>
+                                    </p:set>
+                                  </p:childTnLst>
+                                </p:cTn>
+                              </p:par>
+                            </p:childTnLst>
+                          </p:cTn>
+                        </p:par>
+                      </p:childTnLst>
+                    </p:cTn>
+                  </p:par>
+                  <p:par>
+                    <p:cTn id="15" fill="hold">
+                      <p:stCondLst>
+                        <p:cond delay="indefinite"/>
+                      </p:stCondLst>
+                      <p:childTnLst>
+                        <p:par>
+                          <p:cTn id="16" fill="hold">
+                            <p:stCondLst>
+                              <p:cond delay="0"/>
+                            </p:stCondLst>
+                            <p:childTnLst>
+                              <p:par>
+                                <p:cTn id="17" presetID="1" presetClass="entr" presetSubtype="0" fill="hold" nodeType="clickEffect">
+                                  <p:stCondLst>
+                                    <p:cond delay="0"/>
+                                  </p:stCondLst>
+                                  <p:childTnLst>
+                                    <p:set>
+                                      <p:cBhvr>
+                                        <p:cTn id="18" dur="1" fill="hold">
+                                          <p:stCondLst>
+                                            <p:cond delay="0"/>
+                                          </p:stCondLst>
+                                        </p:cTn>
+                                        <p:tgtEl>
+                                          <p:spTgt spid="9">
+                                            <p:txEl>
+                                              <p:pRg st="8" end="8"/>
                                             </p:txEl>
                                           </p:spTgt>
                                         </p:tgtEl>
@@ -20847,7 +17952,7 @@
 </p:sld>
 </file>
 
-<file path=ppt/slides/slide9.xml><?xml version="1.0" encoding="utf-8"?>
+<file path=ppt/slides/slide8.xml><?xml version="1.0" encoding="utf-8"?>
 <p:sld xmlns:a="http://schemas.openxmlformats.org/drawingml/2006/main" xmlns:r="http://schemas.openxmlformats.org/officeDocument/2006/relationships" xmlns:p="http://schemas.openxmlformats.org/presentationml/2006/main">
   <p:cSld>
     <p:spTree>
@@ -20950,7 +18055,7 @@
                 </a:solidFill>
                 <a:latin typeface="Inconsolata" panose="020B0609030003000000" pitchFamily="49" charset="77"/>
               </a:rPr>
-              <a:t>4</a:t>
+              <a:t>8</a:t>
             </a:r>
             <a:r>
               <a:rPr lang="en-US" sz="1900" b="1" dirty="0">
@@ -21009,7 +18114,7 @@
                 </a:solidFill>
                 <a:latin typeface="Inconsolata" panose="020B0609030003000000" pitchFamily="49" charset="77"/>
               </a:rPr>
-              <a:t>5</a:t>
+              <a:t>9</a:t>
             </a:r>
             <a:r>
               <a:rPr lang="en-US" sz="1900" b="1" dirty="0">
@@ -21024,7 +18129,7 @@
                 </a:solidFill>
                 <a:latin typeface="Inconsolata" panose="020B0609030003000000" pitchFamily="49" charset="77"/>
               </a:rPr>
-              <a:t># default start index is 0</a:t>
+              <a:t># negative indices wraps around the end</a:t>
             </a:r>
           </a:p>
           <a:p>
@@ -21062,42 +18167,23 @@
                 </a:solidFill>
                 <a:latin typeface="Inconsolata" panose="020B0609030003000000" pitchFamily="49" charset="77"/>
               </a:rPr>
-              <a:t>:4</a:t>
+              <a:t>-1</a:t>
             </a:r>
             <a:r>
               <a:rPr lang="en-US" sz="1900" b="1" dirty="0">
                 <a:latin typeface="Inconsolata" panose="020B0609030003000000" pitchFamily="49" charset="77"/>
               </a:rPr>
-              <a:t>] </a:t>
-            </a:r>
-          </a:p>
-          <a:p>
-            <a:pPr marL="0" indent="0">
-              <a:buNone/>
-            </a:pPr>
-            <a:r>
-              <a:rPr lang="en-US" sz="1900" b="1" dirty="0">
-                <a:latin typeface="Inconsolata" panose="020B0609030003000000" pitchFamily="49" charset="77"/>
-              </a:rPr>
-              <a:t>Out [5]: ‘</a:t>
-            </a:r>
-            <a:r>
-              <a:rPr lang="en-US" sz="1900" b="1" dirty="0" err="1">
-                <a:latin typeface="Inconsolata" panose="020B0609030003000000" pitchFamily="49" charset="77"/>
-              </a:rPr>
-              <a:t>pyth</a:t>
-            </a:r>
-            <a:r>
-              <a:rPr lang="en-US" sz="1900" b="1" dirty="0">
-                <a:latin typeface="Inconsolata" panose="020B0609030003000000" pitchFamily="49" charset="77"/>
-              </a:rPr>
-              <a:t>' </a:t>
-            </a:r>
-          </a:p>
-          <a:p>
-            <a:pPr marL="0" indent="0">
-              <a:buNone/>
-            </a:pPr>
+              <a:t>]   </a:t>
+            </a:r>
+            <a:r>
+              <a:rPr lang="en-US" sz="1900" b="1" i="1" dirty="0">
+                <a:solidFill>
+                  <a:srgbClr val="33566B"/>
+                </a:solidFill>
+                <a:latin typeface="Inconsolata" panose="020B0609030003000000" pitchFamily="49" charset="77"/>
+              </a:rPr>
+              <a:t># last character </a:t>
+            </a:r>
             <a:endParaRPr lang="en-US" sz="1900" b="1" dirty="0">
               <a:latin typeface="Inconsolata" panose="020B0609030003000000" pitchFamily="49" charset="77"/>
             </a:endParaRPr>
@@ -21108,6 +18194,25 @@
             </a:pPr>
             <a:r>
               <a:rPr lang="en-US" sz="1900" b="1" dirty="0">
+                <a:latin typeface="Inconsolata" panose="020B0609030003000000" pitchFamily="49" charset="77"/>
+              </a:rPr>
+              <a:t>Out [9]: ‘n' </a:t>
+            </a:r>
+          </a:p>
+          <a:p>
+            <a:pPr marL="0" indent="0">
+              <a:buNone/>
+            </a:pPr>
+            <a:endParaRPr lang="en-US" sz="1900" b="1" dirty="0">
+              <a:latin typeface="Inconsolata" panose="020B0609030003000000" pitchFamily="49" charset="77"/>
+            </a:endParaRPr>
+          </a:p>
+          <a:p>
+            <a:pPr marL="0" indent="0">
+              <a:buNone/>
+            </a:pPr>
+            <a:r>
+              <a:rPr lang="en-US" sz="1900" b="1" dirty="0">
                 <a:solidFill>
                   <a:srgbClr val="000087"/>
                 </a:solidFill>
@@ -21128,7 +18233,7 @@
                 </a:solidFill>
                 <a:latin typeface="Inconsolata" panose="020B0609030003000000" pitchFamily="49" charset="77"/>
               </a:rPr>
-              <a:t>6</a:t>
+              <a:t>10</a:t>
             </a:r>
             <a:r>
               <a:rPr lang="en-US" sz="1900" b="1" dirty="0">
@@ -21143,7 +18248,7 @@
                 </a:solidFill>
                 <a:latin typeface="Inconsolata" panose="020B0609030003000000" pitchFamily="49" charset="77"/>
               </a:rPr>
-              <a:t># default end index is length of string</a:t>
+              <a:t># all except the last character</a:t>
             </a:r>
           </a:p>
           <a:p>
@@ -21181,7 +18286,7 @@
                 </a:solidFill>
                 <a:latin typeface="Inconsolata" panose="020B0609030003000000" pitchFamily="49" charset="77"/>
               </a:rPr>
-              <a:t>4:</a:t>
+              <a:t>:-1</a:t>
             </a:r>
             <a:r>
               <a:rPr lang="en-US" sz="1900" b="1" dirty="0">
@@ -21204,7 +18309,19 @@
               <a:rPr lang="en-US" sz="1900" b="1" dirty="0">
                 <a:latin typeface="Inconsolata" panose="020B0609030003000000" pitchFamily="49" charset="77"/>
               </a:rPr>
-              <a:t>Out [6]: ‘on’ </a:t>
+              <a:t>Out [10]: ‘</a:t>
+            </a:r>
+            <a:r>
+              <a:rPr lang="en-US" sz="1900" b="1" dirty="0" err="1">
+                <a:latin typeface="Inconsolata" panose="020B0609030003000000" pitchFamily="49" charset="77"/>
+              </a:rPr>
+              <a:t>pytho</a:t>
+            </a:r>
+            <a:r>
+              <a:rPr lang="en-US" sz="1900" b="1" dirty="0">
+                <a:latin typeface="Inconsolata" panose="020B0609030003000000" pitchFamily="49" charset="77"/>
+              </a:rPr>
+              <a:t>’ </a:t>
             </a:r>
           </a:p>
           <a:p>
@@ -21241,7 +18358,7 @@
                 </a:solidFill>
                 <a:latin typeface="Inconsolata" panose="020B0609030003000000" pitchFamily="49" charset="77"/>
               </a:rPr>
-              <a:t>7</a:t>
+              <a:t>11</a:t>
             </a:r>
             <a:r>
               <a:rPr lang="en-US" sz="1900" b="1" dirty="0">
@@ -21256,11 +18373,25 @@
                 </a:solidFill>
                 <a:latin typeface="Inconsolata" panose="020B0609030003000000" pitchFamily="49" charset="77"/>
               </a:rPr>
-              <a:t> </a:t>
-            </a:r>
+              <a:t># negative step size traverses backwards</a:t>
+            </a:r>
+          </a:p>
+          <a:p>
+            <a:pPr marL="0" indent="0">
+              <a:buNone/>
+            </a:pPr>
             <a:r>
               <a:rPr lang="en-US" sz="1900" b="1" i="1" dirty="0">
                 <a:solidFill>
+                  <a:srgbClr val="33566B"/>
+                </a:solidFill>
+                <a:latin typeface="Inconsolata" panose="020B0609030003000000" pitchFamily="49" charset="77"/>
+              </a:rPr>
+              <a:t>	    </a:t>
+            </a:r>
+            <a:r>
+              <a:rPr lang="en-US" sz="1900" b="1" i="1" dirty="0">
+                <a:solidFill>
                   <a:srgbClr val="000087"/>
                 </a:solidFill>
                 <a:latin typeface="Inconsolata" panose="020B0609030003000000" pitchFamily="49" charset="77"/>
@@ -21280,26 +18411,17 @@
                 </a:solidFill>
                 <a:latin typeface="Inconsolata" panose="020B0609030003000000" pitchFamily="49" charset="77"/>
               </a:rPr>
-              <a:t>:</a:t>
+              <a:t>::-1</a:t>
             </a:r>
             <a:r>
               <a:rPr lang="en-US" sz="1900" b="1" dirty="0">
                 <a:latin typeface="Inconsolata" panose="020B0609030003000000" pitchFamily="49" charset="77"/>
               </a:rPr>
-              <a:t>]  </a:t>
-            </a:r>
-            <a:r>
-              <a:rPr lang="en-US" sz="1900" b="1" i="1" dirty="0">
-                <a:solidFill>
-                  <a:srgbClr val="33566B"/>
-                </a:solidFill>
-                <a:latin typeface="Inconsolata" panose="020B0609030003000000" pitchFamily="49" charset="77"/>
-              </a:rPr>
-              <a:t># default 0 to end of string</a:t>
+              <a:t>] </a:t>
             </a:r>
             <a:endParaRPr lang="en-US" sz="1900" b="1" i="1" dirty="0">
               <a:solidFill>
-                <a:schemeClr val="accent5"/>
+                <a:srgbClr val="33566B"/>
               </a:solidFill>
               <a:latin typeface="Inconsolata" panose="020B0609030003000000" pitchFamily="49" charset="77"/>
             </a:endParaRPr>
@@ -21312,7 +18434,19 @@
               <a:rPr lang="en-US" sz="1900" b="1" dirty="0">
                 <a:latin typeface="Inconsolata" panose="020B0609030003000000" pitchFamily="49" charset="77"/>
               </a:rPr>
-              <a:t>Out [7]: ‘python’ </a:t>
+              <a:t>Out [11]: ‘</a:t>
+            </a:r>
+            <a:r>
+              <a:rPr lang="en-US" sz="1900" b="1" dirty="0" err="1">
+                <a:latin typeface="Inconsolata" panose="020B0609030003000000" pitchFamily="49" charset="77"/>
+              </a:rPr>
+              <a:t>nohtyp</a:t>
+            </a:r>
+            <a:r>
+              <a:rPr lang="en-US" sz="1900" b="1" dirty="0">
+                <a:latin typeface="Inconsolata" panose="020B0609030003000000" pitchFamily="49" charset="77"/>
+              </a:rPr>
+              <a:t>’ </a:t>
             </a:r>
           </a:p>
           <a:p>
@@ -21430,7 +18564,7 @@
     </p:spTree>
     <p:extLst>
       <p:ext uri="{BB962C8B-B14F-4D97-AF65-F5344CB8AC3E}">
-        <p14:creationId xmlns:p14="http://schemas.microsoft.com/office/powerpoint/2010/main" val="3369363658"/>
+        <p14:creationId xmlns:p14="http://schemas.microsoft.com/office/powerpoint/2010/main" val="2479426709"/>
       </p:ext>
     </p:extLst>
   </p:cSld>
@@ -21616,6 +18750,687 @@
                                           <p:spTgt spid="9">
                                             <p:txEl>
                                               <p:pRg st="10" end="10"/>
+                                            </p:txEl>
+                                          </p:spTgt>
+                                        </p:tgtEl>
+                                        <p:attrNameLst>
+                                          <p:attrName>style.visibility</p:attrName>
+                                        </p:attrNameLst>
+                                      </p:cBhvr>
+                                      <p:to>
+                                        <p:strVal val="visible"/>
+                                      </p:to>
+                                    </p:set>
+                                  </p:childTnLst>
+                                </p:cTn>
+                              </p:par>
+                              <p:par>
+                                <p:cTn id="17" presetID="1" presetClass="entr" presetSubtype="0" fill="hold" nodeType="withEffect">
+                                  <p:stCondLst>
+                                    <p:cond delay="0"/>
+                                  </p:stCondLst>
+                                  <p:childTnLst>
+                                    <p:set>
+                                      <p:cBhvr>
+                                        <p:cTn id="18" dur="1" fill="hold">
+                                          <p:stCondLst>
+                                            <p:cond delay="0"/>
+                                          </p:stCondLst>
+                                        </p:cTn>
+                                        <p:tgtEl>
+                                          <p:spTgt spid="9">
+                                            <p:txEl>
+                                              <p:pRg st="11" end="11"/>
+                                            </p:txEl>
+                                          </p:spTgt>
+                                        </p:tgtEl>
+                                        <p:attrNameLst>
+                                          <p:attrName>style.visibility</p:attrName>
+                                        </p:attrNameLst>
+                                      </p:cBhvr>
+                                      <p:to>
+                                        <p:strVal val="visible"/>
+                                      </p:to>
+                                    </p:set>
+                                  </p:childTnLst>
+                                </p:cTn>
+                              </p:par>
+                            </p:childTnLst>
+                          </p:cTn>
+                        </p:par>
+                      </p:childTnLst>
+                    </p:cTn>
+                  </p:par>
+                </p:childTnLst>
+              </p:cTn>
+              <p:prevCondLst>
+                <p:cond evt="onPrev" delay="0">
+                  <p:tgtEl>
+                    <p:sldTgt/>
+                  </p:tgtEl>
+                </p:cond>
+              </p:prevCondLst>
+              <p:nextCondLst>
+                <p:cond evt="onNext" delay="0">
+                  <p:tgtEl>
+                    <p:sldTgt/>
+                  </p:tgtEl>
+                </p:cond>
+              </p:nextCondLst>
+            </p:seq>
+          </p:childTnLst>
+        </p:cTn>
+      </p:par>
+    </p:tnLst>
+  </p:timing>
+</p:sld>
+</file>
+
+<file path=ppt/slides/slide9.xml><?xml version="1.0" encoding="utf-8"?>
+<p:sld xmlns:a="http://schemas.openxmlformats.org/drawingml/2006/main" xmlns:r="http://schemas.openxmlformats.org/officeDocument/2006/relationships" xmlns:p="http://schemas.openxmlformats.org/presentationml/2006/main">
+  <p:cSld>
+    <p:spTree>
+      <p:nvGrpSpPr>
+        <p:cNvPr id="1" name=""/>
+        <p:cNvGrpSpPr/>
+        <p:nvPr/>
+      </p:nvGrpSpPr>
+      <p:grpSpPr>
+        <a:xfrm>
+          <a:off x="0" y="0"/>
+          <a:ext cx="0" cy="0"/>
+          <a:chOff x="0" y="0"/>
+          <a:chExt cx="0" cy="0"/>
+        </a:xfrm>
+      </p:grpSpPr>
+      <p:sp>
+        <p:nvSpPr>
+          <p:cNvPr id="2" name="Title 1">
+            <a:extLst>
+              <a:ext uri="{FF2B5EF4-FFF2-40B4-BE49-F238E27FC236}">
+                <a16:creationId xmlns:a16="http://schemas.microsoft.com/office/drawing/2014/main" id="{AA3A228F-61D0-D949-A5E7-F83756230BF8}"/>
+              </a:ext>
+            </a:extLst>
+          </p:cNvPr>
+          <p:cNvSpPr>
+            <a:spLocks noGrp="1"/>
+          </p:cNvSpPr>
+          <p:nvPr>
+            <p:ph type="title"/>
+          </p:nvPr>
+        </p:nvSpPr>
+        <p:spPr>
+          <a:xfrm>
+            <a:off x="483848" y="467027"/>
+            <a:ext cx="7053542" cy="683886"/>
+          </a:xfrm>
+        </p:spPr>
+        <p:txBody>
+          <a:bodyPr/>
+          <a:lstStyle/>
+          <a:p>
+            <a:r>
+              <a:rPr lang="en-US" dirty="0"/>
+              <a:t>Slicing</a:t>
+            </a:r>
+          </a:p>
+        </p:txBody>
+      </p:sp>
+      <p:sp>
+        <p:nvSpPr>
+          <p:cNvPr id="9" name="Content Placeholder 8">
+            <a:extLst>
+              <a:ext uri="{FF2B5EF4-FFF2-40B4-BE49-F238E27FC236}">
+                <a16:creationId xmlns:a16="http://schemas.microsoft.com/office/drawing/2014/main" id="{E3B2E017-30B2-884B-A113-B419A2ED51AD}"/>
+              </a:ext>
+            </a:extLst>
+          </p:cNvPr>
+          <p:cNvSpPr>
+            <a:spLocks noGrp="1"/>
+          </p:cNvSpPr>
+          <p:nvPr>
+            <p:ph idx="1"/>
+          </p:nvPr>
+        </p:nvSpPr>
+        <p:spPr>
+          <a:xfrm>
+            <a:off x="483848" y="1150913"/>
+            <a:ext cx="8051725" cy="4440590"/>
+          </a:xfrm>
+        </p:spPr>
+        <p:txBody>
+          <a:bodyPr>
+            <a:noAutofit/>
+          </a:bodyPr>
+          <a:lstStyle/>
+          <a:p>
+            <a:pPr marL="0" indent="0">
+              <a:buNone/>
+            </a:pPr>
+            <a:endParaRPr lang="en-US" sz="1900" b="1" dirty="0">
+              <a:solidFill>
+                <a:srgbClr val="000087"/>
+              </a:solidFill>
+              <a:latin typeface="Inconsolata" panose="020B0609030003000000" pitchFamily="49" charset="77"/>
+            </a:endParaRPr>
+          </a:p>
+          <a:p>
+            <a:pPr marL="0" indent="0">
+              <a:buNone/>
+            </a:pPr>
+            <a:r>
+              <a:rPr lang="en-US" sz="1900" b="1" dirty="0">
+                <a:solidFill>
+                  <a:srgbClr val="000087"/>
+                </a:solidFill>
+                <a:latin typeface="Inconsolata" panose="020B0609030003000000" pitchFamily="49" charset="77"/>
+              </a:rPr>
+              <a:t>In </a:t>
+            </a:r>
+            <a:r>
+              <a:rPr lang="en-US" sz="1900" b="1" dirty="0">
+                <a:latin typeface="Inconsolata" panose="020B0609030003000000" pitchFamily="49" charset="77"/>
+              </a:rPr>
+              <a:t>[</a:t>
+            </a:r>
+            <a:r>
+              <a:rPr lang="en-US" sz="1900" b="1" dirty="0">
+                <a:solidFill>
+                  <a:srgbClr val="FF6600"/>
+                </a:solidFill>
+                <a:latin typeface="Inconsolata" panose="020B0609030003000000" pitchFamily="49" charset="77"/>
+              </a:rPr>
+              <a:t>12</a:t>
+            </a:r>
+            <a:r>
+              <a:rPr lang="en-US" sz="1900" b="1" dirty="0">
+                <a:latin typeface="Inconsolata" panose="020B0609030003000000" pitchFamily="49" charset="77"/>
+              </a:rPr>
+              <a:t>]: </a:t>
+            </a:r>
+            <a:r>
+              <a:rPr lang="en-US" sz="1900" b="1" dirty="0">
+                <a:solidFill>
+                  <a:srgbClr val="000087"/>
+                </a:solidFill>
+                <a:latin typeface="Inconsolata" panose="020B0609030003000000" pitchFamily="49" charset="77"/>
+              </a:rPr>
+              <a:t>language = </a:t>
+            </a:r>
+            <a:r>
+              <a:rPr lang="en-US" sz="2000" dirty="0">
+                <a:solidFill>
+                  <a:srgbClr val="CC3300"/>
+                </a:solidFill>
+                <a:latin typeface="UbuntuMono"/>
+              </a:rPr>
+              <a:t>”python" </a:t>
+            </a:r>
+            <a:endParaRPr lang="en-US" sz="1900" b="1" dirty="0">
+              <a:latin typeface="Inconsolata" panose="020B0609030003000000" pitchFamily="49" charset="77"/>
+            </a:endParaRPr>
+          </a:p>
+          <a:p>
+            <a:pPr marL="0" indent="0">
+              <a:buNone/>
+            </a:pPr>
+            <a:endParaRPr lang="en-US" sz="1900" b="1" dirty="0">
+              <a:solidFill>
+                <a:srgbClr val="000087"/>
+              </a:solidFill>
+              <a:latin typeface="Inconsolata" panose="020B0609030003000000" pitchFamily="49" charset="77"/>
+            </a:endParaRPr>
+          </a:p>
+          <a:p>
+            <a:pPr marL="0" indent="0">
+              <a:buNone/>
+            </a:pPr>
+            <a:r>
+              <a:rPr lang="en-US" sz="1900" b="1" dirty="0">
+                <a:solidFill>
+                  <a:srgbClr val="000087"/>
+                </a:solidFill>
+                <a:latin typeface="Inconsolata" panose="020B0609030003000000" pitchFamily="49" charset="77"/>
+              </a:rPr>
+              <a:t>In [13</a:t>
+            </a:r>
+            <a:r>
+              <a:rPr lang="en-US" sz="1900" b="1" dirty="0">
+                <a:latin typeface="Inconsolata" panose="020B0609030003000000" pitchFamily="49" charset="77"/>
+              </a:rPr>
+              <a:t>]: </a:t>
+            </a:r>
+            <a:r>
+              <a:rPr lang="en-US" sz="1900" b="1" i="1" dirty="0">
+                <a:solidFill>
+                  <a:srgbClr val="000087"/>
+                </a:solidFill>
+                <a:latin typeface="Inconsolata" panose="020B0609030003000000" pitchFamily="49" charset="77"/>
+              </a:rPr>
+              <a:t>language</a:t>
+            </a:r>
+            <a:r>
+              <a:rPr lang="en-US" sz="1900" b="1" dirty="0">
+                <a:latin typeface="Inconsolata" panose="020B0609030003000000" pitchFamily="49" charset="77"/>
+              </a:rPr>
+              <a:t>[</a:t>
+            </a:r>
+            <a:r>
+              <a:rPr lang="en-US" sz="1900" b="1" dirty="0">
+                <a:solidFill>
+                  <a:srgbClr val="FF6600"/>
+                </a:solidFill>
+                <a:latin typeface="Inconsolata" panose="020B0609030003000000" pitchFamily="49" charset="77"/>
+              </a:rPr>
+              <a:t>2:5:-1</a:t>
+            </a:r>
+            <a:r>
+              <a:rPr lang="en-US" sz="1900" b="1" dirty="0">
+                <a:latin typeface="Inconsolata" panose="020B0609030003000000" pitchFamily="49" charset="77"/>
+              </a:rPr>
+              <a:t>] </a:t>
+            </a:r>
+            <a:endParaRPr lang="en-US" sz="1900" b="1" i="1" dirty="0">
+              <a:solidFill>
+                <a:srgbClr val="33566B"/>
+              </a:solidFill>
+              <a:latin typeface="Inconsolata" panose="020B0609030003000000" pitchFamily="49" charset="77"/>
+            </a:endParaRPr>
+          </a:p>
+          <a:p>
+            <a:pPr marL="0" indent="0">
+              <a:buNone/>
+            </a:pPr>
+            <a:r>
+              <a:rPr lang="en-US" sz="1900" b="1" dirty="0">
+                <a:latin typeface="Inconsolata" panose="020B0609030003000000" pitchFamily="49" charset="77"/>
+              </a:rPr>
+              <a:t>Out [13]: ‘’ </a:t>
+            </a:r>
+          </a:p>
+          <a:p>
+            <a:pPr marL="0" indent="0">
+              <a:buNone/>
+            </a:pPr>
+            <a:endParaRPr lang="en-US" sz="1900" b="1" dirty="0">
+              <a:solidFill>
+                <a:srgbClr val="000087"/>
+              </a:solidFill>
+              <a:latin typeface="Inconsolata" panose="020B0609030003000000" pitchFamily="49" charset="77"/>
+            </a:endParaRPr>
+          </a:p>
+          <a:p>
+            <a:pPr marL="0" indent="0">
+              <a:buNone/>
+            </a:pPr>
+            <a:r>
+              <a:rPr lang="en-US" sz="1900" b="1" dirty="0">
+                <a:solidFill>
+                  <a:srgbClr val="000087"/>
+                </a:solidFill>
+                <a:latin typeface="Inconsolata" panose="020B0609030003000000" pitchFamily="49" charset="77"/>
+              </a:rPr>
+              <a:t>In </a:t>
+            </a:r>
+            <a:r>
+              <a:rPr lang="en-US" sz="1900" b="1" dirty="0">
+                <a:latin typeface="Inconsolata" panose="020B0609030003000000" pitchFamily="49" charset="77"/>
+              </a:rPr>
+              <a:t>[</a:t>
+            </a:r>
+            <a:r>
+              <a:rPr lang="en-US" sz="1900" b="1" dirty="0">
+                <a:solidFill>
+                  <a:srgbClr val="FF6600"/>
+                </a:solidFill>
+                <a:latin typeface="Inconsolata" panose="020B0609030003000000" pitchFamily="49" charset="77"/>
+              </a:rPr>
+              <a:t>14</a:t>
+            </a:r>
+            <a:r>
+              <a:rPr lang="en-US" sz="1900" b="1" dirty="0">
+                <a:latin typeface="Inconsolata" panose="020B0609030003000000" pitchFamily="49" charset="77"/>
+              </a:rPr>
+              <a:t>]: </a:t>
+            </a:r>
+            <a:r>
+              <a:rPr lang="en-US" sz="1900" b="1" i="1" dirty="0">
+                <a:solidFill>
+                  <a:srgbClr val="000087"/>
+                </a:solidFill>
+                <a:latin typeface="Inconsolata" panose="020B0609030003000000" pitchFamily="49" charset="77"/>
+              </a:rPr>
+              <a:t>language</a:t>
+            </a:r>
+            <a:r>
+              <a:rPr lang="en-US" sz="1900" b="1" dirty="0">
+                <a:latin typeface="Inconsolata" panose="020B0609030003000000" pitchFamily="49" charset="77"/>
+              </a:rPr>
+              <a:t>[</a:t>
+            </a:r>
+            <a:r>
+              <a:rPr lang="en-US" sz="1900" b="1" dirty="0">
+                <a:solidFill>
+                  <a:srgbClr val="FF6600"/>
+                </a:solidFill>
+                <a:latin typeface="Inconsolata" panose="020B0609030003000000" pitchFamily="49" charset="77"/>
+              </a:rPr>
+              <a:t>5:2:-1</a:t>
+            </a:r>
+            <a:r>
+              <a:rPr lang="en-US" sz="1900" b="1" dirty="0">
+                <a:latin typeface="Inconsolata" panose="020B0609030003000000" pitchFamily="49" charset="77"/>
+              </a:rPr>
+              <a:t>] </a:t>
+            </a:r>
+            <a:endParaRPr lang="en-US" sz="1900" b="1" i="1" dirty="0">
+              <a:solidFill>
+                <a:srgbClr val="33566B"/>
+              </a:solidFill>
+              <a:latin typeface="Inconsolata" panose="020B0609030003000000" pitchFamily="49" charset="77"/>
+            </a:endParaRPr>
+          </a:p>
+          <a:p>
+            <a:pPr marL="0" indent="0">
+              <a:buNone/>
+            </a:pPr>
+            <a:r>
+              <a:rPr lang="en-US" sz="1900" b="1" dirty="0">
+                <a:latin typeface="Inconsolata" panose="020B0609030003000000" pitchFamily="49" charset="77"/>
+              </a:rPr>
+              <a:t>Out [14]: ‘</a:t>
+            </a:r>
+            <a:r>
+              <a:rPr lang="en-US" sz="1900" b="1" dirty="0" err="1">
+                <a:latin typeface="Inconsolata" panose="020B0609030003000000" pitchFamily="49" charset="77"/>
+              </a:rPr>
+              <a:t>noh</a:t>
+            </a:r>
+            <a:r>
+              <a:rPr lang="en-US" sz="1900" b="1" dirty="0">
+                <a:latin typeface="Inconsolata" panose="020B0609030003000000" pitchFamily="49" charset="77"/>
+              </a:rPr>
+              <a:t>’ </a:t>
+            </a:r>
+          </a:p>
+          <a:p>
+            <a:pPr marL="0" indent="0">
+              <a:buNone/>
+            </a:pPr>
+            <a:endParaRPr lang="en-US" sz="1900" b="1" dirty="0">
+              <a:latin typeface="Inconsolata" panose="020B0609030003000000" pitchFamily="49" charset="77"/>
+            </a:endParaRPr>
+          </a:p>
+          <a:p>
+            <a:pPr marL="0" indent="0">
+              <a:buNone/>
+            </a:pPr>
+            <a:endParaRPr lang="en-US" sz="1900" b="1" dirty="0">
+              <a:latin typeface="Inconsolata" panose="020B0609030003000000" pitchFamily="49" charset="77"/>
+            </a:endParaRPr>
+          </a:p>
+          <a:p>
+            <a:pPr marL="0" indent="0">
+              <a:buNone/>
+            </a:pPr>
+            <a:endParaRPr lang="en-US" sz="1900" b="1" dirty="0">
+              <a:latin typeface="Inconsolata" panose="020B0609030003000000" pitchFamily="49" charset="77"/>
+            </a:endParaRPr>
+          </a:p>
+          <a:p>
+            <a:pPr marL="0" indent="0">
+              <a:buNone/>
+            </a:pPr>
+            <a:endParaRPr lang="en-US" sz="1900" b="1" dirty="0">
+              <a:latin typeface="Inconsolata" panose="020B0609030003000000" pitchFamily="49" charset="77"/>
+            </a:endParaRPr>
+          </a:p>
+          <a:p>
+            <a:pPr marL="0" indent="0">
+              <a:buNone/>
+            </a:pPr>
+            <a:endParaRPr lang="en-US" sz="1900" b="1" dirty="0">
+              <a:latin typeface="Inconsolata" panose="020B0609030003000000" pitchFamily="49" charset="77"/>
+            </a:endParaRPr>
+          </a:p>
+          <a:p>
+            <a:pPr marL="0" indent="0">
+              <a:buNone/>
+            </a:pPr>
+            <a:r>
+              <a:rPr lang="en-US" sz="1900" b="1" dirty="0">
+                <a:latin typeface="Inconsolata" panose="020B0609030003000000" pitchFamily="49" charset="77"/>
+              </a:rPr>
+              <a:t> </a:t>
+            </a:r>
+          </a:p>
+          <a:p>
+            <a:pPr marL="0" indent="0">
+              <a:buNone/>
+            </a:pPr>
+            <a:endParaRPr lang="en-US" sz="1900" b="1" dirty="0">
+              <a:latin typeface="Inconsolata" panose="020B0609030003000000" pitchFamily="49" charset="77"/>
+            </a:endParaRPr>
+          </a:p>
+          <a:p>
+            <a:pPr marL="0" indent="0">
+              <a:buNone/>
+            </a:pPr>
+            <a:endParaRPr lang="en-US" sz="1900" b="1" dirty="0">
+              <a:latin typeface="Inconsolata" panose="020B0609030003000000" pitchFamily="49" charset="77"/>
+            </a:endParaRPr>
+          </a:p>
+          <a:p>
+            <a:pPr marL="0" indent="0">
+              <a:buNone/>
+            </a:pPr>
+            <a:endParaRPr lang="en-US" sz="1900" b="1" dirty="0">
+              <a:latin typeface="Inconsolata" panose="020B0609030003000000" pitchFamily="49" charset="77"/>
+            </a:endParaRPr>
+          </a:p>
+          <a:p>
+            <a:pPr marL="0" indent="0">
+              <a:buNone/>
+            </a:pPr>
+            <a:endParaRPr lang="en-US" sz="1900" b="1" dirty="0">
+              <a:latin typeface="Inconsolata" panose="020B0609030003000000" pitchFamily="49" charset="77"/>
+            </a:endParaRPr>
+          </a:p>
+          <a:p>
+            <a:pPr marL="0" indent="0">
+              <a:buNone/>
+            </a:pPr>
+            <a:endParaRPr lang="en-US" sz="1900" b="1" dirty="0">
+              <a:latin typeface="Inconsolata" panose="020B0609030003000000" pitchFamily="49" charset="77"/>
+            </a:endParaRPr>
+          </a:p>
+          <a:p>
+            <a:pPr marL="0" indent="0">
+              <a:buNone/>
+            </a:pPr>
+            <a:r>
+              <a:rPr lang="en-US" sz="1900" b="1" dirty="0">
+                <a:latin typeface="Inconsolata" panose="020B0609030003000000" pitchFamily="49" charset="77"/>
+              </a:rPr>
+              <a:t> </a:t>
+            </a:r>
+          </a:p>
+          <a:p>
+            <a:pPr marL="0" indent="0">
+              <a:buNone/>
+            </a:pPr>
+            <a:endParaRPr lang="en-US" sz="1900" b="1" dirty="0">
+              <a:latin typeface="Inconsolata" panose="020B0609030003000000" pitchFamily="49" charset="77"/>
+            </a:endParaRPr>
+          </a:p>
+          <a:p>
+            <a:pPr marL="0" indent="0">
+              <a:buNone/>
+            </a:pPr>
+            <a:endParaRPr lang="en-US" sz="1900" b="1" dirty="0">
+              <a:latin typeface="Inconsolata" panose="020B0609030003000000" pitchFamily="49" charset="77"/>
+            </a:endParaRPr>
+          </a:p>
+        </p:txBody>
+      </p:sp>
+    </p:spTree>
+    <p:extLst>
+      <p:ext uri="{BB962C8B-B14F-4D97-AF65-F5344CB8AC3E}">
+        <p14:creationId xmlns:p14="http://schemas.microsoft.com/office/powerpoint/2010/main" val="3018705465"/>
+      </p:ext>
+    </p:extLst>
+  </p:cSld>
+  <p:clrMapOvr>
+    <a:masterClrMapping/>
+  </p:clrMapOvr>
+  <p:timing>
+    <p:tnLst>
+      <p:par>
+        <p:cTn id="1" dur="indefinite" restart="never" nodeType="tmRoot">
+          <p:childTnLst>
+            <p:seq concurrent="1" nextAc="seek">
+              <p:cTn id="2" dur="indefinite" nodeType="mainSeq">
+                <p:childTnLst>
+                  <p:par>
+                    <p:cTn id="3" fill="hold">
+                      <p:stCondLst>
+                        <p:cond delay="indefinite"/>
+                      </p:stCondLst>
+                      <p:childTnLst>
+                        <p:par>
+                          <p:cTn id="4" fill="hold">
+                            <p:stCondLst>
+                              <p:cond delay="0"/>
+                            </p:stCondLst>
+                            <p:childTnLst>
+                              <p:par>
+                                <p:cTn id="5" presetID="1" presetClass="entr" presetSubtype="0" fill="hold" nodeType="clickEffect">
+                                  <p:stCondLst>
+                                    <p:cond delay="0"/>
+                                  </p:stCondLst>
+                                  <p:childTnLst>
+                                    <p:set>
+                                      <p:cBhvr>
+                                        <p:cTn id="6" dur="1" fill="hold">
+                                          <p:stCondLst>
+                                            <p:cond delay="0"/>
+                                          </p:stCondLst>
+                                        </p:cTn>
+                                        <p:tgtEl>
+                                          <p:spTgt spid="9">
+                                            <p:txEl>
+                                              <p:pRg st="3" end="3"/>
+                                            </p:txEl>
+                                          </p:spTgt>
+                                        </p:tgtEl>
+                                        <p:attrNameLst>
+                                          <p:attrName>style.visibility</p:attrName>
+                                        </p:attrNameLst>
+                                      </p:cBhvr>
+                                      <p:to>
+                                        <p:strVal val="visible"/>
+                                      </p:to>
+                                    </p:set>
+                                  </p:childTnLst>
+                                </p:cTn>
+                              </p:par>
+                              <p:par>
+                                <p:cTn id="7" presetID="1" presetClass="entr" presetSubtype="0" fill="hold" nodeType="withEffect">
+                                  <p:stCondLst>
+                                    <p:cond delay="0"/>
+                                  </p:stCondLst>
+                                  <p:childTnLst>
+                                    <p:set>
+                                      <p:cBhvr>
+                                        <p:cTn id="8" dur="1" fill="hold">
+                                          <p:stCondLst>
+                                            <p:cond delay="0"/>
+                                          </p:stCondLst>
+                                        </p:cTn>
+                                        <p:tgtEl>
+                                          <p:spTgt spid="9">
+                                            <p:txEl>
+                                              <p:pRg st="4" end="4"/>
+                                            </p:txEl>
+                                          </p:spTgt>
+                                        </p:tgtEl>
+                                        <p:attrNameLst>
+                                          <p:attrName>style.visibility</p:attrName>
+                                        </p:attrNameLst>
+                                      </p:cBhvr>
+                                      <p:to>
+                                        <p:strVal val="visible"/>
+                                      </p:to>
+                                    </p:set>
+                                  </p:childTnLst>
+                                </p:cTn>
+                              </p:par>
+                            </p:childTnLst>
+                          </p:cTn>
+                        </p:par>
+                      </p:childTnLst>
+                    </p:cTn>
+                  </p:par>
+                  <p:par>
+                    <p:cTn id="9" fill="hold">
+                      <p:stCondLst>
+                        <p:cond delay="indefinite"/>
+                      </p:stCondLst>
+                      <p:childTnLst>
+                        <p:par>
+                          <p:cTn id="10" fill="hold">
+                            <p:stCondLst>
+                              <p:cond delay="0"/>
+                            </p:stCondLst>
+                            <p:childTnLst>
+                              <p:par>
+                                <p:cTn id="11" presetID="1" presetClass="entr" presetSubtype="0" fill="hold" nodeType="clickEffect">
+                                  <p:stCondLst>
+                                    <p:cond delay="0"/>
+                                  </p:stCondLst>
+                                  <p:childTnLst>
+                                    <p:set>
+                                      <p:cBhvr>
+                                        <p:cTn id="12" dur="1" fill="hold">
+                                          <p:stCondLst>
+                                            <p:cond delay="0"/>
+                                          </p:stCondLst>
+                                        </p:cTn>
+                                        <p:tgtEl>
+                                          <p:spTgt spid="9">
+                                            <p:txEl>
+                                              <p:pRg st="6" end="6"/>
+                                            </p:txEl>
+                                          </p:spTgt>
+                                        </p:tgtEl>
+                                        <p:attrNameLst>
+                                          <p:attrName>style.visibility</p:attrName>
+                                        </p:attrNameLst>
+                                      </p:cBhvr>
+                                      <p:to>
+                                        <p:strVal val="visible"/>
+                                      </p:to>
+                                    </p:set>
+                                  </p:childTnLst>
+                                </p:cTn>
+                              </p:par>
+                              <p:par>
+                                <p:cTn id="13" presetID="1" presetClass="entr" presetSubtype="0" fill="hold" nodeType="withEffect">
+                                  <p:stCondLst>
+                                    <p:cond delay="0"/>
+                                  </p:stCondLst>
+                                  <p:childTnLst>
+                                    <p:set>
+                                      <p:cBhvr>
+                                        <p:cTn id="14" dur="1" fill="hold">
+                                          <p:stCondLst>
+                                            <p:cond delay="0"/>
+                                          </p:stCondLst>
+                                        </p:cTn>
+                                        <p:tgtEl>
+                                          <p:spTgt spid="9">
+                                            <p:txEl>
+                                              <p:pRg st="7" end="7"/>
                                             </p:txEl>
                                           </p:spTgt>
                                         </p:tgtEl>
